--- a/HSTR121/ppts/Early1970sGoodBadUgly.pptx
+++ b/HSTR121/ppts/Early1970sGoodBadUgly.pptx
@@ -5,25 +5,27 @@
     <p:sldMasterId id="2147483648" r:id="rId1"/>
   </p:sldMasterIdLst>
   <p:notesMasterIdLst>
-    <p:notesMasterId r:id="rId18"/>
+    <p:notesMasterId r:id="rId20"/>
   </p:notesMasterIdLst>
   <p:sldIdLst>
     <p:sldId id="256" r:id="rId2"/>
-    <p:sldId id="271" r:id="rId3"/>
-    <p:sldId id="257" r:id="rId4"/>
-    <p:sldId id="258" r:id="rId5"/>
-    <p:sldId id="259" r:id="rId6"/>
-    <p:sldId id="260" r:id="rId7"/>
-    <p:sldId id="261" r:id="rId8"/>
-    <p:sldId id="262" r:id="rId9"/>
-    <p:sldId id="263" r:id="rId10"/>
-    <p:sldId id="264" r:id="rId11"/>
-    <p:sldId id="265" r:id="rId12"/>
-    <p:sldId id="266" r:id="rId13"/>
-    <p:sldId id="267" r:id="rId14"/>
-    <p:sldId id="268" r:id="rId15"/>
-    <p:sldId id="269" r:id="rId16"/>
-    <p:sldId id="270" r:id="rId17"/>
+    <p:sldId id="257" r:id="rId3"/>
+    <p:sldId id="272" r:id="rId4"/>
+    <p:sldId id="273" r:id="rId5"/>
+    <p:sldId id="271" r:id="rId6"/>
+    <p:sldId id="258" r:id="rId7"/>
+    <p:sldId id="259" r:id="rId8"/>
+    <p:sldId id="260" r:id="rId9"/>
+    <p:sldId id="261" r:id="rId10"/>
+    <p:sldId id="262" r:id="rId11"/>
+    <p:sldId id="263" r:id="rId12"/>
+    <p:sldId id="264" r:id="rId13"/>
+    <p:sldId id="265" r:id="rId14"/>
+    <p:sldId id="266" r:id="rId15"/>
+    <p:sldId id="267" r:id="rId16"/>
+    <p:sldId id="268" r:id="rId17"/>
+    <p:sldId id="269" r:id="rId18"/>
+    <p:sldId id="270" r:id="rId19"/>
   </p:sldIdLst>
   <p:sldSz cx="12192000" cy="6858000"/>
   <p:notesSz cx="6858000" cy="9144000"/>
@@ -212,7 +214,7 @@
           <a:p>
             <a:fld id="{56275479-FADF-41D7-8573-0C393984AE94}" type="datetimeFigureOut">
               <a:rPr lang="en-US" smtClean="0"/>
-              <a:t>11/23/2016</a:t>
+              <a:t>3/5/18</a:t>
             </a:fld>
             <a:endParaRPr lang="en-US"/>
           </a:p>
@@ -276,38 +278,37 @@
           <a:p>
             <a:pPr lvl="0"/>
             <a:r>
-              <a:rPr lang="en-US" smtClean="0"/>
+              <a:rPr lang="en-US"/>
               <a:t>Click to edit Master text styles</a:t>
             </a:r>
           </a:p>
           <a:p>
             <a:pPr lvl="1"/>
             <a:r>
-              <a:rPr lang="en-US" smtClean="0"/>
+              <a:rPr lang="en-US"/>
               <a:t>Second level</a:t>
             </a:r>
           </a:p>
           <a:p>
             <a:pPr lvl="2"/>
             <a:r>
-              <a:rPr lang="en-US" smtClean="0"/>
+              <a:rPr lang="en-US"/>
               <a:t>Third level</a:t>
             </a:r>
           </a:p>
           <a:p>
             <a:pPr lvl="3"/>
             <a:r>
-              <a:rPr lang="en-US" smtClean="0"/>
+              <a:rPr lang="en-US"/>
               <a:t>Fourth level</a:t>
             </a:r>
           </a:p>
           <a:p>
             <a:pPr lvl="4"/>
             <a:r>
-              <a:rPr lang="en-US" smtClean="0"/>
+              <a:rPr lang="en-US"/>
               <a:t>Fifth level</a:t>
             </a:r>
-            <a:endParaRPr lang="en-US"/>
           </a:p>
         </p:txBody>
       </p:sp>
@@ -525,10 +526,9 @@
           <a:lstStyle/>
           <a:p>
             <a:r>
-              <a:rPr lang="en-US" dirty="0" smtClean="0"/>
+              <a:rPr lang="en-US" dirty="0"/>
               <a:t>Source: https://en.wikipedia.org/wiki/Rolling_Stone%27s_500_Greatest_Songs_of_All_Time</a:t>
             </a:r>
-            <a:endParaRPr lang="en-US" dirty="0"/>
           </a:p>
         </p:txBody>
       </p:sp>
@@ -549,7 +549,7 @@
           <a:p>
             <a:fld id="{4650ECFB-5DB9-4830-AE31-9E69EEFBEC8B}" type="slidenum">
               <a:rPr lang="en-US" smtClean="0"/>
-              <a:t>14</a:t>
+              <a:t>16</a:t>
             </a:fld>
             <a:endParaRPr lang="en-US"/>
           </a:p>
@@ -633,7 +633,7 @@
           <a:p>
             <a:fld id="{4650ECFB-5DB9-4830-AE31-9E69EEFBEC8B}" type="slidenum">
               <a:rPr lang="en-US" smtClean="0"/>
-              <a:t>15</a:t>
+              <a:t>17</a:t>
             </a:fld>
             <a:endParaRPr lang="en-US"/>
           </a:p>
@@ -697,10 +697,9 @@
           <a:lstStyle/>
           <a:p>
             <a:r>
-              <a:rPr lang="en-US" dirty="0" smtClean="0"/>
+              <a:rPr lang="en-US" dirty="0"/>
               <a:t>Source: http://www.rollingstone.com/music/lists/the-500-greatest-songs-of-all-time-20110407/the-eagles-hotel-california-20110525</a:t>
             </a:r>
-            <a:endParaRPr lang="en-US" dirty="0"/>
           </a:p>
         </p:txBody>
       </p:sp>
@@ -721,7 +720,7 @@
           <a:p>
             <a:fld id="{4650ECFB-5DB9-4830-AE31-9E69EEFBEC8B}" type="slidenum">
               <a:rPr lang="en-US" smtClean="0"/>
-              <a:t>16</a:t>
+              <a:t>18</a:t>
             </a:fld>
             <a:endParaRPr lang="en-US"/>
           </a:p>
@@ -796,7 +795,7 @@
           </a:lstStyle>
           <a:p>
             <a:r>
-              <a:rPr lang="en-US" smtClean="0"/>
+              <a:rPr lang="en-US"/>
               <a:t>Click to edit Master title style</a:t>
             </a:r>
             <a:endParaRPr lang="en-US" dirty="0"/>
@@ -872,7 +871,7 @@
           </a:lstStyle>
           <a:p>
             <a:r>
-              <a:rPr lang="en-US" smtClean="0"/>
+              <a:rPr lang="en-US"/>
               <a:t>Click to edit Master subtitle style</a:t>
             </a:r>
             <a:endParaRPr lang="en-US" dirty="0"/>
@@ -910,7 +909,7 @@
             <a:fld id="{87DE6118-2437-4B30-8E3C-4D2BE6020583}" type="datetimeFigureOut">
               <a:rPr lang="en-US" dirty="0"/>
               <a:pPr/>
-              <a:t>11/23/2016</a:t>
+              <a:t>3/5/18</a:t>
             </a:fld>
             <a:endParaRPr lang="en-US" dirty="0"/>
           </a:p>
@@ -1155,7 +1154,7 @@
           <a:lstStyle/>
           <a:p>
             <a:r>
-              <a:rPr lang="en-US" smtClean="0"/>
+              <a:rPr lang="en-US"/>
               <a:t>Click to edit Master title style</a:t>
             </a:r>
             <a:endParaRPr lang="en-US" dirty="0"/>
@@ -1184,35 +1183,35 @@
           <a:p>
             <a:pPr lvl="0"/>
             <a:r>
-              <a:rPr lang="en-US" smtClean="0"/>
+              <a:rPr lang="en-US"/>
               <a:t>Click to edit Master text styles</a:t>
             </a:r>
           </a:p>
           <a:p>
             <a:pPr lvl="1"/>
             <a:r>
-              <a:rPr lang="en-US" smtClean="0"/>
+              <a:rPr lang="en-US"/>
               <a:t>Second level</a:t>
             </a:r>
           </a:p>
           <a:p>
             <a:pPr lvl="2"/>
             <a:r>
-              <a:rPr lang="en-US" smtClean="0"/>
+              <a:rPr lang="en-US"/>
               <a:t>Third level</a:t>
             </a:r>
           </a:p>
           <a:p>
             <a:pPr lvl="3"/>
             <a:r>
-              <a:rPr lang="en-US" smtClean="0"/>
+              <a:rPr lang="en-US"/>
               <a:t>Fourth level</a:t>
             </a:r>
           </a:p>
           <a:p>
             <a:pPr lvl="4"/>
             <a:r>
-              <a:rPr lang="en-US" smtClean="0"/>
+              <a:rPr lang="en-US"/>
               <a:t>Fifth level</a:t>
             </a:r>
             <a:endParaRPr lang="en-US" dirty="0"/>
@@ -1236,7 +1235,7 @@
           <a:p>
             <a:fld id="{87DE6118-2437-4B30-8E3C-4D2BE6020583}" type="datetimeFigureOut">
               <a:rPr lang="en-US" dirty="0"/>
-              <a:t>11/23/2016</a:t>
+              <a:t>3/5/18</a:t>
             </a:fld>
             <a:endParaRPr lang="en-US" dirty="0"/>
           </a:p>
@@ -1330,7 +1329,7 @@
           <a:lstStyle/>
           <a:p>
             <a:r>
-              <a:rPr lang="en-US" smtClean="0"/>
+              <a:rPr lang="en-US"/>
               <a:t>Click to edit Master title style</a:t>
             </a:r>
             <a:endParaRPr lang="en-US" dirty="0"/>
@@ -1359,35 +1358,35 @@
           <a:p>
             <a:pPr lvl="0"/>
             <a:r>
-              <a:rPr lang="en-US" smtClean="0"/>
+              <a:rPr lang="en-US"/>
               <a:t>Click to edit Master text styles</a:t>
             </a:r>
           </a:p>
           <a:p>
             <a:pPr lvl="1"/>
             <a:r>
-              <a:rPr lang="en-US" smtClean="0"/>
+              <a:rPr lang="en-US"/>
               <a:t>Second level</a:t>
             </a:r>
           </a:p>
           <a:p>
             <a:pPr lvl="2"/>
             <a:r>
-              <a:rPr lang="en-US" smtClean="0"/>
+              <a:rPr lang="en-US"/>
               <a:t>Third level</a:t>
             </a:r>
           </a:p>
           <a:p>
             <a:pPr lvl="3"/>
             <a:r>
-              <a:rPr lang="en-US" smtClean="0"/>
+              <a:rPr lang="en-US"/>
               <a:t>Fourth level</a:t>
             </a:r>
           </a:p>
           <a:p>
             <a:pPr lvl="4"/>
             <a:r>
-              <a:rPr lang="en-US" smtClean="0"/>
+              <a:rPr lang="en-US"/>
               <a:t>Fifth level</a:t>
             </a:r>
             <a:endParaRPr lang="en-US" dirty="0"/>
@@ -1411,7 +1410,7 @@
           <a:p>
             <a:fld id="{87DE6118-2437-4B30-8E3C-4D2BE6020583}" type="datetimeFigureOut">
               <a:rPr lang="en-US" dirty="0"/>
-              <a:t>11/23/2016</a:t>
+              <a:t>3/5/18</a:t>
             </a:fld>
             <a:endParaRPr lang="en-US" dirty="0"/>
           </a:p>
@@ -1500,7 +1499,7 @@
           <a:lstStyle/>
           <a:p>
             <a:r>
-              <a:rPr lang="en-US" smtClean="0"/>
+              <a:rPr lang="en-US"/>
               <a:t>Click to edit Master title style</a:t>
             </a:r>
             <a:endParaRPr lang="en-US" dirty="0"/>
@@ -1524,35 +1523,35 @@
           <a:p>
             <a:pPr lvl="0"/>
             <a:r>
-              <a:rPr lang="en-US" smtClean="0"/>
+              <a:rPr lang="en-US"/>
               <a:t>Click to edit Master text styles</a:t>
             </a:r>
           </a:p>
           <a:p>
             <a:pPr lvl="1"/>
             <a:r>
-              <a:rPr lang="en-US" smtClean="0"/>
+              <a:rPr lang="en-US"/>
               <a:t>Second level</a:t>
             </a:r>
           </a:p>
           <a:p>
             <a:pPr lvl="2"/>
             <a:r>
-              <a:rPr lang="en-US" smtClean="0"/>
+              <a:rPr lang="en-US"/>
               <a:t>Third level</a:t>
             </a:r>
           </a:p>
           <a:p>
             <a:pPr lvl="3"/>
             <a:r>
-              <a:rPr lang="en-US" smtClean="0"/>
+              <a:rPr lang="en-US"/>
               <a:t>Fourth level</a:t>
             </a:r>
           </a:p>
           <a:p>
             <a:pPr lvl="4"/>
             <a:r>
-              <a:rPr lang="en-US" smtClean="0"/>
+              <a:rPr lang="en-US"/>
               <a:t>Fifth level</a:t>
             </a:r>
             <a:endParaRPr lang="en-US" dirty="0"/>
@@ -1576,7 +1575,7 @@
           <a:p>
             <a:fld id="{87DE6118-2437-4B30-8E3C-4D2BE6020583}" type="datetimeFigureOut">
               <a:rPr lang="en-US" dirty="0"/>
-              <a:t>11/23/2016</a:t>
+              <a:t>3/5/18</a:t>
             </a:fld>
             <a:endParaRPr lang="en-US" dirty="0"/>
           </a:p>
@@ -1685,7 +1684,7 @@
           </a:lstStyle>
           <a:p>
             <a:r>
-              <a:rPr lang="en-US" smtClean="0"/>
+              <a:rPr lang="en-US"/>
               <a:t>Click to edit Master title style</a:t>
             </a:r>
             <a:endParaRPr lang="en-US" dirty="0"/>
@@ -1812,7 +1811,7 @@
           <a:p>
             <a:pPr lvl="0"/>
             <a:r>
-              <a:rPr lang="en-US" smtClean="0"/>
+              <a:rPr lang="en-US"/>
               <a:t>Click to edit Master text styles</a:t>
             </a:r>
           </a:p>
@@ -1849,7 +1848,7 @@
             <a:fld id="{87DE6118-2437-4B30-8E3C-4D2BE6020583}" type="datetimeFigureOut">
               <a:rPr lang="en-US" dirty="0"/>
               <a:pPr/>
-              <a:t>11/23/2016</a:t>
+              <a:t>3/5/18</a:t>
             </a:fld>
             <a:endParaRPr lang="en-US" dirty="0"/>
           </a:p>
@@ -2029,7 +2028,7 @@
           </a:lstStyle>
           <a:p>
             <a:r>
-              <a:rPr lang="en-US" smtClean="0"/>
+              <a:rPr lang="en-US"/>
               <a:t>Click to edit Master title style</a:t>
             </a:r>
             <a:endParaRPr lang="en-US" dirty="0"/>
@@ -2094,35 +2093,35 @@
           <a:p>
             <a:pPr lvl="0"/>
             <a:r>
-              <a:rPr lang="en-US" smtClean="0"/>
+              <a:rPr lang="en-US"/>
               <a:t>Click to edit Master text styles</a:t>
             </a:r>
           </a:p>
           <a:p>
             <a:pPr lvl="1"/>
             <a:r>
-              <a:rPr lang="en-US" smtClean="0"/>
+              <a:rPr lang="en-US"/>
               <a:t>Second level</a:t>
             </a:r>
           </a:p>
           <a:p>
             <a:pPr lvl="2"/>
             <a:r>
-              <a:rPr lang="en-US" smtClean="0"/>
+              <a:rPr lang="en-US"/>
               <a:t>Third level</a:t>
             </a:r>
           </a:p>
           <a:p>
             <a:pPr lvl="3"/>
             <a:r>
-              <a:rPr lang="en-US" smtClean="0"/>
+              <a:rPr lang="en-US"/>
               <a:t>Fourth level</a:t>
             </a:r>
           </a:p>
           <a:p>
             <a:pPr lvl="4"/>
             <a:r>
-              <a:rPr lang="en-US" smtClean="0"/>
+              <a:rPr lang="en-US"/>
               <a:t>Fifth level</a:t>
             </a:r>
             <a:endParaRPr lang="en-US" dirty="0"/>
@@ -2187,35 +2186,35 @@
           <a:p>
             <a:pPr lvl="0"/>
             <a:r>
-              <a:rPr lang="en-US" smtClean="0"/>
+              <a:rPr lang="en-US"/>
               <a:t>Click to edit Master text styles</a:t>
             </a:r>
           </a:p>
           <a:p>
             <a:pPr lvl="1"/>
             <a:r>
-              <a:rPr lang="en-US" smtClean="0"/>
+              <a:rPr lang="en-US"/>
               <a:t>Second level</a:t>
             </a:r>
           </a:p>
           <a:p>
             <a:pPr lvl="2"/>
             <a:r>
-              <a:rPr lang="en-US" smtClean="0"/>
+              <a:rPr lang="en-US"/>
               <a:t>Third level</a:t>
             </a:r>
           </a:p>
           <a:p>
             <a:pPr lvl="3"/>
             <a:r>
-              <a:rPr lang="en-US" smtClean="0"/>
+              <a:rPr lang="en-US"/>
               <a:t>Fourth level</a:t>
             </a:r>
           </a:p>
           <a:p>
             <a:pPr lvl="4"/>
             <a:r>
-              <a:rPr lang="en-US" smtClean="0"/>
+              <a:rPr lang="en-US"/>
               <a:t>Fifth level</a:t>
             </a:r>
             <a:endParaRPr lang="en-US" dirty="0"/>
@@ -2239,7 +2238,7 @@
           <a:p>
             <a:fld id="{87DE6118-2437-4B30-8E3C-4D2BE6020583}" type="datetimeFigureOut">
               <a:rPr lang="en-US" dirty="0"/>
-              <a:t>11/23/2016</a:t>
+              <a:t>3/5/18</a:t>
             </a:fld>
             <a:endParaRPr lang="en-US" dirty="0"/>
           </a:p>
@@ -2341,7 +2340,7 @@
           </a:lstStyle>
           <a:p>
             <a:r>
-              <a:rPr lang="en-US" smtClean="0"/>
+              <a:rPr lang="en-US"/>
               <a:t>Click to edit Master title style</a:t>
             </a:r>
             <a:endParaRPr lang="en-US" dirty="0"/>
@@ -2422,7 +2421,7 @@
           <a:p>
             <a:pPr lvl="0"/>
             <a:r>
-              <a:rPr lang="en-US" smtClean="0"/>
+              <a:rPr lang="en-US"/>
               <a:t>Click to edit Master text styles</a:t>
             </a:r>
           </a:p>
@@ -2486,35 +2485,35 @@
           <a:p>
             <a:pPr lvl="0"/>
             <a:r>
-              <a:rPr lang="en-US" smtClean="0"/>
+              <a:rPr lang="en-US"/>
               <a:t>Click to edit Master text styles</a:t>
             </a:r>
           </a:p>
           <a:p>
             <a:pPr lvl="1"/>
             <a:r>
-              <a:rPr lang="en-US" smtClean="0"/>
+              <a:rPr lang="en-US"/>
               <a:t>Second level</a:t>
             </a:r>
           </a:p>
           <a:p>
             <a:pPr lvl="2"/>
             <a:r>
-              <a:rPr lang="en-US" smtClean="0"/>
+              <a:rPr lang="en-US"/>
               <a:t>Third level</a:t>
             </a:r>
           </a:p>
           <a:p>
             <a:pPr lvl="3"/>
             <a:r>
-              <a:rPr lang="en-US" smtClean="0"/>
+              <a:rPr lang="en-US"/>
               <a:t>Fourth level</a:t>
             </a:r>
           </a:p>
           <a:p>
             <a:pPr lvl="4"/>
             <a:r>
-              <a:rPr lang="en-US" smtClean="0"/>
+              <a:rPr lang="en-US"/>
               <a:t>Fifth level</a:t>
             </a:r>
             <a:endParaRPr lang="en-US" dirty="0"/>
@@ -2595,7 +2594,7 @@
           <a:p>
             <a:pPr lvl="0"/>
             <a:r>
-              <a:rPr lang="en-US" smtClean="0"/>
+              <a:rPr lang="en-US"/>
               <a:t>Click to edit Master text styles</a:t>
             </a:r>
           </a:p>
@@ -2659,35 +2658,35 @@
           <a:p>
             <a:pPr lvl="0"/>
             <a:r>
-              <a:rPr lang="en-US" smtClean="0"/>
+              <a:rPr lang="en-US"/>
               <a:t>Click to edit Master text styles</a:t>
             </a:r>
           </a:p>
           <a:p>
             <a:pPr lvl="1"/>
             <a:r>
-              <a:rPr lang="en-US" smtClean="0"/>
+              <a:rPr lang="en-US"/>
               <a:t>Second level</a:t>
             </a:r>
           </a:p>
           <a:p>
             <a:pPr lvl="2"/>
             <a:r>
-              <a:rPr lang="en-US" smtClean="0"/>
+              <a:rPr lang="en-US"/>
               <a:t>Third level</a:t>
             </a:r>
           </a:p>
           <a:p>
             <a:pPr lvl="3"/>
             <a:r>
-              <a:rPr lang="en-US" smtClean="0"/>
+              <a:rPr lang="en-US"/>
               <a:t>Fourth level</a:t>
             </a:r>
           </a:p>
           <a:p>
             <a:pPr lvl="4"/>
             <a:r>
-              <a:rPr lang="en-US" smtClean="0"/>
+              <a:rPr lang="en-US"/>
               <a:t>Fifth level</a:t>
             </a:r>
             <a:endParaRPr lang="en-US" dirty="0"/>
@@ -2711,7 +2710,7 @@
           <a:p>
             <a:fld id="{87DE6118-2437-4B30-8E3C-4D2BE6020583}" type="datetimeFigureOut">
               <a:rPr lang="en-US" dirty="0"/>
-              <a:t>11/23/2016</a:t>
+              <a:t>3/5/18</a:t>
             </a:fld>
             <a:endParaRPr lang="en-US" dirty="0"/>
           </a:p>
@@ -2800,7 +2799,7 @@
           <a:lstStyle/>
           <a:p>
             <a:r>
-              <a:rPr lang="en-US" smtClean="0"/>
+              <a:rPr lang="en-US"/>
               <a:t>Click to edit Master title style</a:t>
             </a:r>
             <a:endParaRPr lang="en-US" dirty="0"/>
@@ -2824,7 +2823,7 @@
           <a:p>
             <a:fld id="{87DE6118-2437-4B30-8E3C-4D2BE6020583}" type="datetimeFigureOut">
               <a:rPr lang="en-US" dirty="0"/>
-              <a:t>11/23/2016</a:t>
+              <a:t>3/5/18</a:t>
             </a:fld>
             <a:endParaRPr lang="en-US" dirty="0"/>
           </a:p>
@@ -2914,7 +2913,7 @@
           <a:p>
             <a:fld id="{87DE6118-2437-4B30-8E3C-4D2BE6020583}" type="datetimeFigureOut">
               <a:rPr lang="en-US" dirty="0"/>
-              <a:t>11/23/2016</a:t>
+              <a:t>3/5/18</a:t>
             </a:fld>
             <a:endParaRPr lang="en-US" dirty="0"/>
           </a:p>
@@ -3059,7 +3058,7 @@
           </a:lstStyle>
           <a:p>
             <a:r>
-              <a:rPr lang="en-US" smtClean="0"/>
+              <a:rPr lang="en-US"/>
               <a:t>Click to edit Master title style</a:t>
             </a:r>
             <a:endParaRPr lang="en-US" dirty="0"/>
@@ -3116,35 +3115,35 @@
           <a:p>
             <a:pPr lvl="0"/>
             <a:r>
-              <a:rPr lang="en-US" smtClean="0"/>
+              <a:rPr lang="en-US"/>
               <a:t>Click to edit Master text styles</a:t>
             </a:r>
           </a:p>
           <a:p>
             <a:pPr lvl="1"/>
             <a:r>
-              <a:rPr lang="en-US" smtClean="0"/>
+              <a:rPr lang="en-US"/>
               <a:t>Second level</a:t>
             </a:r>
           </a:p>
           <a:p>
             <a:pPr lvl="2"/>
             <a:r>
-              <a:rPr lang="en-US" smtClean="0"/>
+              <a:rPr lang="en-US"/>
               <a:t>Third level</a:t>
             </a:r>
           </a:p>
           <a:p>
             <a:pPr lvl="3"/>
             <a:r>
-              <a:rPr lang="en-US" smtClean="0"/>
+              <a:rPr lang="en-US"/>
               <a:t>Fourth level</a:t>
             </a:r>
           </a:p>
           <a:p>
             <a:pPr lvl="4"/>
             <a:r>
-              <a:rPr lang="en-US" smtClean="0"/>
+              <a:rPr lang="en-US"/>
               <a:t>Fifth level</a:t>
             </a:r>
             <a:endParaRPr lang="en-US" dirty="0"/>
@@ -3219,7 +3218,7 @@
           <a:p>
             <a:pPr lvl="0"/>
             <a:r>
-              <a:rPr lang="en-US" smtClean="0"/>
+              <a:rPr lang="en-US"/>
               <a:t>Click to edit Master text styles</a:t>
             </a:r>
           </a:p>
@@ -3256,7 +3255,7 @@
             <a:fld id="{87DE6118-2437-4B30-8E3C-4D2BE6020583}" type="datetimeFigureOut">
               <a:rPr lang="en-US" dirty="0"/>
               <a:pPr/>
-              <a:t>11/23/2016</a:t>
+              <a:t>3/5/18</a:t>
             </a:fld>
             <a:endParaRPr lang="en-US" dirty="0"/>
           </a:p>
@@ -3462,7 +3461,7 @@
           </a:lstStyle>
           <a:p>
             <a:r>
-              <a:rPr lang="en-US" smtClean="0"/>
+              <a:rPr lang="en-US"/>
               <a:t>Click to edit Master title style</a:t>
             </a:r>
             <a:endParaRPr lang="en-US" dirty="0"/>
@@ -3529,7 +3528,7 @@
           </a:lstStyle>
           <a:p>
             <a:r>
-              <a:rPr lang="en-US" smtClean="0"/>
+              <a:rPr lang="en-US"/>
               <a:t>Click icon to add picture</a:t>
             </a:r>
             <a:endParaRPr lang="en-US" dirty="0"/>
@@ -3604,7 +3603,7 @@
           <a:p>
             <a:pPr lvl="0"/>
             <a:r>
-              <a:rPr lang="en-US" smtClean="0"/>
+              <a:rPr lang="en-US"/>
               <a:t>Click to edit Master text styles</a:t>
             </a:r>
           </a:p>
@@ -3641,7 +3640,7 @@
             <a:fld id="{87DE6118-2437-4B30-8E3C-4D2BE6020583}" type="datetimeFigureOut">
               <a:rPr lang="en-US" dirty="0"/>
               <a:pPr/>
-              <a:t>11/23/2016</a:t>
+              <a:t>3/5/18</a:t>
             </a:fld>
             <a:endParaRPr lang="en-US" dirty="0"/>
           </a:p>
@@ -3813,7 +3812,7 @@
           <a:lstStyle/>
           <a:p>
             <a:r>
-              <a:rPr lang="en-US" smtClean="0"/>
+              <a:rPr lang="en-US"/>
               <a:t>Click to edit Master title style</a:t>
             </a:r>
             <a:endParaRPr lang="en-US" dirty="0"/>
@@ -3847,35 +3846,35 @@
           <a:p>
             <a:pPr lvl="0"/>
             <a:r>
-              <a:rPr lang="en-US" smtClean="0"/>
+              <a:rPr lang="en-US"/>
               <a:t>Click to edit Master text styles</a:t>
             </a:r>
           </a:p>
           <a:p>
             <a:pPr lvl="1"/>
             <a:r>
-              <a:rPr lang="en-US" smtClean="0"/>
+              <a:rPr lang="en-US"/>
               <a:t>Second level</a:t>
             </a:r>
           </a:p>
           <a:p>
             <a:pPr lvl="2"/>
             <a:r>
-              <a:rPr lang="en-US" smtClean="0"/>
+              <a:rPr lang="en-US"/>
               <a:t>Third level</a:t>
             </a:r>
           </a:p>
           <a:p>
             <a:pPr lvl="3"/>
             <a:r>
-              <a:rPr lang="en-US" smtClean="0"/>
+              <a:rPr lang="en-US"/>
               <a:t>Fourth level</a:t>
             </a:r>
           </a:p>
           <a:p>
             <a:pPr lvl="4"/>
             <a:r>
-              <a:rPr lang="en-US" smtClean="0"/>
+              <a:rPr lang="en-US"/>
               <a:t>Fifth level</a:t>
             </a:r>
             <a:endParaRPr lang="en-US" dirty="0"/>
@@ -3916,7 +3915,7 @@
             <a:fld id="{87DE6118-2437-4B30-8E3C-4D2BE6020583}" type="datetimeFigureOut">
               <a:rPr lang="en-US" dirty="0"/>
               <a:pPr/>
-              <a:t>11/23/2016</a:t>
+              <a:t>3/5/18</a:t>
             </a:fld>
             <a:endParaRPr lang="en-US" dirty="0"/>
           </a:p>
@@ -4440,10 +4439,9 @@
           <a:lstStyle/>
           <a:p>
             <a:r>
-              <a:rPr lang="en-US" dirty="0" smtClean="0"/>
+              <a:rPr lang="en-US" dirty="0"/>
               <a:t>The good, the bad, and the ugly</a:t>
             </a:r>
-            <a:endParaRPr lang="en-US" dirty="0"/>
           </a:p>
         </p:txBody>
       </p:sp>
@@ -4463,10 +4461,9 @@
           <a:lstStyle/>
           <a:p>
             <a:r>
-              <a:rPr lang="en-US" dirty="0" smtClean="0"/>
+              <a:rPr lang="en-US" dirty="0"/>
               <a:t>The early 1970s</a:t>
             </a:r>
-            <a:endParaRPr lang="en-US" dirty="0"/>
           </a:p>
         </p:txBody>
       </p:sp>
@@ -4480,13 +4477,6 @@
   <p:clrMapOvr>
     <a:masterClrMapping/>
   </p:clrMapOvr>
-  <p:timing>
-    <p:tnLst>
-      <p:par>
-        <p:cTn id="1" dur="indefinite" restart="never" nodeType="tmRoot"/>
-      </p:par>
-    </p:tnLst>
-  </p:timing>
 </p:sld>
 </file>
 
@@ -4517,24 +4507,372 @@
             <p:ph type="title"/>
           </p:nvPr>
         </p:nvSpPr>
+        <p:spPr>
+          <a:xfrm>
+            <a:off x="1371600" y="400048"/>
+            <a:ext cx="9601200" cy="742950"/>
+          </a:xfrm>
+        </p:spPr>
+        <p:txBody>
+          <a:bodyPr>
+            <a:noAutofit/>
+          </a:bodyPr>
+          <a:lstStyle/>
+          <a:p>
+            <a:r>
+              <a:rPr lang="en-US" sz="5400" dirty="0"/>
+              <a:t>Pink Floyd, after </a:t>
+            </a:r>
+            <a:r>
+              <a:rPr lang="en-US" sz="5400" i="1" dirty="0"/>
+              <a:t>Dark Side</a:t>
+            </a:r>
+          </a:p>
+        </p:txBody>
+      </p:sp>
+      <p:sp>
+        <p:nvSpPr>
+          <p:cNvPr id="3" name="Content Placeholder 2"/>
+          <p:cNvSpPr>
+            <a:spLocks noGrp="1"/>
+          </p:cNvSpPr>
+          <p:nvPr>
+            <p:ph idx="1"/>
+          </p:nvPr>
+        </p:nvSpPr>
+        <p:spPr>
+          <a:xfrm>
+            <a:off x="1097279" y="1575583"/>
+            <a:ext cx="5542672" cy="4901416"/>
+          </a:xfrm>
+        </p:spPr>
+        <p:txBody>
+          <a:bodyPr>
+            <a:noAutofit/>
+          </a:bodyPr>
+          <a:lstStyle/>
+          <a:p>
+            <a:r>
+              <a:rPr lang="en-US" sz="3200" i="1" dirty="0"/>
+              <a:t>Wish You Were Here</a:t>
+            </a:r>
+            <a:r>
+              <a:rPr lang="en-US" sz="3200" dirty="0"/>
+              <a:t> (1975)</a:t>
+            </a:r>
+          </a:p>
+          <a:p>
+            <a:r>
+              <a:rPr lang="en-US" sz="3200" dirty="0"/>
+              <a:t> </a:t>
+            </a:r>
+            <a:r>
+              <a:rPr lang="en-US" sz="3200" i="1" dirty="0"/>
+              <a:t>Animals</a:t>
+            </a:r>
+            <a:r>
+              <a:rPr lang="en-US" sz="3200" dirty="0"/>
+              <a:t> (1977)</a:t>
+            </a:r>
+          </a:p>
+          <a:p>
+            <a:r>
+              <a:rPr lang="en-US" sz="3200" dirty="0"/>
+              <a:t> </a:t>
+            </a:r>
+            <a:r>
+              <a:rPr lang="en-US" sz="3200" i="1" dirty="0"/>
+              <a:t>The Wall</a:t>
+            </a:r>
+            <a:r>
+              <a:rPr lang="en-US" sz="3200" dirty="0"/>
+              <a:t> (1979): perhaps greatest concept album of all time.</a:t>
+            </a:r>
+          </a:p>
+          <a:p>
+            <a:r>
+              <a:rPr lang="en-US" sz="3200" i="1" dirty="0"/>
+              <a:t>The Final Cut</a:t>
+            </a:r>
+            <a:r>
+              <a:rPr lang="en-US" sz="3200" dirty="0"/>
+              <a:t> (1983)</a:t>
+            </a:r>
+          </a:p>
+        </p:txBody>
+      </p:sp>
+      <p:pic>
+        <p:nvPicPr>
+          <p:cNvPr id="4" name="Picture 3"/>
+          <p:cNvPicPr>
+            <a:picLocks noChangeAspect="1"/>
+          </p:cNvPicPr>
+          <p:nvPr/>
+        </p:nvPicPr>
+        <p:blipFill>
+          <a:blip r:embed="rId2">
+            <a:extLst>
+              <a:ext uri="{28A0092B-C50C-407E-A947-70E740481C1C}">
+                <a14:useLocalDpi xmlns:a14="http://schemas.microsoft.com/office/drawing/2010/main" val="0"/>
+              </a:ext>
+            </a:extLst>
+          </a:blip>
+          <a:stretch>
+            <a:fillRect/>
+          </a:stretch>
+        </p:blipFill>
+        <p:spPr>
+          <a:xfrm>
+            <a:off x="6935372" y="1497036"/>
+            <a:ext cx="4979963" cy="4979963"/>
+          </a:xfrm>
+          <a:prstGeom prst="rect">
+            <a:avLst/>
+          </a:prstGeom>
+        </p:spPr>
+      </p:pic>
+    </p:spTree>
+    <p:extLst>
+      <p:ext uri="{BB962C8B-B14F-4D97-AF65-F5344CB8AC3E}">
+        <p14:creationId xmlns:p14="http://schemas.microsoft.com/office/powerpoint/2010/main" val="3954793776"/>
+      </p:ext>
+    </p:extLst>
+  </p:cSld>
+  <p:clrMapOvr>
+    <a:masterClrMapping/>
+  </p:clrMapOvr>
+</p:sld>
+</file>
+
+<file path=ppt/slides/slide11.xml><?xml version="1.0" encoding="utf-8"?>
+<p:sld xmlns:a="http://schemas.openxmlformats.org/drawingml/2006/main" xmlns:r="http://schemas.openxmlformats.org/officeDocument/2006/relationships" xmlns:p="http://schemas.openxmlformats.org/presentationml/2006/main">
+  <p:cSld>
+    <p:spTree>
+      <p:nvGrpSpPr>
+        <p:cNvPr id="1" name=""/>
+        <p:cNvGrpSpPr/>
+        <p:nvPr/>
+      </p:nvGrpSpPr>
+      <p:grpSpPr>
+        <a:xfrm>
+          <a:off x="0" y="0"/>
+          <a:ext cx="0" cy="0"/>
+          <a:chOff x="0" y="0"/>
+          <a:chExt cx="0" cy="0"/>
+        </a:xfrm>
+      </p:grpSpPr>
+      <p:sp>
+        <p:nvSpPr>
+          <p:cNvPr id="2" name="Title 1"/>
+          <p:cNvSpPr>
+            <a:spLocks noGrp="1"/>
+          </p:cNvSpPr>
+          <p:nvPr>
+            <p:ph type="title"/>
+          </p:nvPr>
+        </p:nvSpPr>
+        <p:spPr/>
+        <p:txBody>
+          <a:bodyPr>
+            <a:normAutofit fontScale="90000"/>
+          </a:bodyPr>
+          <a:lstStyle/>
+          <a:p>
+            <a:r>
+              <a:rPr lang="en-US" sz="7200" dirty="0">
+                <a:latin typeface="Aharoni" panose="02010803020104030203" pitchFamily="2" charset="-79"/>
+                <a:cs typeface="Aharoni" panose="02010803020104030203" pitchFamily="2" charset="-79"/>
+              </a:rPr>
+              <a:t>David Bowie </a:t>
+            </a:r>
+            <a:br>
+              <a:rPr lang="en-US" dirty="0"/>
+            </a:br>
+            <a:r>
+              <a:rPr lang="en-US" dirty="0"/>
+              <a:t>(David Robert Jones, b. 1947)</a:t>
+            </a:r>
+          </a:p>
+        </p:txBody>
+      </p:sp>
+      <p:sp>
+        <p:nvSpPr>
+          <p:cNvPr id="3" name="Content Placeholder 2"/>
+          <p:cNvSpPr>
+            <a:spLocks noGrp="1"/>
+          </p:cNvSpPr>
+          <p:nvPr>
+            <p:ph idx="1"/>
+          </p:nvPr>
+        </p:nvSpPr>
         <p:spPr/>
         <p:txBody>
           <a:bodyPr/>
           <a:lstStyle/>
           <a:p>
             <a:r>
+              <a:rPr lang="en-US" dirty="0"/>
+              <a:t>“Space Oddity,” July 1969</a:t>
+            </a:r>
+          </a:p>
+          <a:p>
+            <a:r>
+              <a:rPr lang="en-US" dirty="0"/>
+              <a:t>Nine days before Apollo 11 landed on the moon.</a:t>
+            </a:r>
+          </a:p>
+          <a:p>
+            <a:r>
+              <a:rPr lang="en-US" dirty="0"/>
+              <a:t>Stanley Kubrick’s </a:t>
+            </a:r>
+            <a:r>
               <a:rPr lang="en-US" i="1" dirty="0"/>
-              <a:t>The Rise and Fall of Ziggy Stardust and the Spiders from </a:t>
-            </a:r>
-            <a:r>
-              <a:rPr lang="en-US" i="1" dirty="0" smtClean="0"/>
-              <a:t>Mars, </a:t>
-            </a:r>
-            <a:r>
-              <a:rPr lang="en-US" dirty="0" smtClean="0"/>
+              <a:t>2001: A Space Odyssey </a:t>
+            </a:r>
+            <a:r>
+              <a:rPr lang="en-US" dirty="0"/>
+              <a:t>(April 1968)</a:t>
+            </a:r>
+          </a:p>
+          <a:p>
+            <a:r>
+              <a:rPr lang="en-US" dirty="0"/>
+              <a:t>Bowie’s first top five UK hit.</a:t>
+            </a:r>
+          </a:p>
+          <a:p>
+            <a:r>
+              <a:rPr lang="en-US" dirty="0"/>
+              <a:t>Commercially very perceptive, theatrical, adventurous, and at times experimental.</a:t>
+            </a:r>
+          </a:p>
+          <a:p>
+            <a:r>
+              <a:rPr lang="en-US" dirty="0"/>
+              <a:t>Original version: </a:t>
+            </a:r>
+            <a:r>
+              <a:rPr lang="en-US" dirty="0">
+                <a:hlinkClick r:id="rId2"/>
+              </a:rPr>
+              <a:t>https://www.youtube.com/watch?v=D67kmFzSh_o</a:t>
+            </a:r>
+            <a:endParaRPr lang="en-US" dirty="0"/>
+          </a:p>
+          <a:p>
+            <a:r>
+              <a:rPr lang="en-US" dirty="0"/>
+              <a:t>Re-released version: </a:t>
+            </a:r>
+            <a:r>
+              <a:rPr lang="en-US" dirty="0">
+                <a:hlinkClick r:id="rId3"/>
+              </a:rPr>
+              <a:t>https://www.youtube.com/watch?v=iYYRH4apXDo</a:t>
+            </a:r>
+            <a:endParaRPr lang="en-US" dirty="0"/>
+          </a:p>
+          <a:p>
+            <a:pPr marL="0" indent="0">
+              <a:buNone/>
+            </a:pPr>
+            <a:endParaRPr lang="en-US" dirty="0"/>
+          </a:p>
+          <a:p>
+            <a:endParaRPr lang="en-US" dirty="0"/>
+          </a:p>
+        </p:txBody>
+      </p:sp>
+      <p:pic>
+        <p:nvPicPr>
+          <p:cNvPr id="4" name="Picture 3"/>
+          <p:cNvPicPr>
+            <a:picLocks noChangeAspect="1"/>
+          </p:cNvPicPr>
+          <p:nvPr/>
+        </p:nvPicPr>
+        <p:blipFill>
+          <a:blip r:embed="rId4">
+            <a:extLst>
+              <a:ext uri="{28A0092B-C50C-407E-A947-70E740481C1C}">
+                <a14:useLocalDpi xmlns:a14="http://schemas.microsoft.com/office/drawing/2010/main" val="0"/>
+              </a:ext>
+            </a:extLst>
+          </a:blip>
+          <a:stretch>
+            <a:fillRect/>
+          </a:stretch>
+        </p:blipFill>
+        <p:spPr>
+          <a:xfrm>
+            <a:off x="8448541" y="266700"/>
+            <a:ext cx="3461286" cy="3472862"/>
+          </a:xfrm>
+          <a:prstGeom prst="rect">
+            <a:avLst/>
+          </a:prstGeom>
+          <a:ln>
+            <a:noFill/>
+          </a:ln>
+          <a:effectLst>
+            <a:softEdge rad="112500"/>
+          </a:effectLst>
+        </p:spPr>
+      </p:pic>
+    </p:spTree>
+    <p:extLst>
+      <p:ext uri="{BB962C8B-B14F-4D97-AF65-F5344CB8AC3E}">
+        <p14:creationId xmlns:p14="http://schemas.microsoft.com/office/powerpoint/2010/main" val="3093212768"/>
+      </p:ext>
+    </p:extLst>
+  </p:cSld>
+  <p:clrMapOvr>
+    <a:masterClrMapping/>
+  </p:clrMapOvr>
+</p:sld>
+</file>
+
+<file path=ppt/slides/slide12.xml><?xml version="1.0" encoding="utf-8"?>
+<p:sld xmlns:a="http://schemas.openxmlformats.org/drawingml/2006/main" xmlns:r="http://schemas.openxmlformats.org/officeDocument/2006/relationships" xmlns:p="http://schemas.openxmlformats.org/presentationml/2006/main">
+  <p:cSld>
+    <p:spTree>
+      <p:nvGrpSpPr>
+        <p:cNvPr id="1" name=""/>
+        <p:cNvGrpSpPr/>
+        <p:nvPr/>
+      </p:nvGrpSpPr>
+      <p:grpSpPr>
+        <a:xfrm>
+          <a:off x="0" y="0"/>
+          <a:ext cx="0" cy="0"/>
+          <a:chOff x="0" y="0"/>
+          <a:chExt cx="0" cy="0"/>
+        </a:xfrm>
+      </p:grpSpPr>
+      <p:sp>
+        <p:nvSpPr>
+          <p:cNvPr id="2" name="Title 1"/>
+          <p:cNvSpPr>
+            <a:spLocks noGrp="1"/>
+          </p:cNvSpPr>
+          <p:nvPr>
+            <p:ph type="title"/>
+          </p:nvPr>
+        </p:nvSpPr>
+        <p:spPr/>
+        <p:txBody>
+          <a:bodyPr/>
+          <a:lstStyle/>
+          <a:p>
+            <a:r>
+              <a:rPr lang="en-US" i="1" dirty="0"/>
+              <a:t>The Rise and Fall of Ziggy Stardust and the Spiders from Mars, </a:t>
+            </a:r>
+            <a:r>
+              <a:rPr lang="en-US" dirty="0"/>
               <a:t>1971-1972</a:t>
             </a:r>
-            <a:endParaRPr lang="en-US" dirty="0"/>
           </a:p>
         </p:txBody>
       </p:sp>
@@ -4561,101 +4899,83 @@
           <a:lstStyle/>
           <a:p>
             <a:r>
-              <a:rPr lang="en-US" dirty="0" smtClean="0"/>
+              <a:rPr lang="en-US" dirty="0"/>
               <a:t>Glam Rock</a:t>
             </a:r>
           </a:p>
           <a:p>
             <a:r>
-              <a:rPr lang="en-US" dirty="0" smtClean="0"/>
+              <a:rPr lang="en-US" dirty="0"/>
               <a:t>Science Fiction, Rock and Roll, Glamour, Bi-sexuality</a:t>
             </a:r>
           </a:p>
           <a:p>
             <a:r>
-              <a:rPr lang="en-US" dirty="0" smtClean="0"/>
+              <a:rPr lang="en-US" dirty="0"/>
               <a:t>Name from Ziggy the tailor, all about clothes</a:t>
             </a:r>
           </a:p>
           <a:p>
             <a:r>
-              <a:rPr lang="en-US" i="1" dirty="0" smtClean="0"/>
+              <a:rPr lang="en-US" i="1" dirty="0"/>
               <a:t>Clockwork Orange</a:t>
             </a:r>
             <a:r>
-              <a:rPr lang="en-US" dirty="0" smtClean="0"/>
+              <a:rPr lang="en-US" dirty="0"/>
               <a:t>, 1971-72</a:t>
             </a:r>
           </a:p>
           <a:p>
             <a:r>
-              <a:rPr lang="en-US" dirty="0" smtClean="0"/>
+              <a:rPr lang="en-US" dirty="0"/>
               <a:t>Concept Album</a:t>
             </a:r>
           </a:p>
           <a:p>
             <a:r>
-              <a:rPr lang="en-US" dirty="0" smtClean="0"/>
+              <a:rPr lang="en-US" dirty="0"/>
               <a:t>Mick </a:t>
             </a:r>
             <a:r>
-              <a:rPr lang="en-US" dirty="0" err="1" smtClean="0"/>
+              <a:rPr lang="en-US" dirty="0" err="1"/>
               <a:t>Ronson</a:t>
             </a:r>
             <a:r>
-              <a:rPr lang="en-US" dirty="0" smtClean="0"/>
+              <a:rPr lang="en-US" dirty="0"/>
               <a:t>, guitarist</a:t>
             </a:r>
           </a:p>
           <a:p>
             <a:r>
-              <a:rPr lang="en-US" b="1" dirty="0" smtClean="0"/>
+              <a:rPr lang="en-US" b="1" dirty="0"/>
               <a:t>“Five Years”: </a:t>
             </a:r>
             <a:r>
               <a:rPr lang="en-US" dirty="0">
                 <a:hlinkClick r:id="rId2"/>
               </a:rPr>
-              <a:t>https://</a:t>
-            </a:r>
-            <a:r>
-              <a:rPr lang="en-US" dirty="0" smtClean="0">
-                <a:hlinkClick r:id="rId2"/>
-              </a:rPr>
-              <a:t>www.youtube.com/watch?v=yYwpnG-rkHI</a:t>
-            </a:r>
-            <a:endParaRPr lang="en-US" dirty="0" smtClean="0"/>
-          </a:p>
-          <a:p>
-            <a:r>
-              <a:rPr lang="en-US" b="1" dirty="0" smtClean="0"/>
+              <a:t>https://www.youtube.com/watch?v=yYwpnG-rkHI</a:t>
+            </a:r>
+            <a:endParaRPr lang="en-US" dirty="0"/>
+          </a:p>
+          <a:p>
+            <a:r>
+              <a:rPr lang="en-US" b="1" dirty="0"/>
               <a:t>“Ziggy Stardust”: </a:t>
-            </a:r>
-            <a:r>
-              <a:rPr lang="en-US" dirty="0" smtClean="0">
-                <a:hlinkClick r:id="rId3"/>
-              </a:rPr>
-              <a:t>https</a:t>
             </a:r>
             <a:r>
               <a:rPr lang="en-US" dirty="0">
                 <a:hlinkClick r:id="rId3"/>
               </a:rPr>
-              <a:t>://</a:t>
-            </a:r>
-            <a:r>
-              <a:rPr lang="en-US" dirty="0" smtClean="0">
-                <a:hlinkClick r:id="rId3"/>
-              </a:rPr>
-              <a:t>www.youtube.com/watch?v=G8sdsW93ThQ</a:t>
-            </a:r>
-            <a:endParaRPr lang="en-US" dirty="0" smtClean="0"/>
-          </a:p>
-          <a:p>
-            <a:endParaRPr lang="en-US" dirty="0" smtClean="0"/>
-          </a:p>
-          <a:p>
-            <a:endParaRPr lang="en-US" dirty="0" smtClean="0"/>
+              <a:t>https://www.youtube.com/watch?v=G8sdsW93ThQ</a:t>
+            </a:r>
+            <a:endParaRPr lang="en-US" dirty="0"/>
+          </a:p>
+          <a:p>
+            <a:endParaRPr lang="en-US" dirty="0"/>
+          </a:p>
+          <a:p>
+            <a:endParaRPr lang="en-US" dirty="0"/>
           </a:p>
           <a:p>
             <a:endParaRPr lang="en-US" dirty="0"/>
@@ -4702,17 +5022,10 @@
   <p:clrMapOvr>
     <a:masterClrMapping/>
   </p:clrMapOvr>
-  <p:timing>
-    <p:tnLst>
-      <p:par>
-        <p:cTn id="1" dur="indefinite" restart="never" nodeType="tmRoot"/>
-      </p:par>
-    </p:tnLst>
-  </p:timing>
 </p:sld>
 </file>
 
-<file path=ppt/slides/slide11.xml><?xml version="1.0" encoding="utf-8"?>
+<file path=ppt/slides/slide13.xml><?xml version="1.0" encoding="utf-8"?>
 <p:sld xmlns:a="http://schemas.openxmlformats.org/drawingml/2006/main" xmlns:r="http://schemas.openxmlformats.org/officeDocument/2006/relationships" xmlns:p="http://schemas.openxmlformats.org/presentationml/2006/main">
   <p:cSld>
     <p:spTree>
@@ -4747,23 +5060,15 @@
           <a:lstStyle/>
           <a:p>
             <a:r>
-              <a:rPr lang="en-US" sz="6700" dirty="0" smtClean="0"/>
+              <a:rPr lang="en-US" sz="6700" dirty="0"/>
               <a:t>Iggy Pop </a:t>
             </a:r>
-            <a:r>
-              <a:rPr lang="en-US" dirty="0" smtClean="0"/>
-              <a:t/>
-            </a:r>
             <a:br>
-              <a:rPr lang="en-US" dirty="0" smtClean="0"/>
+              <a:rPr lang="en-US" dirty="0"/>
             </a:br>
             <a:r>
-              <a:rPr lang="en-US" dirty="0" smtClean="0"/>
-              <a:t>(born, 1947, as James </a:t>
-            </a:r>
-            <a:r>
               <a:rPr lang="en-US" dirty="0"/>
-              <a:t>Newell </a:t>
+              <a:t>(born, 1947, as James Newell </a:t>
             </a:r>
             <a:r>
               <a:rPr lang="en-US" dirty="0" err="1"/>
@@ -4771,13 +5076,8 @@
             </a:r>
             <a:r>
               <a:rPr lang="en-US" dirty="0"/>
-              <a:t>, Jr</a:t>
-            </a:r>
-            <a:r>
-              <a:rPr lang="en-US" dirty="0" smtClean="0"/>
-              <a:t>.)</a:t>
-            </a:r>
-            <a:endParaRPr lang="en-US" dirty="0"/>
+              <a:t>, Jr.)</a:t>
+            </a:r>
           </a:p>
         </p:txBody>
       </p:sp>
@@ -4804,25 +5104,25 @@
           <a:lstStyle/>
           <a:p>
             <a:r>
-              <a:rPr lang="en-US" dirty="0" smtClean="0"/>
+              <a:rPr lang="en-US" dirty="0"/>
               <a:t>From Michigan, played in high school bands.</a:t>
             </a:r>
           </a:p>
           <a:p>
             <a:r>
-              <a:rPr lang="en-US" dirty="0" smtClean="0"/>
+              <a:rPr lang="en-US" dirty="0"/>
               <a:t>Psychedelic Stooges, then The Stooges, 1968-1974</a:t>
             </a:r>
           </a:p>
           <a:p>
             <a:r>
-              <a:rPr lang="en-US" dirty="0" smtClean="0"/>
+              <a:rPr lang="en-US" dirty="0"/>
               <a:t>Inspired by Jim Morrison’s confrontational stage presence.</a:t>
             </a:r>
           </a:p>
           <a:p>
             <a:r>
-              <a:rPr lang="en-US" dirty="0" smtClean="0"/>
+              <a:rPr lang="en-US" dirty="0"/>
               <a:t>Raw Power, 1973: “Search and Destroy”</a:t>
             </a:r>
           </a:p>
@@ -4831,31 +5131,25 @@
               <a:rPr lang="en-US" dirty="0">
                 <a:hlinkClick r:id="rId2"/>
               </a:rPr>
-              <a:t>https://</a:t>
-            </a:r>
-            <a:r>
-              <a:rPr lang="en-US" dirty="0" smtClean="0">
-                <a:hlinkClick r:id="rId2"/>
-              </a:rPr>
-              <a:t>www.youtube.com/watch?v=LflK6HoILB0</a:t>
-            </a:r>
-            <a:endParaRPr lang="en-US" dirty="0" smtClean="0"/>
-          </a:p>
-          <a:p>
-            <a:r>
-              <a:rPr lang="en-US" dirty="0" smtClean="0"/>
+              <a:t>https://www.youtube.com/watch?v=LflK6HoILB0</a:t>
+            </a:r>
+            <a:endParaRPr lang="en-US" dirty="0"/>
+          </a:p>
+          <a:p>
+            <a:r>
+              <a:rPr lang="en-US" dirty="0"/>
               <a:t>Serious heroin addiction and infighting, broke up.</a:t>
             </a:r>
           </a:p>
           <a:p>
             <a:r>
-              <a:rPr lang="en-US" dirty="0" smtClean="0"/>
+              <a:rPr lang="en-US" dirty="0"/>
               <a:t>Met David Bowie in NYC, and they went to Berlin to get off it.</a:t>
             </a:r>
           </a:p>
           <a:p>
             <a:r>
-              <a:rPr lang="en-US" dirty="0" smtClean="0"/>
+              <a:rPr lang="en-US" dirty="0"/>
               <a:t>Co-wrote “The Idiot” and “Lust for Life.”</a:t>
             </a:r>
           </a:p>
@@ -4864,15 +5158,9 @@
               <a:rPr lang="en-US" dirty="0">
                 <a:hlinkClick r:id="rId3"/>
               </a:rPr>
-              <a:t>https://</a:t>
-            </a:r>
-            <a:r>
-              <a:rPr lang="en-US" dirty="0" smtClean="0">
-                <a:hlinkClick r:id="rId3"/>
-              </a:rPr>
-              <a:t>www.youtube.com/watch?v=VDU6TJcrZdA</a:t>
-            </a:r>
-            <a:endParaRPr lang="en-US" dirty="0" smtClean="0"/>
+              <a:t>https://www.youtube.com/watch?v=VDU6TJcrZdA</a:t>
+            </a:r>
+            <a:endParaRPr lang="en-US" dirty="0"/>
           </a:p>
           <a:p>
             <a:endParaRPr lang="en-US" dirty="0"/>
@@ -4919,17 +5207,10 @@
   <p:clrMapOvr>
     <a:masterClrMapping/>
   </p:clrMapOvr>
-  <p:timing>
-    <p:tnLst>
-      <p:par>
-        <p:cTn id="1" dur="indefinite" restart="never" nodeType="tmRoot"/>
-      </p:par>
-    </p:tnLst>
-  </p:timing>
 </p:sld>
 </file>
 
-<file path=ppt/slides/slide12.xml><?xml version="1.0" encoding="utf-8"?>
+<file path=ppt/slides/slide14.xml><?xml version="1.0" encoding="utf-8"?>
 <p:sld xmlns:a="http://schemas.openxmlformats.org/drawingml/2006/main" xmlns:r="http://schemas.openxmlformats.org/officeDocument/2006/relationships" xmlns:p="http://schemas.openxmlformats.org/presentationml/2006/main">
   <p:cSld>
     <p:spTree>
@@ -4962,18 +5243,9 @@
           <a:lstStyle/>
           <a:p>
             <a:r>
-              <a:rPr lang="en-US" dirty="0" smtClean="0"/>
-              <a:t>Heart, Anne and </a:t>
-            </a:r>
-            <a:r>
               <a:rPr lang="en-US" dirty="0"/>
-              <a:t>N</a:t>
-            </a:r>
-            <a:r>
-              <a:rPr lang="en-US" dirty="0" smtClean="0"/>
-              <a:t>ancy Wilson</a:t>
-            </a:r>
-            <a:endParaRPr lang="en-US" dirty="0"/>
+              <a:t>Heart, Anne and Nancy Wilson</a:t>
+            </a:r>
           </a:p>
         </p:txBody>
       </p:sp>
@@ -4998,33 +5270,33 @@
           <a:lstStyle/>
           <a:p>
             <a:r>
-              <a:rPr lang="en-US" dirty="0" smtClean="0"/>
+              <a:rPr lang="en-US" dirty="0"/>
               <a:t>Started in Seattle, WA, but guys escaped draft to Vancouver, Canada.</a:t>
             </a:r>
           </a:p>
           <a:p>
             <a:r>
-              <a:rPr lang="en-US" dirty="0" smtClean="0"/>
+              <a:rPr lang="en-US" dirty="0"/>
               <a:t>First album, </a:t>
             </a:r>
             <a:r>
-              <a:rPr lang="en-US" i="1" dirty="0" smtClean="0"/>
+              <a:rPr lang="en-US" i="1" dirty="0"/>
               <a:t>Dreamboat Annie</a:t>
             </a:r>
             <a:r>
-              <a:rPr lang="en-US" dirty="0" smtClean="0"/>
+              <a:rPr lang="en-US" dirty="0"/>
               <a:t>, 1975</a:t>
             </a:r>
           </a:p>
           <a:p>
             <a:r>
-              <a:rPr lang="en-US" dirty="0" smtClean="0"/>
+              <a:rPr lang="en-US" dirty="0"/>
               <a:t>Sold 30,000 copies in a few months (Canadian content rule).</a:t>
             </a:r>
           </a:p>
           <a:p>
             <a:r>
-              <a:rPr lang="en-US" dirty="0" smtClean="0"/>
+              <a:rPr lang="en-US" dirty="0"/>
               <a:t>“Magic Man”, 1975</a:t>
             </a:r>
           </a:p>
@@ -5033,18 +5305,12 @@
               <a:rPr lang="en-US" dirty="0">
                 <a:hlinkClick r:id="rId2"/>
               </a:rPr>
-              <a:t>https://</a:t>
-            </a:r>
-            <a:r>
-              <a:rPr lang="en-US" dirty="0" smtClean="0">
-                <a:hlinkClick r:id="rId2"/>
-              </a:rPr>
-              <a:t>www.youtube.com/watch?v=mXOO7QVHgXs</a:t>
-            </a:r>
-            <a:endParaRPr lang="en-US" dirty="0" smtClean="0"/>
-          </a:p>
-          <a:p>
-            <a:endParaRPr lang="en-US" dirty="0" smtClean="0"/>
+              <a:t>https://www.youtube.com/watch?v=mXOO7QVHgXs</a:t>
+            </a:r>
+            <a:endParaRPr lang="en-US" dirty="0"/>
+          </a:p>
+          <a:p>
+            <a:endParaRPr lang="en-US" dirty="0"/>
           </a:p>
         </p:txBody>
       </p:sp>
@@ -5088,17 +5354,10 @@
   <p:clrMapOvr>
     <a:masterClrMapping/>
   </p:clrMapOvr>
-  <p:timing>
-    <p:tnLst>
-      <p:par>
-        <p:cTn id="1" dur="indefinite" restart="never" nodeType="tmRoot"/>
-      </p:par>
-    </p:tnLst>
-  </p:timing>
 </p:sld>
 </file>
 
-<file path=ppt/slides/slide13.xml><?xml version="1.0" encoding="utf-8"?>
+<file path=ppt/slides/slide15.xml><?xml version="1.0" encoding="utf-8"?>
 <p:sld xmlns:a="http://schemas.openxmlformats.org/drawingml/2006/main" xmlns:r="http://schemas.openxmlformats.org/officeDocument/2006/relationships" xmlns:p="http://schemas.openxmlformats.org/presentationml/2006/main">
   <p:cSld>
     <p:spTree>
@@ -5138,15 +5397,7 @@
             </a:r>
             <a:r>
               <a:rPr lang="en-US" dirty="0"/>
-              <a:t> Year-End Hot 100 </a:t>
-            </a:r>
-            <a:r>
-              <a:rPr lang="en-US" dirty="0" smtClean="0"/>
-              <a:t>singles, 1970s</a:t>
-            </a:r>
-            <a:r>
-              <a:rPr lang="en-US" dirty="0"/>
-              <a:t/>
+              <a:t> Year-End Hot 100 singles, 1970s</a:t>
             </a:r>
             <a:br>
               <a:rPr lang="en-US" dirty="0"/>
@@ -5181,9 +5432,27 @@
                 <a:tableStyleId>{5C22544A-7EE6-4342-B048-85BDC9FD1C3A}</a:tableStyleId>
               </a:tblPr>
               <a:tblGrid>
-                <a:gridCol w="946597"/>
-                <a:gridCol w="5454203"/>
-                <a:gridCol w="3200400"/>
+                <a:gridCol w="946597">
+                  <a:extLst>
+                    <a:ext uri="{9D8B030D-6E8A-4147-A177-3AD203B41FA5}">
+                      <a16:colId xmlns:a16="http://schemas.microsoft.com/office/drawing/2014/main" val="20000"/>
+                    </a:ext>
+                  </a:extLst>
+                </a:gridCol>
+                <a:gridCol w="5454203">
+                  <a:extLst>
+                    <a:ext uri="{9D8B030D-6E8A-4147-A177-3AD203B41FA5}">
+                      <a16:colId xmlns:a16="http://schemas.microsoft.com/office/drawing/2014/main" val="20001"/>
+                    </a:ext>
+                  </a:extLst>
+                </a:gridCol>
+                <a:gridCol w="3200400">
+                  <a:extLst>
+                    <a:ext uri="{9D8B030D-6E8A-4147-A177-3AD203B41FA5}">
+                      <a16:colId xmlns:a16="http://schemas.microsoft.com/office/drawing/2014/main" val="20002"/>
+                    </a:ext>
+                  </a:extLst>
+                </a:gridCol>
               </a:tblGrid>
               <a:tr h="414745">
                 <a:tc>
@@ -5192,10 +5461,9 @@
                     <a:lstStyle/>
                     <a:p>
                       <a:r>
-                        <a:rPr lang="en-US" dirty="0" smtClean="0"/>
+                        <a:rPr lang="en-US" dirty="0"/>
                         <a:t>Year</a:t>
                       </a:r>
-                      <a:endParaRPr lang="en-US" dirty="0"/>
                     </a:p>
                   </a:txBody>
                   <a:tcPr/>
@@ -5207,10 +5475,9 @@
                     <a:p>
                       <a:pPr algn="ctr"/>
                       <a:r>
-                        <a:rPr lang="en-US" dirty="0" smtClean="0"/>
+                        <a:rPr lang="en-US" dirty="0"/>
                         <a:t>Song</a:t>
                       </a:r>
-                      <a:endParaRPr lang="en-US" dirty="0"/>
                     </a:p>
                   </a:txBody>
                   <a:tcPr/>
@@ -5222,14 +5489,18 @@
                     <a:p>
                       <a:pPr algn="ctr"/>
                       <a:r>
-                        <a:rPr lang="en-US" dirty="0" smtClean="0"/>
+                        <a:rPr lang="en-US" dirty="0"/>
                         <a:t>Artist</a:t>
                       </a:r>
-                      <a:endParaRPr lang="en-US" dirty="0"/>
                     </a:p>
                   </a:txBody>
                   <a:tcPr/>
                 </a:tc>
+                <a:extLst>
+                  <a:ext uri="{0D108BD9-81ED-4DB2-BD59-A6C34878D82A}">
+                    <a16:rowId xmlns:a16="http://schemas.microsoft.com/office/drawing/2014/main" val="10000"/>
+                  </a:ext>
+                </a:extLst>
               </a:tr>
               <a:tr h="414745">
                 <a:tc>
@@ -5238,9 +5509,27 @@
                     <a:lstStyle/>
                     <a:p>
                       <a:r>
-                        <a:rPr lang="en-US" dirty="0" smtClean="0"/>
+                        <a:rPr lang="en-US" dirty="0"/>
                         <a:t>1970</a:t>
                       </a:r>
+                    </a:p>
+                  </a:txBody>
+                  <a:tcPr/>
+                </a:tc>
+                <a:tc>
+                  <a:txBody>
+                    <a:bodyPr/>
+                    <a:lstStyle/>
+                    <a:p>
+                      <a:pPr algn="ctr"/>
+                      <a:r>
+                        <a:rPr lang="en-US" dirty="0"/>
+                        <a:t>“Bridge</a:t>
+                      </a:r>
+                      <a:r>
+                        <a:rPr lang="en-US" baseline="0" dirty="0"/>
+                        <a:t> over Troubled Water”</a:t>
+                      </a:r>
                       <a:endParaRPr lang="en-US" dirty="0"/>
                     </a:p>
                   </a:txBody>
@@ -5253,33 +5542,18 @@
                     <a:p>
                       <a:pPr algn="ctr"/>
                       <a:r>
-                        <a:rPr lang="en-US" dirty="0" smtClean="0"/>
-                        <a:t>“Bridge</a:t>
-                      </a:r>
-                      <a:r>
-                        <a:rPr lang="en-US" baseline="0" dirty="0" smtClean="0"/>
-                        <a:t> over Troubled Water”</a:t>
-                      </a:r>
-                      <a:endParaRPr lang="en-US" dirty="0"/>
+                        <a:rPr lang="en-US" dirty="0"/>
+                        <a:t>Simon and Garfunkel</a:t>
+                      </a:r>
                     </a:p>
                   </a:txBody>
                   <a:tcPr/>
                 </a:tc>
-                <a:tc>
-                  <a:txBody>
-                    <a:bodyPr/>
-                    <a:lstStyle/>
-                    <a:p>
-                      <a:pPr algn="ctr"/>
-                      <a:r>
-                        <a:rPr lang="en-US" dirty="0" smtClean="0"/>
-                        <a:t>Simon and Garfunkel</a:t>
-                      </a:r>
-                      <a:endParaRPr lang="en-US" dirty="0"/>
-                    </a:p>
-                  </a:txBody>
-                  <a:tcPr/>
-                </a:tc>
+                <a:extLst>
+                  <a:ext uri="{0D108BD9-81ED-4DB2-BD59-A6C34878D82A}">
+                    <a16:rowId xmlns:a16="http://schemas.microsoft.com/office/drawing/2014/main" val="10001"/>
+                  </a:ext>
+                </a:extLst>
               </a:tr>
               <a:tr h="414745">
                 <a:tc>
@@ -5288,10 +5562,9 @@
                     <a:lstStyle/>
                     <a:p>
                       <a:r>
-                        <a:rPr lang="en-US" dirty="0" smtClean="0"/>
+                        <a:rPr lang="en-US" dirty="0"/>
                         <a:t>1971</a:t>
                       </a:r>
-                      <a:endParaRPr lang="en-US" dirty="0"/>
                     </a:p>
                   </a:txBody>
                   <a:tcPr/>
@@ -5303,10 +5576,9 @@
                     <a:p>
                       <a:pPr algn="ctr"/>
                       <a:r>
-                        <a:rPr lang="en-US" dirty="0" smtClean="0"/>
+                        <a:rPr lang="en-US" dirty="0"/>
                         <a:t>“Joy to the World”</a:t>
                       </a:r>
-                      <a:endParaRPr lang="en-US" dirty="0"/>
                     </a:p>
                   </a:txBody>
                   <a:tcPr/>
@@ -5318,14 +5590,18 @@
                     <a:p>
                       <a:pPr algn="ctr"/>
                       <a:r>
-                        <a:rPr lang="en-US" dirty="0" smtClean="0"/>
+                        <a:rPr lang="en-US" dirty="0"/>
                         <a:t>Three Dog Night</a:t>
                       </a:r>
-                      <a:endParaRPr lang="en-US" dirty="0"/>
                     </a:p>
                   </a:txBody>
                   <a:tcPr/>
                 </a:tc>
+                <a:extLst>
+                  <a:ext uri="{0D108BD9-81ED-4DB2-BD59-A6C34878D82A}">
+                    <a16:rowId xmlns:a16="http://schemas.microsoft.com/office/drawing/2014/main" val="10002"/>
+                  </a:ext>
+                </a:extLst>
               </a:tr>
               <a:tr h="414745">
                 <a:tc>
@@ -5334,9 +5610,27 @@
                     <a:lstStyle/>
                     <a:p>
                       <a:r>
-                        <a:rPr lang="en-US" dirty="0" smtClean="0"/>
+                        <a:rPr lang="en-US" dirty="0"/>
                         <a:t>1972</a:t>
                       </a:r>
+                    </a:p>
+                  </a:txBody>
+                  <a:tcPr/>
+                </a:tc>
+                <a:tc>
+                  <a:txBody>
+                    <a:bodyPr/>
+                    <a:lstStyle/>
+                    <a:p>
+                      <a:pPr algn="ctr"/>
+                      <a:r>
+                        <a:rPr lang="en-US" dirty="0"/>
+                        <a:t>“The First</a:t>
+                      </a:r>
+                      <a:r>
+                        <a:rPr lang="en-US" baseline="0" dirty="0"/>
+                        <a:t> Ever I Saw Your Face”</a:t>
+                      </a:r>
                       <a:endParaRPr lang="en-US" dirty="0"/>
                     </a:p>
                   </a:txBody>
@@ -5349,33 +5643,18 @@
                     <a:p>
                       <a:pPr algn="ctr"/>
                       <a:r>
-                        <a:rPr lang="en-US" dirty="0" smtClean="0"/>
-                        <a:t>“The First</a:t>
-                      </a:r>
-                      <a:r>
-                        <a:rPr lang="en-US" baseline="0" dirty="0" smtClean="0"/>
-                        <a:t> Ever I Saw Your Face”</a:t>
-                      </a:r>
-                      <a:endParaRPr lang="en-US" dirty="0"/>
+                        <a:rPr lang="en-US" dirty="0"/>
+                        <a:t>Roberta Flack</a:t>
+                      </a:r>
                     </a:p>
                   </a:txBody>
                   <a:tcPr/>
                 </a:tc>
-                <a:tc>
-                  <a:txBody>
-                    <a:bodyPr/>
-                    <a:lstStyle/>
-                    <a:p>
-                      <a:pPr algn="ctr"/>
-                      <a:r>
-                        <a:rPr lang="en-US" dirty="0" smtClean="0"/>
-                        <a:t>Roberta Flack</a:t>
-                      </a:r>
-                      <a:endParaRPr lang="en-US" dirty="0"/>
-                    </a:p>
-                  </a:txBody>
-                  <a:tcPr/>
-                </a:tc>
+                <a:extLst>
+                  <a:ext uri="{0D108BD9-81ED-4DB2-BD59-A6C34878D82A}">
+                    <a16:rowId xmlns:a16="http://schemas.microsoft.com/office/drawing/2014/main" val="10003"/>
+                  </a:ext>
+                </a:extLst>
               </a:tr>
               <a:tr h="414745">
                 <a:tc>
@@ -5384,10 +5663,9 @@
                     <a:lstStyle/>
                     <a:p>
                       <a:r>
-                        <a:rPr lang="en-US" dirty="0" smtClean="0"/>
+                        <a:rPr lang="en-US" dirty="0"/>
                         <a:t>1973</a:t>
                       </a:r>
-                      <a:endParaRPr lang="en-US" dirty="0"/>
                     </a:p>
                   </a:txBody>
                   <a:tcPr/>
@@ -5399,7 +5677,7 @@
                     <a:p>
                       <a:pPr algn="ctr"/>
                       <a:r>
-                        <a:rPr lang="en-US" sz="1800" b="0" i="0" kern="1200" dirty="0" smtClean="0">
+                        <a:rPr lang="en-US" sz="1800" b="0" i="0" kern="1200" dirty="0">
                           <a:solidFill>
                             <a:schemeClr val="dk1"/>
                           </a:solidFill>
@@ -5411,7 +5689,7 @@
                         <a:t>"</a:t>
                       </a:r>
                       <a:r>
-                        <a:rPr lang="en-US" sz="1800" b="0" i="0" u="none" strike="noStrike" kern="1200" dirty="0" smtClean="0">
+                        <a:rPr lang="en-US" sz="1800" b="0" i="0" u="none" strike="noStrike" kern="1200" dirty="0">
                           <a:solidFill>
                             <a:schemeClr val="dk1"/>
                           </a:solidFill>
@@ -5423,7 +5701,7 @@
                         <a:t>Tie a Yellow Ribbon Round the Ole Oak Tree</a:t>
                       </a:r>
                       <a:r>
-                        <a:rPr lang="en-US" sz="1800" b="0" i="0" kern="1200" dirty="0" smtClean="0">
+                        <a:rPr lang="en-US" sz="1800" b="0" i="0" kern="1200" dirty="0">
                           <a:solidFill>
                             <a:schemeClr val="dk1"/>
                           </a:solidFill>
@@ -5446,14 +5724,18 @@
                     <a:p>
                       <a:pPr algn="ctr"/>
                       <a:r>
-                        <a:rPr lang="en-US" dirty="0" smtClean="0"/>
+                        <a:rPr lang="en-US" dirty="0"/>
                         <a:t>Tony Orlando and Dawn</a:t>
                       </a:r>
-                      <a:endParaRPr lang="en-US" dirty="0"/>
                     </a:p>
                   </a:txBody>
                   <a:tcPr/>
                 </a:tc>
+                <a:extLst>
+                  <a:ext uri="{0D108BD9-81ED-4DB2-BD59-A6C34878D82A}">
+                    <a16:rowId xmlns:a16="http://schemas.microsoft.com/office/drawing/2014/main" val="10004"/>
+                  </a:ext>
+                </a:extLst>
               </a:tr>
               <a:tr h="414745">
                 <a:tc>
@@ -5462,10 +5744,9 @@
                     <a:lstStyle/>
                     <a:p>
                       <a:r>
-                        <a:rPr lang="en-US" dirty="0" smtClean="0"/>
+                        <a:rPr lang="en-US" dirty="0"/>
                         <a:t>1974</a:t>
                       </a:r>
-                      <a:endParaRPr lang="en-US" dirty="0"/>
                     </a:p>
                   </a:txBody>
                   <a:tcPr/>
@@ -5477,10 +5758,9 @@
                     <a:p>
                       <a:pPr algn="ctr"/>
                       <a:r>
-                        <a:rPr lang="en-US" dirty="0" smtClean="0"/>
+                        <a:rPr lang="en-US" dirty="0"/>
                         <a:t>“The Way We Were”</a:t>
                       </a:r>
-                      <a:endParaRPr lang="en-US" dirty="0"/>
                     </a:p>
                   </a:txBody>
                   <a:tcPr/>
@@ -5492,14 +5772,18 @@
                     <a:p>
                       <a:pPr algn="ctr"/>
                       <a:r>
-                        <a:rPr lang="en-US" dirty="0" smtClean="0"/>
+                        <a:rPr lang="en-US" dirty="0"/>
                         <a:t>Barbara Streisand</a:t>
                       </a:r>
-                      <a:endParaRPr lang="en-US" dirty="0"/>
                     </a:p>
                   </a:txBody>
                   <a:tcPr/>
                 </a:tc>
+                <a:extLst>
+                  <a:ext uri="{0D108BD9-81ED-4DB2-BD59-A6C34878D82A}">
+                    <a16:rowId xmlns:a16="http://schemas.microsoft.com/office/drawing/2014/main" val="10005"/>
+                  </a:ext>
+                </a:extLst>
               </a:tr>
               <a:tr h="414745">
                 <a:tc>
@@ -5508,10 +5792,9 @@
                     <a:lstStyle/>
                     <a:p>
                       <a:r>
-                        <a:rPr lang="en-US" dirty="0" smtClean="0"/>
+                        <a:rPr lang="en-US" dirty="0"/>
                         <a:t>1975</a:t>
                       </a:r>
-                      <a:endParaRPr lang="en-US" dirty="0"/>
                     </a:p>
                   </a:txBody>
                   <a:tcPr/>
@@ -5523,7 +5806,7 @@
                     <a:p>
                       <a:pPr algn="ctr"/>
                       <a:r>
-                        <a:rPr lang="en-US" sz="1800" b="0" i="0" kern="1200" dirty="0" smtClean="0">
+                        <a:rPr lang="en-US" sz="1800" b="0" i="0" kern="1200" dirty="0">
                           <a:solidFill>
                             <a:schemeClr val="dk1"/>
                           </a:solidFill>
@@ -5535,7 +5818,7 @@
                         <a:t>"</a:t>
                       </a:r>
                       <a:r>
-                        <a:rPr lang="en-US" sz="1800" b="0" i="0" u="none" strike="noStrike" kern="1200" dirty="0" smtClean="0">
+                        <a:rPr lang="en-US" sz="1800" b="0" i="0" u="none" strike="noStrike" kern="1200" dirty="0">
                           <a:solidFill>
                             <a:schemeClr val="dk1"/>
                           </a:solidFill>
@@ -5547,7 +5830,7 @@
                         <a:t>Love Will Keep Us Together</a:t>
                       </a:r>
                       <a:r>
-                        <a:rPr lang="en-US" sz="1800" b="0" i="0" kern="1200" dirty="0" smtClean="0">
+                        <a:rPr lang="en-US" sz="1800" b="0" i="0" kern="1200" dirty="0">
                           <a:solidFill>
                             <a:schemeClr val="dk1"/>
                           </a:solidFill>
@@ -5570,11 +5853,11 @@
                     <a:p>
                       <a:pPr algn="ctr"/>
                       <a:r>
-                        <a:rPr lang="en-US" dirty="0" smtClean="0"/>
+                        <a:rPr lang="en-US" dirty="0"/>
                         <a:t>Captain and </a:t>
                       </a:r>
                       <a:r>
-                        <a:rPr lang="en-US" dirty="0" err="1" smtClean="0"/>
+                        <a:rPr lang="en-US" dirty="0" err="1"/>
                         <a:t>Tenille</a:t>
                       </a:r>
                       <a:endParaRPr lang="en-US" dirty="0"/>
@@ -5582,6 +5865,11 @@
                   </a:txBody>
                   <a:tcPr/>
                 </a:tc>
+                <a:extLst>
+                  <a:ext uri="{0D108BD9-81ED-4DB2-BD59-A6C34878D82A}">
+                    <a16:rowId xmlns:a16="http://schemas.microsoft.com/office/drawing/2014/main" val="10006"/>
+                  </a:ext>
+                </a:extLst>
               </a:tr>
               <a:tr h="414745">
                 <a:tc>
@@ -5590,10 +5878,9 @@
                     <a:lstStyle/>
                     <a:p>
                       <a:r>
-                        <a:rPr lang="en-US" dirty="0" smtClean="0"/>
+                        <a:rPr lang="en-US" dirty="0"/>
                         <a:t>1976</a:t>
                       </a:r>
-                      <a:endParaRPr lang="en-US" dirty="0"/>
                     </a:p>
                   </a:txBody>
                   <a:tcPr/>
@@ -5605,10 +5892,9 @@
                     <a:p>
                       <a:pPr algn="ctr"/>
                       <a:r>
-                        <a:rPr lang="en-US" dirty="0" smtClean="0"/>
+                        <a:rPr lang="en-US" dirty="0"/>
                         <a:t>“Silly Love Songs”</a:t>
                       </a:r>
-                      <a:endParaRPr lang="en-US" dirty="0"/>
                     </a:p>
                   </a:txBody>
                   <a:tcPr/>
@@ -5620,14 +5906,18 @@
                     <a:p>
                       <a:pPr algn="ctr"/>
                       <a:r>
-                        <a:rPr lang="en-US" dirty="0" smtClean="0"/>
+                        <a:rPr lang="en-US" dirty="0"/>
                         <a:t>Wings (McCartney)</a:t>
                       </a:r>
-                      <a:endParaRPr lang="en-US" dirty="0"/>
                     </a:p>
                   </a:txBody>
                   <a:tcPr/>
                 </a:tc>
+                <a:extLst>
+                  <a:ext uri="{0D108BD9-81ED-4DB2-BD59-A6C34878D82A}">
+                    <a16:rowId xmlns:a16="http://schemas.microsoft.com/office/drawing/2014/main" val="10007"/>
+                  </a:ext>
+                </a:extLst>
               </a:tr>
               <a:tr h="414745">
                 <a:tc>
@@ -5636,10 +5926,9 @@
                     <a:lstStyle/>
                     <a:p>
                       <a:r>
-                        <a:rPr lang="en-US" dirty="0" smtClean="0"/>
+                        <a:rPr lang="en-US" dirty="0"/>
                         <a:t>1977</a:t>
                       </a:r>
-                      <a:endParaRPr lang="en-US" dirty="0"/>
                     </a:p>
                   </a:txBody>
                   <a:tcPr/>
@@ -5651,7 +5940,7 @@
                     <a:p>
                       <a:pPr algn="ctr"/>
                       <a:r>
-                        <a:rPr lang="en-US" sz="1800" b="0" i="0" u="none" kern="1200" dirty="0" smtClean="0">
+                        <a:rPr lang="en-US" sz="1800" b="0" i="0" u="none" kern="1200" dirty="0">
                           <a:solidFill>
                             <a:schemeClr val="dk1"/>
                           </a:solidFill>
@@ -5663,7 +5952,7 @@
                         <a:t>"Tonight's the Night (</a:t>
                       </a:r>
                       <a:r>
-                        <a:rPr lang="en-US" sz="1800" b="0" i="0" u="none" kern="1200" dirty="0" err="1" smtClean="0">
+                        <a:rPr lang="en-US" sz="1800" b="0" i="0" u="none" kern="1200" dirty="0" err="1">
                           <a:solidFill>
                             <a:schemeClr val="dk1"/>
                           </a:solidFill>
@@ -5675,7 +5964,7 @@
                         <a:t>Gonna</a:t>
                       </a:r>
                       <a:r>
-                        <a:rPr lang="en-US" sz="1800" b="0" i="0" u="none" kern="1200" dirty="0" smtClean="0">
+                        <a:rPr lang="en-US" sz="1800" b="0" i="0" u="none" kern="1200" dirty="0">
                           <a:solidFill>
                             <a:schemeClr val="dk1"/>
                           </a:solidFill>
@@ -5698,14 +5987,18 @@
                     <a:p>
                       <a:pPr algn="ctr"/>
                       <a:r>
-                        <a:rPr lang="en-US" dirty="0" smtClean="0"/>
+                        <a:rPr lang="en-US" dirty="0"/>
                         <a:t>Rod Stewart</a:t>
                       </a:r>
-                      <a:endParaRPr lang="en-US" dirty="0"/>
                     </a:p>
                   </a:txBody>
                   <a:tcPr/>
                 </a:tc>
+                <a:extLst>
+                  <a:ext uri="{0D108BD9-81ED-4DB2-BD59-A6C34878D82A}">
+                    <a16:rowId xmlns:a16="http://schemas.microsoft.com/office/drawing/2014/main" val="10008"/>
+                  </a:ext>
+                </a:extLst>
               </a:tr>
               <a:tr h="414745">
                 <a:tc>
@@ -5714,10 +6007,9 @@
                     <a:lstStyle/>
                     <a:p>
                       <a:r>
-                        <a:rPr lang="en-US" dirty="0" smtClean="0"/>
+                        <a:rPr lang="en-US" dirty="0"/>
                         <a:t>1978</a:t>
                       </a:r>
-                      <a:endParaRPr lang="en-US" dirty="0"/>
                     </a:p>
                   </a:txBody>
                   <a:tcPr/>
@@ -5729,7 +6021,7 @@
                     <a:p>
                       <a:pPr algn="ctr"/>
                       <a:r>
-                        <a:rPr lang="en-US" sz="1800" b="0" i="0" u="none" kern="1200" dirty="0" smtClean="0">
+                        <a:rPr lang="en-US" sz="1800" b="0" i="0" u="none" kern="1200" dirty="0">
                           <a:solidFill>
                             <a:schemeClr val="dk1"/>
                           </a:solidFill>
@@ -5752,14 +6044,18 @@
                     <a:p>
                       <a:pPr algn="ctr"/>
                       <a:r>
-                        <a:rPr lang="en-US" dirty="0" smtClean="0"/>
+                        <a:rPr lang="en-US" dirty="0"/>
                         <a:t>Andy Gibb</a:t>
                       </a:r>
-                      <a:endParaRPr lang="en-US" dirty="0"/>
                     </a:p>
                   </a:txBody>
                   <a:tcPr/>
                 </a:tc>
+                <a:extLst>
+                  <a:ext uri="{0D108BD9-81ED-4DB2-BD59-A6C34878D82A}">
+                    <a16:rowId xmlns:a16="http://schemas.microsoft.com/office/drawing/2014/main" val="10009"/>
+                  </a:ext>
+                </a:extLst>
               </a:tr>
               <a:tr h="414745">
                 <a:tc>
@@ -5768,10 +6064,9 @@
                     <a:lstStyle/>
                     <a:p>
                       <a:r>
-                        <a:rPr lang="en-US" dirty="0" smtClean="0"/>
+                        <a:rPr lang="en-US" dirty="0"/>
                         <a:t>1979</a:t>
                       </a:r>
-                      <a:endParaRPr lang="en-US" dirty="0"/>
                     </a:p>
                   </a:txBody>
                   <a:tcPr/>
@@ -5783,18 +6078,17 @@
                     <a:p>
                       <a:pPr algn="ctr"/>
                       <a:r>
-                        <a:rPr lang="en-US" dirty="0" smtClean="0"/>
+                        <a:rPr lang="en-US" dirty="0"/>
                         <a:t>“My </a:t>
                       </a:r>
                       <a:r>
-                        <a:rPr lang="en-US" dirty="0" err="1" smtClean="0"/>
+                        <a:rPr lang="en-US" dirty="0" err="1"/>
                         <a:t>Sharona</a:t>
                       </a:r>
                       <a:r>
-                        <a:rPr lang="en-US" dirty="0" smtClean="0"/>
+                        <a:rPr lang="en-US" dirty="0"/>
                         <a:t>”</a:t>
                       </a:r>
-                      <a:endParaRPr lang="en-US" dirty="0"/>
                     </a:p>
                   </a:txBody>
                   <a:tcPr/>
@@ -5806,14 +6100,18 @@
                     <a:p>
                       <a:pPr algn="ctr"/>
                       <a:r>
-                        <a:rPr lang="en-US" dirty="0" smtClean="0"/>
+                        <a:rPr lang="en-US" dirty="0"/>
                         <a:t>The Knack</a:t>
                       </a:r>
-                      <a:endParaRPr lang="en-US" dirty="0"/>
                     </a:p>
                   </a:txBody>
                   <a:tcPr/>
                 </a:tc>
+                <a:extLst>
+                  <a:ext uri="{0D108BD9-81ED-4DB2-BD59-A6C34878D82A}">
+                    <a16:rowId xmlns:a16="http://schemas.microsoft.com/office/drawing/2014/main" val="10010"/>
+                  </a:ext>
+                </a:extLst>
               </a:tr>
             </a:tbl>
           </a:graphicData>
@@ -5829,17 +6127,10 @@
   <p:clrMapOvr>
     <a:masterClrMapping/>
   </p:clrMapOvr>
-  <p:timing>
-    <p:tnLst>
-      <p:par>
-        <p:cTn id="1" dur="indefinite" restart="never" nodeType="tmRoot"/>
-      </p:par>
-    </p:tnLst>
-  </p:timing>
 </p:sld>
 </file>
 
-<file path=ppt/slides/slide14.xml><?xml version="1.0" encoding="utf-8"?>
+<file path=ppt/slides/slide16.xml><?xml version="1.0" encoding="utf-8"?>
 <p:sld xmlns:a="http://schemas.openxmlformats.org/drawingml/2006/main" xmlns:r="http://schemas.openxmlformats.org/officeDocument/2006/relationships" xmlns:p="http://schemas.openxmlformats.org/presentationml/2006/main" showMasterSp="0">
   <p:cSld>
     <p:bg>
@@ -5893,14 +6184,13 @@
           <a:p>
             <a:pPr algn="ctr"/>
             <a:r>
-              <a:rPr lang="en-US" b="1" i="1" dirty="0" smtClean="0"/>
+              <a:rPr lang="en-US" b="1" i="1" dirty="0"/>
               <a:t>Rolling Stone</a:t>
             </a:r>
             <a:r>
-              <a:rPr lang="en-US" b="1" dirty="0" smtClean="0"/>
+              <a:rPr lang="en-US" b="1" dirty="0"/>
               <a:t>’s 500 Greatest Rock and Roll Songs</a:t>
             </a:r>
-            <a:endParaRPr lang="en-US" b="1" dirty="0"/>
           </a:p>
         </p:txBody>
       </p:sp>
@@ -5928,9 +6218,27 @@
             <a:tbl>
               <a:tblPr/>
               <a:tblGrid>
-                <a:gridCol w="1750483"/>
-                <a:gridCol w="1750483"/>
-                <a:gridCol w="1750483"/>
+                <a:gridCol w="1750483">
+                  <a:extLst>
+                    <a:ext uri="{9D8B030D-6E8A-4147-A177-3AD203B41FA5}">
+                      <a16:colId xmlns:a16="http://schemas.microsoft.com/office/drawing/2014/main" val="20000"/>
+                    </a:ext>
+                  </a:extLst>
+                </a:gridCol>
+                <a:gridCol w="1750483">
+                  <a:extLst>
+                    <a:ext uri="{9D8B030D-6E8A-4147-A177-3AD203B41FA5}">
+                      <a16:colId xmlns:a16="http://schemas.microsoft.com/office/drawing/2014/main" val="20001"/>
+                    </a:ext>
+                  </a:extLst>
+                </a:gridCol>
+                <a:gridCol w="1750483">
+                  <a:extLst>
+                    <a:ext uri="{9D8B030D-6E8A-4147-A177-3AD203B41FA5}">
+                      <a16:colId xmlns:a16="http://schemas.microsoft.com/office/drawing/2014/main" val="20002"/>
+                    </a:ext>
+                  </a:extLst>
+                </a:gridCol>
               </a:tblGrid>
               <a:tr h="664980">
                 <a:tc>
@@ -6101,6 +6409,11 @@
                     </a:solidFill>
                   </a:tcPr>
                 </a:tc>
+                <a:extLst>
+                  <a:ext uri="{0D108BD9-81ED-4DB2-BD59-A6C34878D82A}">
+                    <a16:rowId xmlns:a16="http://schemas.microsoft.com/office/drawing/2014/main" val="10000"/>
+                  </a:ext>
+                </a:extLst>
               </a:tr>
               <a:tr h="472992">
                 <a:tc>
@@ -6271,6 +6584,11 @@
                     </a:solidFill>
                   </a:tcPr>
                 </a:tc>
+                <a:extLst>
+                  <a:ext uri="{0D108BD9-81ED-4DB2-BD59-A6C34878D82A}">
+                    <a16:rowId xmlns:a16="http://schemas.microsoft.com/office/drawing/2014/main" val="10001"/>
+                  </a:ext>
+                </a:extLst>
               </a:tr>
               <a:tr h="472992">
                 <a:tc>
@@ -6441,6 +6759,11 @@
                     </a:solidFill>
                   </a:tcPr>
                 </a:tc>
+                <a:extLst>
+                  <a:ext uri="{0D108BD9-81ED-4DB2-BD59-A6C34878D82A}">
+                    <a16:rowId xmlns:a16="http://schemas.microsoft.com/office/drawing/2014/main" val="10002"/>
+                  </a:ext>
+                </a:extLst>
               </a:tr>
               <a:tr h="472992">
                 <a:tc>
@@ -6611,6 +6934,11 @@
                     </a:solidFill>
                   </a:tcPr>
                 </a:tc>
+                <a:extLst>
+                  <a:ext uri="{0D108BD9-81ED-4DB2-BD59-A6C34878D82A}">
+                    <a16:rowId xmlns:a16="http://schemas.microsoft.com/office/drawing/2014/main" val="10003"/>
+                  </a:ext>
+                </a:extLst>
               </a:tr>
               <a:tr h="472992">
                 <a:tc>
@@ -6781,6 +7109,11 @@
                     </a:solidFill>
                   </a:tcPr>
                 </a:tc>
+                <a:extLst>
+                  <a:ext uri="{0D108BD9-81ED-4DB2-BD59-A6C34878D82A}">
+                    <a16:rowId xmlns:a16="http://schemas.microsoft.com/office/drawing/2014/main" val="10004"/>
+                  </a:ext>
+                </a:extLst>
               </a:tr>
               <a:tr h="472992">
                 <a:tc>
@@ -6951,6 +7284,11 @@
                     </a:solidFill>
                   </a:tcPr>
                 </a:tc>
+                <a:extLst>
+                  <a:ext uri="{0D108BD9-81ED-4DB2-BD59-A6C34878D82A}">
+                    <a16:rowId xmlns:a16="http://schemas.microsoft.com/office/drawing/2014/main" val="10005"/>
+                  </a:ext>
+                </a:extLst>
               </a:tr>
               <a:tr h="472992">
                 <a:tc>
@@ -7121,6 +7459,11 @@
                     </a:solidFill>
                   </a:tcPr>
                 </a:tc>
+                <a:extLst>
+                  <a:ext uri="{0D108BD9-81ED-4DB2-BD59-A6C34878D82A}">
+                    <a16:rowId xmlns:a16="http://schemas.microsoft.com/office/drawing/2014/main" val="10006"/>
+                  </a:ext>
+                </a:extLst>
               </a:tr>
               <a:tr h="472992">
                 <a:tc>
@@ -7291,6 +7634,11 @@
                     </a:solidFill>
                   </a:tcPr>
                 </a:tc>
+                <a:extLst>
+                  <a:ext uri="{0D108BD9-81ED-4DB2-BD59-A6C34878D82A}">
+                    <a16:rowId xmlns:a16="http://schemas.microsoft.com/office/drawing/2014/main" val="10007"/>
+                  </a:ext>
+                </a:extLst>
               </a:tr>
             </a:tbl>
           </a:graphicData>
@@ -7319,10 +7667,9 @@
           <a:lstStyle/>
           <a:p>
             <a:r>
-              <a:rPr lang="en-US" sz="2800" b="1" dirty="0" smtClean="0"/>
+              <a:rPr lang="en-US" sz="2800" b="1" dirty="0"/>
               <a:t>2004 version</a:t>
             </a:r>
-            <a:endParaRPr lang="en-US" sz="2800" b="1" dirty="0"/>
           </a:p>
         </p:txBody>
       </p:sp>
@@ -7349,9 +7696,27 @@
             <a:tbl>
               <a:tblPr/>
               <a:tblGrid>
-                <a:gridCol w="1706880"/>
-                <a:gridCol w="1706880"/>
-                <a:gridCol w="1706880"/>
+                <a:gridCol w="1706880">
+                  <a:extLst>
+                    <a:ext uri="{9D8B030D-6E8A-4147-A177-3AD203B41FA5}">
+                      <a16:colId xmlns:a16="http://schemas.microsoft.com/office/drawing/2014/main" val="20000"/>
+                    </a:ext>
+                  </a:extLst>
+                </a:gridCol>
+                <a:gridCol w="1706880">
+                  <a:extLst>
+                    <a:ext uri="{9D8B030D-6E8A-4147-A177-3AD203B41FA5}">
+                      <a16:colId xmlns:a16="http://schemas.microsoft.com/office/drawing/2014/main" val="20001"/>
+                    </a:ext>
+                  </a:extLst>
+                </a:gridCol>
+                <a:gridCol w="1706880">
+                  <a:extLst>
+                    <a:ext uri="{9D8B030D-6E8A-4147-A177-3AD203B41FA5}">
+                      <a16:colId xmlns:a16="http://schemas.microsoft.com/office/drawing/2014/main" val="20002"/>
+                    </a:ext>
+                  </a:extLst>
+                </a:gridCol>
               </a:tblGrid>
               <a:tr h="491202">
                 <a:tc>
@@ -7522,6 +7887,11 @@
                     </a:solidFill>
                   </a:tcPr>
                 </a:tc>
+                <a:extLst>
+                  <a:ext uri="{0D108BD9-81ED-4DB2-BD59-A6C34878D82A}">
+                    <a16:rowId xmlns:a16="http://schemas.microsoft.com/office/drawing/2014/main" val="10000"/>
+                  </a:ext>
+                </a:extLst>
               </a:tr>
               <a:tr h="491202">
                 <a:tc>
@@ -7692,6 +8062,11 @@
                     </a:solidFill>
                   </a:tcPr>
                 </a:tc>
+                <a:extLst>
+                  <a:ext uri="{0D108BD9-81ED-4DB2-BD59-A6C34878D82A}">
+                    <a16:rowId xmlns:a16="http://schemas.microsoft.com/office/drawing/2014/main" val="10001"/>
+                  </a:ext>
+                </a:extLst>
               </a:tr>
               <a:tr h="491202">
                 <a:tc>
@@ -7862,6 +8237,11 @@
                     </a:solidFill>
                   </a:tcPr>
                 </a:tc>
+                <a:extLst>
+                  <a:ext uri="{0D108BD9-81ED-4DB2-BD59-A6C34878D82A}">
+                    <a16:rowId xmlns:a16="http://schemas.microsoft.com/office/drawing/2014/main" val="10002"/>
+                  </a:ext>
+                </a:extLst>
               </a:tr>
               <a:tr h="491202">
                 <a:tc>
@@ -8032,6 +8412,11 @@
                     </a:solidFill>
                   </a:tcPr>
                 </a:tc>
+                <a:extLst>
+                  <a:ext uri="{0D108BD9-81ED-4DB2-BD59-A6C34878D82A}">
+                    <a16:rowId xmlns:a16="http://schemas.microsoft.com/office/drawing/2014/main" val="10003"/>
+                  </a:ext>
+                </a:extLst>
               </a:tr>
               <a:tr h="491202">
                 <a:tc>
@@ -8202,6 +8587,11 @@
                     </a:solidFill>
                   </a:tcPr>
                 </a:tc>
+                <a:extLst>
+                  <a:ext uri="{0D108BD9-81ED-4DB2-BD59-A6C34878D82A}">
+                    <a16:rowId xmlns:a16="http://schemas.microsoft.com/office/drawing/2014/main" val="10004"/>
+                  </a:ext>
+                </a:extLst>
               </a:tr>
               <a:tr h="491202">
                 <a:tc>
@@ -8372,6 +8762,11 @@
                     </a:solidFill>
                   </a:tcPr>
                 </a:tc>
+                <a:extLst>
+                  <a:ext uri="{0D108BD9-81ED-4DB2-BD59-A6C34878D82A}">
+                    <a16:rowId xmlns:a16="http://schemas.microsoft.com/office/drawing/2014/main" val="10005"/>
+                  </a:ext>
+                </a:extLst>
               </a:tr>
               <a:tr h="491202">
                 <a:tc>
@@ -8542,6 +8937,11 @@
                     </a:solidFill>
                   </a:tcPr>
                 </a:tc>
+                <a:extLst>
+                  <a:ext uri="{0D108BD9-81ED-4DB2-BD59-A6C34878D82A}">
+                    <a16:rowId xmlns:a16="http://schemas.microsoft.com/office/drawing/2014/main" val="10006"/>
+                  </a:ext>
+                </a:extLst>
               </a:tr>
               <a:tr h="491202">
                 <a:tc>
@@ -8712,6 +9112,11 @@
                     </a:solidFill>
                   </a:tcPr>
                 </a:tc>
+                <a:extLst>
+                  <a:ext uri="{0D108BD9-81ED-4DB2-BD59-A6C34878D82A}">
+                    <a16:rowId xmlns:a16="http://schemas.microsoft.com/office/drawing/2014/main" val="10007"/>
+                  </a:ext>
+                </a:extLst>
               </a:tr>
             </a:tbl>
           </a:graphicData>
@@ -8740,10 +9145,9 @@
           <a:lstStyle/>
           <a:p>
             <a:r>
-              <a:rPr lang="en-US" sz="2800" b="1" dirty="0" smtClean="0"/>
+              <a:rPr lang="en-US" sz="2800" b="1" dirty="0"/>
               <a:t>2010 version</a:t>
             </a:r>
-            <a:endParaRPr lang="en-US" sz="2800" b="1" dirty="0"/>
           </a:p>
         </p:txBody>
       </p:sp>
@@ -8757,17 +9161,10 @@
   <p:clrMapOvr>
     <a:masterClrMapping/>
   </p:clrMapOvr>
-  <p:timing>
-    <p:tnLst>
-      <p:par>
-        <p:cTn id="1" dur="indefinite" restart="never" nodeType="tmRoot"/>
-      </p:par>
-    </p:tnLst>
-  </p:timing>
 </p:sld>
 </file>
 
-<file path=ppt/slides/slide15.xml><?xml version="1.0" encoding="utf-8"?>
+<file path=ppt/slides/slide17.xml><?xml version="1.0" encoding="utf-8"?>
 <p:sld xmlns:a="http://schemas.openxmlformats.org/drawingml/2006/main" xmlns:r="http://schemas.openxmlformats.org/officeDocument/2006/relationships" xmlns:p="http://schemas.openxmlformats.org/presentationml/2006/main">
   <p:cSld>
     <p:spTree>
@@ -8819,20 +9216,12 @@
               <a:rPr lang="en-US" b="1" dirty="0"/>
               <a:t> </a:t>
             </a:r>
-            <a:r>
-              <a:rPr lang="en-US" b="1" dirty="0" smtClean="0"/>
-              <a:t/>
-            </a:r>
             <a:br>
-              <a:rPr lang="en-US" b="1" dirty="0" smtClean="0"/>
+              <a:rPr lang="en-US" b="1" dirty="0"/>
             </a:br>
             <a:r>
-              <a:rPr lang="en-US" b="1" dirty="0" smtClean="0"/>
-              <a:t>"</a:t>
-            </a:r>
-            <a:r>
               <a:rPr lang="en-US" b="1" dirty="0"/>
-              <a:t>500 Greatest Songs of All Time"</a:t>
+              <a:t>"500 Greatest Songs of All Time"</a:t>
             </a:r>
             <a:endParaRPr lang="en-US" dirty="0"/>
           </a:p>
@@ -8864,10 +9253,34 @@
                 <a:tableStyleId>{5C22544A-7EE6-4342-B048-85BDC9FD1C3A}</a:tableStyleId>
               </a:tblPr>
               <a:tblGrid>
-                <a:gridCol w="774554"/>
-                <a:gridCol w="4165936"/>
-                <a:gridCol w="2470245"/>
-                <a:gridCol w="2470245"/>
+                <a:gridCol w="774554">
+                  <a:extLst>
+                    <a:ext uri="{9D8B030D-6E8A-4147-A177-3AD203B41FA5}">
+                      <a16:colId xmlns:a16="http://schemas.microsoft.com/office/drawing/2014/main" val="20000"/>
+                    </a:ext>
+                  </a:extLst>
+                </a:gridCol>
+                <a:gridCol w="4165936">
+                  <a:extLst>
+                    <a:ext uri="{9D8B030D-6E8A-4147-A177-3AD203B41FA5}">
+                      <a16:colId xmlns:a16="http://schemas.microsoft.com/office/drawing/2014/main" val="20001"/>
+                    </a:ext>
+                  </a:extLst>
+                </a:gridCol>
+                <a:gridCol w="2470245">
+                  <a:extLst>
+                    <a:ext uri="{9D8B030D-6E8A-4147-A177-3AD203B41FA5}">
+                      <a16:colId xmlns:a16="http://schemas.microsoft.com/office/drawing/2014/main" val="20002"/>
+                    </a:ext>
+                  </a:extLst>
+                </a:gridCol>
+                <a:gridCol w="2470245">
+                  <a:extLst>
+                    <a:ext uri="{9D8B030D-6E8A-4147-A177-3AD203B41FA5}">
+                      <a16:colId xmlns:a16="http://schemas.microsoft.com/office/drawing/2014/main" val="20003"/>
+                    </a:ext>
+                  </a:extLst>
+                </a:gridCol>
               </a:tblGrid>
               <a:tr h="420599">
                 <a:tc>
@@ -8877,10 +9290,9 @@
                     <a:p>
                       <a:pPr algn="ctr"/>
                       <a:r>
-                        <a:rPr lang="en-US" dirty="0" smtClean="0"/>
+                        <a:rPr lang="en-US" dirty="0"/>
                         <a:t>Rank</a:t>
                       </a:r>
-                      <a:endParaRPr lang="en-US" dirty="0"/>
                     </a:p>
                   </a:txBody>
                   <a:tcPr/>
@@ -8892,10 +9304,9 @@
                     <a:p>
                       <a:pPr algn="ctr"/>
                       <a:r>
-                        <a:rPr lang="en-US" dirty="0" smtClean="0"/>
+                        <a:rPr lang="en-US" dirty="0"/>
                         <a:t>Song</a:t>
                       </a:r>
-                      <a:endParaRPr lang="en-US" dirty="0"/>
                     </a:p>
                   </a:txBody>
                   <a:tcPr/>
@@ -8907,10 +9318,9 @@
                     <a:p>
                       <a:pPr algn="ctr"/>
                       <a:r>
-                        <a:rPr lang="en-US" dirty="0" smtClean="0"/>
+                        <a:rPr lang="en-US" dirty="0"/>
                         <a:t>Artist</a:t>
                       </a:r>
-                      <a:endParaRPr lang="en-US" dirty="0"/>
                     </a:p>
                   </a:txBody>
                   <a:tcPr/>
@@ -8922,14 +9332,18 @@
                     <a:p>
                       <a:pPr algn="ctr"/>
                       <a:r>
-                        <a:rPr lang="en-US" dirty="0" smtClean="0"/>
+                        <a:rPr lang="en-US" dirty="0"/>
                         <a:t>Year</a:t>
                       </a:r>
-                      <a:endParaRPr lang="en-US" dirty="0"/>
                     </a:p>
                   </a:txBody>
                   <a:tcPr/>
                 </a:tc>
+                <a:extLst>
+                  <a:ext uri="{0D108BD9-81ED-4DB2-BD59-A6C34878D82A}">
+                    <a16:rowId xmlns:a16="http://schemas.microsoft.com/office/drawing/2014/main" val="10000"/>
+                  </a:ext>
+                </a:extLst>
               </a:tr>
               <a:tr h="420599">
                 <a:tc>
@@ -8939,10 +9353,9 @@
                     <a:p>
                       <a:pPr algn="ctr"/>
                       <a:r>
-                        <a:rPr lang="en-US" dirty="0" smtClean="0"/>
+                        <a:rPr lang="en-US" dirty="0"/>
                         <a:t>1</a:t>
                       </a:r>
-                      <a:endParaRPr lang="en-US" dirty="0"/>
                     </a:p>
                   </a:txBody>
                   <a:tcPr/>
@@ -8954,10 +9367,9 @@
                     <a:p>
                       <a:pPr algn="ctr"/>
                       <a:r>
-                        <a:rPr lang="en-US" dirty="0" smtClean="0"/>
+                        <a:rPr lang="en-US" dirty="0"/>
                         <a:t>“Like a Rolling Stone”</a:t>
                       </a:r>
-                      <a:endParaRPr lang="en-US" dirty="0"/>
                     </a:p>
                   </a:txBody>
                   <a:tcPr/>
@@ -8969,10 +9381,9 @@
                     <a:p>
                       <a:pPr algn="ctr"/>
                       <a:r>
-                        <a:rPr lang="en-US" dirty="0" smtClean="0"/>
+                        <a:rPr lang="en-US" dirty="0"/>
                         <a:t>Bob Dylan</a:t>
                       </a:r>
-                      <a:endParaRPr lang="en-US" dirty="0"/>
                     </a:p>
                   </a:txBody>
                   <a:tcPr/>
@@ -8984,14 +9395,18 @@
                     <a:p>
                       <a:pPr algn="ctr"/>
                       <a:r>
-                        <a:rPr lang="en-US" dirty="0" smtClean="0"/>
+                        <a:rPr lang="en-US" dirty="0"/>
                         <a:t>1965</a:t>
                       </a:r>
-                      <a:endParaRPr lang="en-US" dirty="0"/>
                     </a:p>
                   </a:txBody>
                   <a:tcPr/>
                 </a:tc>
+                <a:extLst>
+                  <a:ext uri="{0D108BD9-81ED-4DB2-BD59-A6C34878D82A}">
+                    <a16:rowId xmlns:a16="http://schemas.microsoft.com/office/drawing/2014/main" val="10001"/>
+                  </a:ext>
+                </a:extLst>
               </a:tr>
               <a:tr h="420599">
                 <a:tc>
@@ -9001,9 +9416,41 @@
                     <a:p>
                       <a:pPr algn="ctr"/>
                       <a:r>
-                        <a:rPr lang="en-US" dirty="0" smtClean="0"/>
+                        <a:rPr lang="en-US" dirty="0"/>
                         <a:t>2</a:t>
                       </a:r>
+                    </a:p>
+                  </a:txBody>
+                  <a:tcPr/>
+                </a:tc>
+                <a:tc>
+                  <a:txBody>
+                    <a:bodyPr/>
+                    <a:lstStyle/>
+                    <a:p>
+                      <a:pPr algn="ctr"/>
+                      <a:r>
+                        <a:rPr lang="en-US" dirty="0"/>
+                        <a:t>“Satisfaction”</a:t>
+                      </a:r>
+                    </a:p>
+                  </a:txBody>
+                  <a:tcPr/>
+                </a:tc>
+                <a:tc>
+                  <a:txBody>
+                    <a:bodyPr/>
+                    <a:lstStyle/>
+                    <a:p>
+                      <a:pPr algn="ctr"/>
+                      <a:r>
+                        <a:rPr lang="en-US" dirty="0"/>
+                        <a:t>The</a:t>
+                      </a:r>
+                      <a:r>
+                        <a:rPr lang="en-US" baseline="0" dirty="0"/>
+                        <a:t> Rolling Stones</a:t>
+                      </a:r>
                       <a:endParaRPr lang="en-US" dirty="0"/>
                     </a:p>
                   </a:txBody>
@@ -9016,48 +9463,18 @@
                     <a:p>
                       <a:pPr algn="ctr"/>
                       <a:r>
-                        <a:rPr lang="en-US" dirty="0" smtClean="0"/>
-                        <a:t>“Satisfaction”</a:t>
-                      </a:r>
-                      <a:endParaRPr lang="en-US" dirty="0"/>
+                        <a:rPr lang="en-US" dirty="0"/>
+                        <a:t>1965</a:t>
+                      </a:r>
                     </a:p>
                   </a:txBody>
                   <a:tcPr/>
                 </a:tc>
-                <a:tc>
-                  <a:txBody>
-                    <a:bodyPr/>
-                    <a:lstStyle/>
-                    <a:p>
-                      <a:pPr algn="ctr"/>
-                      <a:r>
-                        <a:rPr lang="en-US" dirty="0" smtClean="0"/>
-                        <a:t>The</a:t>
-                      </a:r>
-                      <a:r>
-                        <a:rPr lang="en-US" baseline="0" dirty="0" smtClean="0"/>
-                        <a:t> Rolling Stones</a:t>
-                      </a:r>
-                      <a:endParaRPr lang="en-US" dirty="0"/>
-                    </a:p>
-                  </a:txBody>
-                  <a:tcPr/>
-                </a:tc>
-                <a:tc>
-                  <a:txBody>
-                    <a:bodyPr/>
-                    <a:lstStyle/>
-                    <a:p>
-                      <a:pPr algn="ctr"/>
-                      <a:r>
-                        <a:rPr lang="en-US" dirty="0" smtClean="0"/>
-                        <a:t>1965</a:t>
-                      </a:r>
-                      <a:endParaRPr lang="en-US" dirty="0"/>
-                    </a:p>
-                  </a:txBody>
-                  <a:tcPr/>
-                </a:tc>
+                <a:extLst>
+                  <a:ext uri="{0D108BD9-81ED-4DB2-BD59-A6C34878D82A}">
+                    <a16:rowId xmlns:a16="http://schemas.microsoft.com/office/drawing/2014/main" val="10002"/>
+                  </a:ext>
+                </a:extLst>
               </a:tr>
               <a:tr h="420599">
                 <a:tc>
@@ -9067,10 +9484,9 @@
                     <a:p>
                       <a:pPr algn="ctr"/>
                       <a:r>
-                        <a:rPr lang="en-US" b="1" dirty="0" smtClean="0"/>
+                        <a:rPr lang="en-US" b="1" dirty="0"/>
                         <a:t>3</a:t>
                       </a:r>
-                      <a:endParaRPr lang="en-US" b="1" dirty="0"/>
                     </a:p>
                   </a:txBody>
                   <a:tcPr/>
@@ -9082,10 +9498,9 @@
                     <a:p>
                       <a:pPr algn="ctr"/>
                       <a:r>
-                        <a:rPr lang="en-US" b="1" dirty="0" smtClean="0"/>
+                        <a:rPr lang="en-US" b="1" dirty="0"/>
                         <a:t>“Imagine”</a:t>
                       </a:r>
-                      <a:endParaRPr lang="en-US" b="1" dirty="0"/>
                     </a:p>
                   </a:txBody>
                   <a:tcPr/>
@@ -9097,10 +9512,9 @@
                     <a:p>
                       <a:pPr algn="ctr"/>
                       <a:r>
-                        <a:rPr lang="en-US" b="1" dirty="0" smtClean="0"/>
+                        <a:rPr lang="en-US" b="1" dirty="0"/>
                         <a:t>John Lennon</a:t>
                       </a:r>
-                      <a:endParaRPr lang="en-US" b="1" dirty="0"/>
                     </a:p>
                   </a:txBody>
                   <a:tcPr/>
@@ -9112,14 +9526,18 @@
                     <a:p>
                       <a:pPr algn="ctr"/>
                       <a:r>
-                        <a:rPr lang="en-US" b="1" dirty="0" smtClean="0"/>
+                        <a:rPr lang="en-US" b="1" dirty="0"/>
                         <a:t>1971</a:t>
                       </a:r>
-                      <a:endParaRPr lang="en-US" b="1" dirty="0"/>
                     </a:p>
                   </a:txBody>
                   <a:tcPr/>
                 </a:tc>
+                <a:extLst>
+                  <a:ext uri="{0D108BD9-81ED-4DB2-BD59-A6C34878D82A}">
+                    <a16:rowId xmlns:a16="http://schemas.microsoft.com/office/drawing/2014/main" val="10003"/>
+                  </a:ext>
+                </a:extLst>
               </a:tr>
               <a:tr h="420599">
                 <a:tc>
@@ -9129,10 +9547,9 @@
                     <a:p>
                       <a:pPr algn="ctr"/>
                       <a:r>
-                        <a:rPr lang="en-US" b="1" dirty="0" smtClean="0"/>
+                        <a:rPr lang="en-US" b="1" dirty="0"/>
                         <a:t>4</a:t>
                       </a:r>
-                      <a:endParaRPr lang="en-US" b="1" dirty="0"/>
                     </a:p>
                   </a:txBody>
                   <a:tcPr/>
@@ -9144,10 +9561,9 @@
                     <a:p>
                       <a:pPr algn="ctr"/>
                       <a:r>
-                        <a:rPr lang="en-US" b="1" dirty="0" smtClean="0"/>
+                        <a:rPr lang="en-US" b="1" dirty="0"/>
                         <a:t>“What’s Going On”</a:t>
                       </a:r>
-                      <a:endParaRPr lang="en-US" b="1" dirty="0"/>
                     </a:p>
                   </a:txBody>
                   <a:tcPr/>
@@ -9159,10 +9575,9 @@
                     <a:p>
                       <a:pPr algn="ctr"/>
                       <a:r>
-                        <a:rPr lang="en-US" b="1" dirty="0" smtClean="0"/>
+                        <a:rPr lang="en-US" b="1" dirty="0"/>
                         <a:t>Marvin Gaye</a:t>
                       </a:r>
-                      <a:endParaRPr lang="en-US" b="1" dirty="0"/>
                     </a:p>
                   </a:txBody>
                   <a:tcPr/>
@@ -9174,14 +9589,18 @@
                     <a:p>
                       <a:pPr algn="ctr"/>
                       <a:r>
-                        <a:rPr lang="en-US" b="1" dirty="0" smtClean="0"/>
+                        <a:rPr lang="en-US" b="1" dirty="0"/>
                         <a:t>1971</a:t>
                       </a:r>
-                      <a:endParaRPr lang="en-US" b="1" dirty="0"/>
                     </a:p>
                   </a:txBody>
                   <a:tcPr/>
                 </a:tc>
+                <a:extLst>
+                  <a:ext uri="{0D108BD9-81ED-4DB2-BD59-A6C34878D82A}">
+                    <a16:rowId xmlns:a16="http://schemas.microsoft.com/office/drawing/2014/main" val="10004"/>
+                  </a:ext>
+                </a:extLst>
               </a:tr>
               <a:tr h="420599">
                 <a:tc>
@@ -9191,9 +9610,41 @@
                     <a:p>
                       <a:pPr algn="ctr"/>
                       <a:r>
-                        <a:rPr lang="en-US" dirty="0" smtClean="0"/>
+                        <a:rPr lang="en-US" dirty="0"/>
                         <a:t>5</a:t>
                       </a:r>
+                    </a:p>
+                  </a:txBody>
+                  <a:tcPr/>
+                </a:tc>
+                <a:tc>
+                  <a:txBody>
+                    <a:bodyPr/>
+                    <a:lstStyle/>
+                    <a:p>
+                      <a:pPr algn="ctr"/>
+                      <a:r>
+                        <a:rPr lang="en-US" dirty="0"/>
+                        <a:t>“Respect”</a:t>
+                      </a:r>
+                    </a:p>
+                  </a:txBody>
+                  <a:tcPr/>
+                </a:tc>
+                <a:tc>
+                  <a:txBody>
+                    <a:bodyPr/>
+                    <a:lstStyle/>
+                    <a:p>
+                      <a:pPr algn="ctr"/>
+                      <a:r>
+                        <a:rPr lang="en-US" dirty="0"/>
+                        <a:t>Aretha</a:t>
+                      </a:r>
+                      <a:r>
+                        <a:rPr lang="en-US" baseline="0" dirty="0"/>
+                        <a:t> Franklin</a:t>
+                      </a:r>
                       <a:endParaRPr lang="en-US" dirty="0"/>
                     </a:p>
                   </a:txBody>
@@ -9206,48 +9657,18 @@
                     <a:p>
                       <a:pPr algn="ctr"/>
                       <a:r>
-                        <a:rPr lang="en-US" dirty="0" smtClean="0"/>
-                        <a:t>“Respect”</a:t>
-                      </a:r>
-                      <a:endParaRPr lang="en-US" dirty="0"/>
+                        <a:rPr lang="en-US" dirty="0"/>
+                        <a:t>1965</a:t>
+                      </a:r>
                     </a:p>
                   </a:txBody>
                   <a:tcPr/>
                 </a:tc>
-                <a:tc>
-                  <a:txBody>
-                    <a:bodyPr/>
-                    <a:lstStyle/>
-                    <a:p>
-                      <a:pPr algn="ctr"/>
-                      <a:r>
-                        <a:rPr lang="en-US" dirty="0" smtClean="0"/>
-                        <a:t>Aretha</a:t>
-                      </a:r>
-                      <a:r>
-                        <a:rPr lang="en-US" baseline="0" dirty="0" smtClean="0"/>
-                        <a:t> Franklin</a:t>
-                      </a:r>
-                      <a:endParaRPr lang="en-US" dirty="0"/>
-                    </a:p>
-                  </a:txBody>
-                  <a:tcPr/>
-                </a:tc>
-                <a:tc>
-                  <a:txBody>
-                    <a:bodyPr/>
-                    <a:lstStyle/>
-                    <a:p>
-                      <a:pPr algn="ctr"/>
-                      <a:r>
-                        <a:rPr lang="en-US" dirty="0" smtClean="0"/>
-                        <a:t>1965</a:t>
-                      </a:r>
-                      <a:endParaRPr lang="en-US" dirty="0"/>
-                    </a:p>
-                  </a:txBody>
-                  <a:tcPr/>
-                </a:tc>
+                <a:extLst>
+                  <a:ext uri="{0D108BD9-81ED-4DB2-BD59-A6C34878D82A}">
+                    <a16:rowId xmlns:a16="http://schemas.microsoft.com/office/drawing/2014/main" val="10005"/>
+                  </a:ext>
+                </a:extLst>
               </a:tr>
               <a:tr h="420599">
                 <a:tc>
@@ -9257,10 +9678,9 @@
                     <a:p>
                       <a:pPr algn="ctr"/>
                       <a:r>
-                        <a:rPr lang="en-US" dirty="0" smtClean="0"/>
+                        <a:rPr lang="en-US" dirty="0"/>
                         <a:t>6</a:t>
                       </a:r>
-                      <a:endParaRPr lang="en-US" dirty="0"/>
                     </a:p>
                   </a:txBody>
                   <a:tcPr/>
@@ -9272,10 +9692,9 @@
                     <a:p>
                       <a:pPr algn="ctr"/>
                       <a:r>
-                        <a:rPr lang="en-US" dirty="0" smtClean="0"/>
+                        <a:rPr lang="en-US" dirty="0"/>
                         <a:t>“Good Vibrations” </a:t>
                       </a:r>
-                      <a:endParaRPr lang="en-US" dirty="0"/>
                     </a:p>
                   </a:txBody>
                   <a:tcPr/>
@@ -9287,10 +9706,9 @@
                     <a:p>
                       <a:pPr algn="ctr"/>
                       <a:r>
-                        <a:rPr lang="en-US" dirty="0" smtClean="0"/>
+                        <a:rPr lang="en-US" dirty="0"/>
                         <a:t>The Beach Boys</a:t>
                       </a:r>
-                      <a:endParaRPr lang="en-US" dirty="0"/>
                     </a:p>
                   </a:txBody>
                   <a:tcPr/>
@@ -9302,14 +9720,18 @@
                     <a:p>
                       <a:pPr algn="ctr"/>
                       <a:r>
-                        <a:rPr lang="en-US" dirty="0" smtClean="0"/>
+                        <a:rPr lang="en-US" dirty="0"/>
                         <a:t>1966</a:t>
                       </a:r>
-                      <a:endParaRPr lang="en-US" dirty="0"/>
                     </a:p>
                   </a:txBody>
                   <a:tcPr/>
                 </a:tc>
+                <a:extLst>
+                  <a:ext uri="{0D108BD9-81ED-4DB2-BD59-A6C34878D82A}">
+                    <a16:rowId xmlns:a16="http://schemas.microsoft.com/office/drawing/2014/main" val="10006"/>
+                  </a:ext>
+                </a:extLst>
               </a:tr>
               <a:tr h="420599">
                 <a:tc>
@@ -9319,10 +9741,9 @@
                     <a:p>
                       <a:pPr algn="ctr"/>
                       <a:r>
-                        <a:rPr lang="en-US" dirty="0" smtClean="0"/>
+                        <a:rPr lang="en-US" dirty="0"/>
                         <a:t>7</a:t>
                       </a:r>
-                      <a:endParaRPr lang="en-US" dirty="0"/>
                     </a:p>
                   </a:txBody>
                   <a:tcPr/>
@@ -9334,10 +9755,9 @@
                     <a:p>
                       <a:pPr algn="ctr"/>
                       <a:r>
-                        <a:rPr lang="en-US" dirty="0" smtClean="0"/>
+                        <a:rPr lang="en-US" dirty="0"/>
                         <a:t>“Johnny B. Goode”</a:t>
                       </a:r>
-                      <a:endParaRPr lang="en-US" dirty="0"/>
                     </a:p>
                   </a:txBody>
                   <a:tcPr/>
@@ -9349,10 +9769,9 @@
                     <a:p>
                       <a:pPr algn="ctr"/>
                       <a:r>
-                        <a:rPr lang="en-US" dirty="0" smtClean="0"/>
+                        <a:rPr lang="en-US" dirty="0"/>
                         <a:t>Chuck Berry</a:t>
                       </a:r>
-                      <a:endParaRPr lang="en-US" dirty="0"/>
                     </a:p>
                   </a:txBody>
                   <a:tcPr/>
@@ -9364,14 +9783,18 @@
                     <a:p>
                       <a:pPr algn="ctr"/>
                       <a:r>
-                        <a:rPr lang="en-US" dirty="0" smtClean="0"/>
+                        <a:rPr lang="en-US" dirty="0"/>
                         <a:t>1958</a:t>
                       </a:r>
-                      <a:endParaRPr lang="en-US" dirty="0"/>
                     </a:p>
                   </a:txBody>
                   <a:tcPr/>
                 </a:tc>
+                <a:extLst>
+                  <a:ext uri="{0D108BD9-81ED-4DB2-BD59-A6C34878D82A}">
+                    <a16:rowId xmlns:a16="http://schemas.microsoft.com/office/drawing/2014/main" val="10007"/>
+                  </a:ext>
+                </a:extLst>
               </a:tr>
               <a:tr h="420599">
                 <a:tc>
@@ -9381,10 +9804,9 @@
                     <a:p>
                       <a:pPr algn="ctr"/>
                       <a:r>
-                        <a:rPr lang="en-US" dirty="0" smtClean="0"/>
+                        <a:rPr lang="en-US" dirty="0"/>
                         <a:t>8</a:t>
                       </a:r>
-                      <a:endParaRPr lang="en-US" dirty="0"/>
                     </a:p>
                   </a:txBody>
                   <a:tcPr/>
@@ -9396,10 +9818,9 @@
                     <a:p>
                       <a:pPr algn="ctr"/>
                       <a:r>
-                        <a:rPr lang="en-US" dirty="0" smtClean="0"/>
+                        <a:rPr lang="en-US" dirty="0"/>
                         <a:t>“Hey Jude”</a:t>
                       </a:r>
-                      <a:endParaRPr lang="en-US" dirty="0"/>
                     </a:p>
                   </a:txBody>
                   <a:tcPr/>
@@ -9411,10 +9832,9 @@
                     <a:p>
                       <a:pPr algn="ctr"/>
                       <a:r>
-                        <a:rPr lang="en-US" dirty="0" smtClean="0"/>
+                        <a:rPr lang="en-US" dirty="0"/>
                         <a:t>The Beatles</a:t>
                       </a:r>
-                      <a:endParaRPr lang="en-US" dirty="0"/>
                     </a:p>
                   </a:txBody>
                   <a:tcPr/>
@@ -9426,14 +9846,18 @@
                     <a:p>
                       <a:pPr algn="ctr"/>
                       <a:r>
-                        <a:rPr lang="en-US" dirty="0" smtClean="0"/>
+                        <a:rPr lang="en-US" dirty="0"/>
                         <a:t>1968</a:t>
                       </a:r>
-                      <a:endParaRPr lang="en-US" dirty="0"/>
                     </a:p>
                   </a:txBody>
                   <a:tcPr/>
                 </a:tc>
+                <a:extLst>
+                  <a:ext uri="{0D108BD9-81ED-4DB2-BD59-A6C34878D82A}">
+                    <a16:rowId xmlns:a16="http://schemas.microsoft.com/office/drawing/2014/main" val="10008"/>
+                  </a:ext>
+                </a:extLst>
               </a:tr>
               <a:tr h="420599">
                 <a:tc>
@@ -9443,10 +9867,9 @@
                     <a:p>
                       <a:pPr algn="ctr"/>
                       <a:r>
-                        <a:rPr lang="en-US" dirty="0" smtClean="0"/>
+                        <a:rPr lang="en-US" dirty="0"/>
                         <a:t>9</a:t>
                       </a:r>
-                      <a:endParaRPr lang="en-US" dirty="0"/>
                     </a:p>
                   </a:txBody>
                   <a:tcPr/>
@@ -9458,10 +9881,9 @@
                     <a:p>
                       <a:pPr algn="ctr"/>
                       <a:r>
-                        <a:rPr lang="en-US" dirty="0" smtClean="0"/>
+                        <a:rPr lang="en-US" dirty="0"/>
                         <a:t>“Smells Like Teen Spirit”</a:t>
                       </a:r>
-                      <a:endParaRPr lang="en-US" dirty="0"/>
                     </a:p>
                   </a:txBody>
                   <a:tcPr/>
@@ -9473,10 +9895,9 @@
                     <a:p>
                       <a:pPr algn="ctr"/>
                       <a:r>
-                        <a:rPr lang="en-US" dirty="0" smtClean="0"/>
+                        <a:rPr lang="en-US" dirty="0"/>
                         <a:t>Nirvana</a:t>
                       </a:r>
-                      <a:endParaRPr lang="en-US" dirty="0"/>
                     </a:p>
                   </a:txBody>
                   <a:tcPr/>
@@ -9488,14 +9909,18 @@
                     <a:p>
                       <a:pPr algn="ctr"/>
                       <a:r>
-                        <a:rPr lang="en-US" dirty="0" smtClean="0"/>
+                        <a:rPr lang="en-US" dirty="0"/>
                         <a:t>1991</a:t>
                       </a:r>
-                      <a:endParaRPr lang="en-US" dirty="0"/>
                     </a:p>
                   </a:txBody>
                   <a:tcPr/>
                 </a:tc>
+                <a:extLst>
+                  <a:ext uri="{0D108BD9-81ED-4DB2-BD59-A6C34878D82A}">
+                    <a16:rowId xmlns:a16="http://schemas.microsoft.com/office/drawing/2014/main" val="10009"/>
+                  </a:ext>
+                </a:extLst>
               </a:tr>
               <a:tr h="420599">
                 <a:tc>
@@ -9505,10 +9930,9 @@
                     <a:p>
                       <a:pPr algn="ctr"/>
                       <a:r>
-                        <a:rPr lang="en-US" dirty="0" smtClean="0"/>
+                        <a:rPr lang="en-US" dirty="0"/>
                         <a:t>10</a:t>
                       </a:r>
-                      <a:endParaRPr lang="en-US" dirty="0"/>
                     </a:p>
                   </a:txBody>
                   <a:tcPr/>
@@ -9520,10 +9944,9 @@
                     <a:p>
                       <a:pPr algn="ctr"/>
                       <a:r>
-                        <a:rPr lang="en-US" dirty="0" smtClean="0"/>
+                        <a:rPr lang="en-US" dirty="0"/>
                         <a:t>“What I’d Say”</a:t>
                       </a:r>
-                      <a:endParaRPr lang="en-US" dirty="0"/>
                     </a:p>
                   </a:txBody>
                   <a:tcPr/>
@@ -9535,10 +9958,9 @@
                     <a:p>
                       <a:pPr algn="ctr"/>
                       <a:r>
-                        <a:rPr lang="en-US" dirty="0" smtClean="0"/>
+                        <a:rPr lang="en-US" dirty="0"/>
                         <a:t>Ray Charles</a:t>
                       </a:r>
-                      <a:endParaRPr lang="en-US" dirty="0"/>
                     </a:p>
                   </a:txBody>
                   <a:tcPr/>
@@ -9550,14 +9972,18 @@
                     <a:p>
                       <a:pPr algn="ctr"/>
                       <a:r>
-                        <a:rPr lang="en-US" dirty="0" smtClean="0"/>
+                        <a:rPr lang="en-US" dirty="0"/>
                         <a:t>1959</a:t>
                       </a:r>
-                      <a:endParaRPr lang="en-US" dirty="0"/>
                     </a:p>
                   </a:txBody>
                   <a:tcPr/>
                 </a:tc>
+                <a:extLst>
+                  <a:ext uri="{0D108BD9-81ED-4DB2-BD59-A6C34878D82A}">
+                    <a16:rowId xmlns:a16="http://schemas.microsoft.com/office/drawing/2014/main" val="10010"/>
+                  </a:ext>
+                </a:extLst>
               </a:tr>
             </a:tbl>
           </a:graphicData>
@@ -9573,17 +9999,10 @@
   <p:clrMapOvr>
     <a:masterClrMapping/>
   </p:clrMapOvr>
-  <p:timing>
-    <p:tnLst>
-      <p:par>
-        <p:cTn id="1" dur="indefinite" restart="never" nodeType="tmRoot"/>
-      </p:par>
-    </p:tnLst>
-  </p:timing>
 </p:sld>
 </file>
 
-<file path=ppt/slides/slide16.xml><?xml version="1.0" encoding="utf-8"?>
+<file path=ppt/slides/slide18.xml><?xml version="1.0" encoding="utf-8"?>
 <p:sld xmlns:a="http://schemas.openxmlformats.org/drawingml/2006/main" xmlns:r="http://schemas.openxmlformats.org/officeDocument/2006/relationships" xmlns:p="http://schemas.openxmlformats.org/presentationml/2006/main">
   <p:cSld>
     <p:spTree>
@@ -9624,12 +10043,8 @@
           <a:p>
             <a:pPr algn="ctr"/>
             <a:r>
-              <a:rPr lang="en-US" b="1" dirty="0" smtClean="0"/>
-              <a:t>Songs from 1970s in top 50 Songs from</a:t>
-            </a:r>
-            <a:r>
               <a:rPr lang="en-US" b="1" dirty="0"/>
-              <a:t> </a:t>
+              <a:t>Songs from 1970s in top 50 Songs from </a:t>
             </a:r>
             <a:r>
               <a:rPr lang="en-US" b="1" i="1" dirty="0"/>
@@ -9637,15 +10052,7 @@
             </a:r>
             <a:r>
               <a:rPr lang="en-US" b="1" dirty="0"/>
-              <a:t> </a:t>
-            </a:r>
-            <a:r>
-              <a:rPr lang="en-US" b="1" dirty="0" smtClean="0"/>
-              <a:t>"</a:t>
-            </a:r>
-            <a:r>
-              <a:rPr lang="en-US" b="1" dirty="0"/>
-              <a:t>500 Greatest Songs of All Time"</a:t>
+              <a:t> "500 Greatest Songs of All Time"</a:t>
             </a:r>
           </a:p>
         </p:txBody>
@@ -9676,10 +10083,34 @@
                 <a:tableStyleId>{5C22544A-7EE6-4342-B048-85BDC9FD1C3A}</a:tableStyleId>
               </a:tblPr>
               <a:tblGrid>
-                <a:gridCol w="972080"/>
-                <a:gridCol w="3990646"/>
-                <a:gridCol w="2749964"/>
-                <a:gridCol w="1069644"/>
+                <a:gridCol w="972080">
+                  <a:extLst>
+                    <a:ext uri="{9D8B030D-6E8A-4147-A177-3AD203B41FA5}">
+                      <a16:colId xmlns:a16="http://schemas.microsoft.com/office/drawing/2014/main" val="20000"/>
+                    </a:ext>
+                  </a:extLst>
+                </a:gridCol>
+                <a:gridCol w="3990646">
+                  <a:extLst>
+                    <a:ext uri="{9D8B030D-6E8A-4147-A177-3AD203B41FA5}">
+                      <a16:colId xmlns:a16="http://schemas.microsoft.com/office/drawing/2014/main" val="20001"/>
+                    </a:ext>
+                  </a:extLst>
+                </a:gridCol>
+                <a:gridCol w="2749964">
+                  <a:extLst>
+                    <a:ext uri="{9D8B030D-6E8A-4147-A177-3AD203B41FA5}">
+                      <a16:colId xmlns:a16="http://schemas.microsoft.com/office/drawing/2014/main" val="20002"/>
+                    </a:ext>
+                  </a:extLst>
+                </a:gridCol>
+                <a:gridCol w="1069644">
+                  <a:extLst>
+                    <a:ext uri="{9D8B030D-6E8A-4147-A177-3AD203B41FA5}">
+                      <a16:colId xmlns:a16="http://schemas.microsoft.com/office/drawing/2014/main" val="20003"/>
+                    </a:ext>
+                  </a:extLst>
+                </a:gridCol>
               </a:tblGrid>
               <a:tr h="429774">
                 <a:tc>
@@ -9689,10 +10120,9 @@
                     <a:p>
                       <a:pPr algn="ctr"/>
                       <a:r>
-                        <a:rPr lang="en-US" dirty="0" smtClean="0"/>
+                        <a:rPr lang="en-US" dirty="0"/>
                         <a:t>Rank</a:t>
                       </a:r>
-                      <a:endParaRPr lang="en-US" dirty="0"/>
                     </a:p>
                   </a:txBody>
                   <a:tcPr/>
@@ -9704,10 +10134,9 @@
                     <a:p>
                       <a:pPr algn="ctr"/>
                       <a:r>
-                        <a:rPr lang="en-US" dirty="0" smtClean="0"/>
+                        <a:rPr lang="en-US" dirty="0"/>
                         <a:t>Song</a:t>
                       </a:r>
-                      <a:endParaRPr lang="en-US" dirty="0"/>
                     </a:p>
                   </a:txBody>
                   <a:tcPr/>
@@ -9719,10 +10148,9 @@
                     <a:p>
                       <a:pPr algn="ctr"/>
                       <a:r>
-                        <a:rPr lang="en-US" dirty="0" smtClean="0"/>
+                        <a:rPr lang="en-US" dirty="0"/>
                         <a:t>Artist</a:t>
                       </a:r>
-                      <a:endParaRPr lang="en-US" dirty="0"/>
                     </a:p>
                   </a:txBody>
                   <a:tcPr/>
@@ -9734,14 +10162,18 @@
                     <a:p>
                       <a:pPr algn="ctr"/>
                       <a:r>
-                        <a:rPr lang="en-US" dirty="0" smtClean="0"/>
+                        <a:rPr lang="en-US" dirty="0"/>
                         <a:t>Year</a:t>
                       </a:r>
-                      <a:endParaRPr lang="en-US" dirty="0"/>
                     </a:p>
                   </a:txBody>
                   <a:tcPr/>
                 </a:tc>
+                <a:extLst>
+                  <a:ext uri="{0D108BD9-81ED-4DB2-BD59-A6C34878D82A}">
+                    <a16:rowId xmlns:a16="http://schemas.microsoft.com/office/drawing/2014/main" val="10000"/>
+                  </a:ext>
+                </a:extLst>
               </a:tr>
               <a:tr h="429774">
                 <a:tc>
@@ -9751,10 +10183,9 @@
                     <a:p>
                       <a:pPr algn="ctr"/>
                       <a:r>
-                        <a:rPr lang="en-US" dirty="0" smtClean="0"/>
+                        <a:rPr lang="en-US" dirty="0"/>
                         <a:t>3</a:t>
                       </a:r>
-                      <a:endParaRPr lang="en-US" dirty="0"/>
                     </a:p>
                   </a:txBody>
                   <a:tcPr/>
@@ -9766,10 +10197,9 @@
                     <a:p>
                       <a:pPr algn="ctr"/>
                       <a:r>
-                        <a:rPr lang="en-US" dirty="0" smtClean="0"/>
+                        <a:rPr lang="en-US" dirty="0"/>
                         <a:t>“Imagine”</a:t>
                       </a:r>
-                      <a:endParaRPr lang="en-US" dirty="0"/>
                     </a:p>
                   </a:txBody>
                   <a:tcPr/>
@@ -9781,10 +10211,9 @@
                     <a:p>
                       <a:pPr algn="ctr"/>
                       <a:r>
-                        <a:rPr lang="en-US" dirty="0" smtClean="0"/>
+                        <a:rPr lang="en-US" dirty="0"/>
                         <a:t>John Lennon</a:t>
                       </a:r>
-                      <a:endParaRPr lang="en-US" dirty="0"/>
                     </a:p>
                   </a:txBody>
                   <a:tcPr/>
@@ -9796,14 +10225,18 @@
                     <a:p>
                       <a:pPr algn="ctr"/>
                       <a:r>
-                        <a:rPr lang="en-US" dirty="0" smtClean="0"/>
+                        <a:rPr lang="en-US" dirty="0"/>
                         <a:t>1971</a:t>
                       </a:r>
-                      <a:endParaRPr lang="en-US" dirty="0"/>
                     </a:p>
                   </a:txBody>
                   <a:tcPr/>
                 </a:tc>
+                <a:extLst>
+                  <a:ext uri="{0D108BD9-81ED-4DB2-BD59-A6C34878D82A}">
+                    <a16:rowId xmlns:a16="http://schemas.microsoft.com/office/drawing/2014/main" val="10001"/>
+                  </a:ext>
+                </a:extLst>
               </a:tr>
               <a:tr h="429774">
                 <a:tc>
@@ -9813,9 +10246,27 @@
                     <a:p>
                       <a:pPr algn="ctr"/>
                       <a:r>
-                        <a:rPr lang="en-US" dirty="0" smtClean="0"/>
+                        <a:rPr lang="en-US" dirty="0"/>
                         <a:t>4</a:t>
                       </a:r>
+                    </a:p>
+                  </a:txBody>
+                  <a:tcPr/>
+                </a:tc>
+                <a:tc>
+                  <a:txBody>
+                    <a:bodyPr/>
+                    <a:lstStyle/>
+                    <a:p>
+                      <a:pPr algn="ctr"/>
+                      <a:r>
+                        <a:rPr lang="en-US" dirty="0"/>
+                        <a:t>“What’s Going</a:t>
+                      </a:r>
+                      <a:r>
+                        <a:rPr lang="en-US" baseline="0" dirty="0"/>
+                        <a:t> on”</a:t>
+                      </a:r>
                       <a:endParaRPr lang="en-US" dirty="0"/>
                     </a:p>
                   </a:txBody>
@@ -9828,14 +10279,9 @@
                     <a:p>
                       <a:pPr algn="ctr"/>
                       <a:r>
-                        <a:rPr lang="en-US" dirty="0" smtClean="0"/>
-                        <a:t>“What’s Going</a:t>
-                      </a:r>
-                      <a:r>
-                        <a:rPr lang="en-US" baseline="0" dirty="0" smtClean="0"/>
-                        <a:t> on”</a:t>
-                      </a:r>
-                      <a:endParaRPr lang="en-US" dirty="0"/>
+                        <a:rPr lang="en-US" dirty="0"/>
+                        <a:t>Marvin Gaye</a:t>
+                      </a:r>
                     </a:p>
                   </a:txBody>
                   <a:tcPr/>
@@ -9847,29 +10293,18 @@
                     <a:p>
                       <a:pPr algn="ctr"/>
                       <a:r>
-                        <a:rPr lang="en-US" dirty="0" smtClean="0"/>
-                        <a:t>Marvin Gaye</a:t>
-                      </a:r>
-                      <a:endParaRPr lang="en-US" dirty="0"/>
+                        <a:rPr lang="en-US" dirty="0"/>
+                        <a:t>1971</a:t>
+                      </a:r>
                     </a:p>
                   </a:txBody>
                   <a:tcPr/>
                 </a:tc>
-                <a:tc>
-                  <a:txBody>
-                    <a:bodyPr/>
-                    <a:lstStyle/>
-                    <a:p>
-                      <a:pPr algn="ctr"/>
-                      <a:r>
-                        <a:rPr lang="en-US" dirty="0" smtClean="0"/>
-                        <a:t>1971</a:t>
-                      </a:r>
-                      <a:endParaRPr lang="en-US" dirty="0"/>
-                    </a:p>
-                  </a:txBody>
-                  <a:tcPr/>
-                </a:tc>
+                <a:extLst>
+                  <a:ext uri="{0D108BD9-81ED-4DB2-BD59-A6C34878D82A}">
+                    <a16:rowId xmlns:a16="http://schemas.microsoft.com/office/drawing/2014/main" val="10002"/>
+                  </a:ext>
+                </a:extLst>
               </a:tr>
               <a:tr h="429774">
                 <a:tc>
@@ -9879,10 +10314,9 @@
                     <a:p>
                       <a:pPr algn="ctr"/>
                       <a:r>
-                        <a:rPr lang="en-US" dirty="0" smtClean="0"/>
+                        <a:rPr lang="en-US" dirty="0"/>
                         <a:t>20</a:t>
                       </a:r>
-                      <a:endParaRPr lang="en-US" dirty="0"/>
                     </a:p>
                   </a:txBody>
                   <a:tcPr/>
@@ -9894,10 +10328,9 @@
                     <a:p>
                       <a:pPr algn="ctr"/>
                       <a:r>
-                        <a:rPr lang="en-US" dirty="0" smtClean="0"/>
+                        <a:rPr lang="en-US" dirty="0"/>
                         <a:t>“Let it be”</a:t>
                       </a:r>
-                      <a:endParaRPr lang="en-US" dirty="0"/>
                     </a:p>
                   </a:txBody>
                   <a:tcPr/>
@@ -9909,10 +10342,9 @@
                     <a:p>
                       <a:pPr algn="ctr"/>
                       <a:r>
-                        <a:rPr lang="en-US" dirty="0" smtClean="0"/>
+                        <a:rPr lang="en-US" dirty="0"/>
                         <a:t>The Beatles</a:t>
                       </a:r>
-                      <a:endParaRPr lang="en-US" dirty="0"/>
                     </a:p>
                   </a:txBody>
                   <a:tcPr/>
@@ -9924,14 +10356,18 @@
                     <a:p>
                       <a:pPr algn="ctr"/>
                       <a:r>
-                        <a:rPr lang="en-US" dirty="0" smtClean="0"/>
+                        <a:rPr lang="en-US" dirty="0"/>
                         <a:t>1970</a:t>
                       </a:r>
-                      <a:endParaRPr lang="en-US" dirty="0"/>
                     </a:p>
                   </a:txBody>
                   <a:tcPr/>
                 </a:tc>
+                <a:extLst>
+                  <a:ext uri="{0D108BD9-81ED-4DB2-BD59-A6C34878D82A}">
+                    <a16:rowId xmlns:a16="http://schemas.microsoft.com/office/drawing/2014/main" val="10003"/>
+                  </a:ext>
+                </a:extLst>
               </a:tr>
               <a:tr h="429774">
                 <a:tc>
@@ -9941,10 +10377,9 @@
                     <a:p>
                       <a:pPr algn="ctr"/>
                       <a:r>
-                        <a:rPr lang="en-US" dirty="0" smtClean="0"/>
+                        <a:rPr lang="en-US" dirty="0"/>
                         <a:t>21</a:t>
                       </a:r>
-                      <a:endParaRPr lang="en-US" dirty="0"/>
                     </a:p>
                   </a:txBody>
                   <a:tcPr/>
@@ -9956,10 +10391,9 @@
                     <a:p>
                       <a:pPr algn="ctr"/>
                       <a:r>
-                        <a:rPr lang="en-US" dirty="0" smtClean="0"/>
+                        <a:rPr lang="en-US" dirty="0"/>
                         <a:t>“Born to Run”</a:t>
                       </a:r>
-                      <a:endParaRPr lang="en-US" dirty="0"/>
                     </a:p>
                   </a:txBody>
                   <a:tcPr/>
@@ -9971,10 +10405,9 @@
                     <a:p>
                       <a:pPr algn="ctr"/>
                       <a:r>
-                        <a:rPr lang="en-US" dirty="0" smtClean="0"/>
+                        <a:rPr lang="en-US" dirty="0"/>
                         <a:t>Bruce Springsteen</a:t>
                       </a:r>
-                      <a:endParaRPr lang="en-US" dirty="0"/>
                     </a:p>
                   </a:txBody>
                   <a:tcPr/>
@@ -9986,14 +10419,18 @@
                     <a:p>
                       <a:pPr algn="ctr"/>
                       <a:r>
-                        <a:rPr lang="en-US" dirty="0" smtClean="0"/>
+                        <a:rPr lang="en-US" dirty="0"/>
                         <a:t>1975</a:t>
                       </a:r>
-                      <a:endParaRPr lang="en-US" dirty="0"/>
                     </a:p>
                   </a:txBody>
                   <a:tcPr/>
                 </a:tc>
+                <a:extLst>
+                  <a:ext uri="{0D108BD9-81ED-4DB2-BD59-A6C34878D82A}">
+                    <a16:rowId xmlns:a16="http://schemas.microsoft.com/office/drawing/2014/main" val="10004"/>
+                  </a:ext>
+                </a:extLst>
               </a:tr>
               <a:tr h="429774">
                 <a:tc>
@@ -10003,10 +10440,9 @@
                     <a:p>
                       <a:pPr algn="ctr"/>
                       <a:r>
-                        <a:rPr lang="en-US" dirty="0" smtClean="0"/>
+                        <a:rPr lang="en-US" dirty="0"/>
                         <a:t>27</a:t>
                       </a:r>
-                      <a:endParaRPr lang="en-US" dirty="0"/>
                     </a:p>
                   </a:txBody>
                   <a:tcPr/>
@@ -10018,10 +10454,9 @@
                     <a:p>
                       <a:pPr algn="ctr"/>
                       <a:r>
-                        <a:rPr lang="en-US" dirty="0" smtClean="0"/>
+                        <a:rPr lang="en-US" dirty="0"/>
                         <a:t>“Layla”</a:t>
                       </a:r>
-                      <a:endParaRPr lang="en-US" dirty="0"/>
                     </a:p>
                   </a:txBody>
                   <a:tcPr/>
@@ -10033,7 +10468,7 @@
                     <a:p>
                       <a:pPr algn="ctr"/>
                       <a:r>
-                        <a:rPr lang="en-US" sz="1800" b="0" i="0" kern="1200" dirty="0" smtClean="0">
+                        <a:rPr lang="en-US" sz="1800" b="0" i="0" kern="1200" dirty="0">
                           <a:solidFill>
                             <a:schemeClr val="dk1"/>
                           </a:solidFill>
@@ -10056,14 +10491,18 @@
                     <a:p>
                       <a:pPr algn="ctr"/>
                       <a:r>
-                        <a:rPr lang="en-US" dirty="0" smtClean="0"/>
+                        <a:rPr lang="en-US" dirty="0"/>
                         <a:t>1970</a:t>
                       </a:r>
-                      <a:endParaRPr lang="en-US" dirty="0"/>
                     </a:p>
                   </a:txBody>
                   <a:tcPr/>
                 </a:tc>
+                <a:extLst>
+                  <a:ext uri="{0D108BD9-81ED-4DB2-BD59-A6C34878D82A}">
+                    <a16:rowId xmlns:a16="http://schemas.microsoft.com/office/drawing/2014/main" val="10005"/>
+                  </a:ext>
+                </a:extLst>
               </a:tr>
               <a:tr h="429774">
                 <a:tc>
@@ -10073,10 +10512,9 @@
                     <a:p>
                       <a:pPr algn="ctr"/>
                       <a:r>
-                        <a:rPr lang="en-US" dirty="0" smtClean="0"/>
+                        <a:rPr lang="en-US" dirty="0"/>
                         <a:t>31</a:t>
                       </a:r>
-                      <a:endParaRPr lang="en-US" dirty="0"/>
                     </a:p>
                   </a:txBody>
                   <a:tcPr/>
@@ -10088,10 +10526,9 @@
                     <a:p>
                       <a:pPr algn="ctr"/>
                       <a:r>
-                        <a:rPr lang="en-US" dirty="0" smtClean="0"/>
+                        <a:rPr lang="en-US" dirty="0"/>
                         <a:t>“Stairway to Heaven”</a:t>
                       </a:r>
-                      <a:endParaRPr lang="en-US" dirty="0"/>
                     </a:p>
                   </a:txBody>
                   <a:tcPr/>
@@ -10103,10 +10540,9 @@
                     <a:p>
                       <a:pPr algn="ctr"/>
                       <a:r>
-                        <a:rPr lang="en-US" dirty="0" smtClean="0"/>
+                        <a:rPr lang="en-US" dirty="0"/>
                         <a:t>Led Zeppelin</a:t>
                       </a:r>
-                      <a:endParaRPr lang="en-US" dirty="0"/>
                     </a:p>
                   </a:txBody>
                   <a:tcPr/>
@@ -10118,14 +10554,18 @@
                     <a:p>
                       <a:pPr algn="ctr"/>
                       <a:r>
-                        <a:rPr lang="en-US" dirty="0" smtClean="0"/>
+                        <a:rPr lang="en-US" dirty="0"/>
                         <a:t>1971</a:t>
                       </a:r>
-                      <a:endParaRPr lang="en-US" dirty="0"/>
                     </a:p>
                   </a:txBody>
                   <a:tcPr/>
                 </a:tc>
+                <a:extLst>
+                  <a:ext uri="{0D108BD9-81ED-4DB2-BD59-A6C34878D82A}">
+                    <a16:rowId xmlns:a16="http://schemas.microsoft.com/office/drawing/2014/main" val="10006"/>
+                  </a:ext>
+                </a:extLst>
               </a:tr>
               <a:tr h="429774">
                 <a:tc>
@@ -10135,9 +10575,27 @@
                     <a:p>
                       <a:pPr algn="ctr"/>
                       <a:r>
-                        <a:rPr lang="en-US" dirty="0" smtClean="0"/>
+                        <a:rPr lang="en-US" dirty="0"/>
                         <a:t>37</a:t>
                       </a:r>
+                    </a:p>
+                  </a:txBody>
+                  <a:tcPr/>
+                </a:tc>
+                <a:tc>
+                  <a:txBody>
+                    <a:bodyPr/>
+                    <a:lstStyle/>
+                    <a:p>
+                      <a:pPr algn="ctr"/>
+                      <a:r>
+                        <a:rPr lang="en-US" dirty="0"/>
+                        <a:t>“No Woman,</a:t>
+                      </a:r>
+                      <a:r>
+                        <a:rPr lang="en-US" baseline="0" dirty="0"/>
+                        <a:t> No Cry”</a:t>
+                      </a:r>
                       <a:endParaRPr lang="en-US" dirty="0"/>
                     </a:p>
                   </a:txBody>
@@ -10150,14 +10608,9 @@
                     <a:p>
                       <a:pPr algn="ctr"/>
                       <a:r>
-                        <a:rPr lang="en-US" dirty="0" smtClean="0"/>
-                        <a:t>“No Woman,</a:t>
-                      </a:r>
-                      <a:r>
-                        <a:rPr lang="en-US" baseline="0" dirty="0" smtClean="0"/>
-                        <a:t> No Cry”</a:t>
-                      </a:r>
-                      <a:endParaRPr lang="en-US" dirty="0"/>
+                        <a:rPr lang="en-US" dirty="0"/>
+                        <a:t>Bob Marley</a:t>
+                      </a:r>
                     </a:p>
                   </a:txBody>
                   <a:tcPr/>
@@ -10169,29 +10622,18 @@
                     <a:p>
                       <a:pPr algn="ctr"/>
                       <a:r>
-                        <a:rPr lang="en-US" dirty="0" smtClean="0"/>
-                        <a:t>Bob Marley</a:t>
-                      </a:r>
-                      <a:endParaRPr lang="en-US" dirty="0"/>
+                        <a:rPr lang="en-US" dirty="0"/>
+                        <a:t>1975</a:t>
+                      </a:r>
                     </a:p>
                   </a:txBody>
                   <a:tcPr/>
                 </a:tc>
-                <a:tc>
-                  <a:txBody>
-                    <a:bodyPr/>
-                    <a:lstStyle/>
-                    <a:p>
-                      <a:pPr algn="ctr"/>
-                      <a:r>
-                        <a:rPr lang="en-US" dirty="0" smtClean="0"/>
-                        <a:t>1975</a:t>
-                      </a:r>
-                      <a:endParaRPr lang="en-US" dirty="0"/>
-                    </a:p>
-                  </a:txBody>
-                  <a:tcPr/>
-                </a:tc>
+                <a:extLst>
+                  <a:ext uri="{0D108BD9-81ED-4DB2-BD59-A6C34878D82A}">
+                    <a16:rowId xmlns:a16="http://schemas.microsoft.com/office/drawing/2014/main" val="10007"/>
+                  </a:ext>
+                </a:extLst>
               </a:tr>
               <a:tr h="429774">
                 <a:tc>
@@ -10201,10 +10643,9 @@
                     <a:p>
                       <a:pPr algn="ctr"/>
                       <a:r>
-                        <a:rPr lang="en-US" dirty="0" smtClean="0"/>
+                        <a:rPr lang="en-US" dirty="0"/>
                         <a:t>46</a:t>
                       </a:r>
-                      <a:endParaRPr lang="en-US" dirty="0"/>
                     </a:p>
                   </a:txBody>
                   <a:tcPr/>
@@ -10216,10 +10657,9 @@
                     <a:p>
                       <a:pPr algn="ctr"/>
                       <a:r>
-                        <a:rPr lang="en-US" dirty="0" smtClean="0"/>
+                        <a:rPr lang="en-US" dirty="0"/>
                         <a:t>“Heroes”</a:t>
                       </a:r>
-                      <a:endParaRPr lang="en-US" dirty="0"/>
                     </a:p>
                   </a:txBody>
                   <a:tcPr/>
@@ -10231,10 +10671,9 @@
                     <a:p>
                       <a:pPr algn="ctr"/>
                       <a:r>
-                        <a:rPr lang="en-US" dirty="0" smtClean="0"/>
+                        <a:rPr lang="en-US" dirty="0"/>
                         <a:t>David Bowie</a:t>
                       </a:r>
-                      <a:endParaRPr lang="en-US" dirty="0"/>
                     </a:p>
                   </a:txBody>
                   <a:tcPr/>
@@ -10246,14 +10685,18 @@
                     <a:p>
                       <a:pPr algn="ctr"/>
                       <a:r>
-                        <a:rPr lang="en-US" dirty="0" smtClean="0"/>
+                        <a:rPr lang="en-US" dirty="0"/>
                         <a:t>1977</a:t>
                       </a:r>
-                      <a:endParaRPr lang="en-US" dirty="0"/>
                     </a:p>
                   </a:txBody>
                   <a:tcPr/>
                 </a:tc>
+                <a:extLst>
+                  <a:ext uri="{0D108BD9-81ED-4DB2-BD59-A6C34878D82A}">
+                    <a16:rowId xmlns:a16="http://schemas.microsoft.com/office/drawing/2014/main" val="10008"/>
+                  </a:ext>
+                </a:extLst>
               </a:tr>
               <a:tr h="429774">
                 <a:tc>
@@ -10263,9 +10706,27 @@
                     <a:p>
                       <a:pPr algn="ctr"/>
                       <a:r>
-                        <a:rPr lang="en-US" dirty="0" smtClean="0"/>
+                        <a:rPr lang="en-US" dirty="0"/>
                         <a:t>48</a:t>
                       </a:r>
+                    </a:p>
+                  </a:txBody>
+                  <a:tcPr/>
+                </a:tc>
+                <a:tc>
+                  <a:txBody>
+                    <a:bodyPr/>
+                    <a:lstStyle/>
+                    <a:p>
+                      <a:pPr algn="ctr"/>
+                      <a:r>
+                        <a:rPr lang="en-US" dirty="0"/>
+                        <a:t>“Bridge over</a:t>
+                      </a:r>
+                      <a:r>
+                        <a:rPr lang="en-US" baseline="0" dirty="0"/>
+                        <a:t> Troubled Water”</a:t>
+                      </a:r>
                       <a:endParaRPr lang="en-US" dirty="0"/>
                     </a:p>
                   </a:txBody>
@@ -10278,14 +10739,9 @@
                     <a:p>
                       <a:pPr algn="ctr"/>
                       <a:r>
-                        <a:rPr lang="en-US" dirty="0" smtClean="0"/>
-                        <a:t>“Bridge over</a:t>
-                      </a:r>
-                      <a:r>
-                        <a:rPr lang="en-US" baseline="0" dirty="0" smtClean="0"/>
-                        <a:t> Troubled Water”</a:t>
-                      </a:r>
-                      <a:endParaRPr lang="en-US" dirty="0"/>
+                        <a:rPr lang="en-US" dirty="0"/>
+                        <a:t>Simon and Garfunkel</a:t>
+                      </a:r>
                     </a:p>
                   </a:txBody>
                   <a:tcPr/>
@@ -10297,29 +10753,18 @@
                     <a:p>
                       <a:pPr algn="ctr"/>
                       <a:r>
-                        <a:rPr lang="en-US" dirty="0" smtClean="0"/>
-                        <a:t>Simon and Garfunkel</a:t>
-                      </a:r>
-                      <a:endParaRPr lang="en-US" dirty="0"/>
+                        <a:rPr lang="en-US" dirty="0"/>
+                        <a:t>1970</a:t>
+                      </a:r>
                     </a:p>
                   </a:txBody>
                   <a:tcPr/>
                 </a:tc>
-                <a:tc>
-                  <a:txBody>
-                    <a:bodyPr/>
-                    <a:lstStyle/>
-                    <a:p>
-                      <a:pPr algn="ctr"/>
-                      <a:r>
-                        <a:rPr lang="en-US" dirty="0" smtClean="0"/>
-                        <a:t>1970</a:t>
-                      </a:r>
-                      <a:endParaRPr lang="en-US" dirty="0"/>
-                    </a:p>
-                  </a:txBody>
-                  <a:tcPr/>
-                </a:tc>
+                <a:extLst>
+                  <a:ext uri="{0D108BD9-81ED-4DB2-BD59-A6C34878D82A}">
+                    <a16:rowId xmlns:a16="http://schemas.microsoft.com/office/drawing/2014/main" val="10009"/>
+                  </a:ext>
+                </a:extLst>
               </a:tr>
               <a:tr h="429774">
                 <a:tc>
@@ -10329,10 +10774,9 @@
                     <a:p>
                       <a:pPr algn="ctr"/>
                       <a:r>
-                        <a:rPr lang="en-US" dirty="0" smtClean="0"/>
+                        <a:rPr lang="en-US" dirty="0"/>
                         <a:t>49</a:t>
                       </a:r>
-                      <a:endParaRPr lang="en-US" dirty="0"/>
                     </a:p>
                   </a:txBody>
                   <a:tcPr/>
@@ -10344,10 +10788,9 @@
                     <a:p>
                       <a:pPr algn="ctr"/>
                       <a:r>
-                        <a:rPr lang="en-US" dirty="0" smtClean="0"/>
+                        <a:rPr lang="en-US" dirty="0"/>
                         <a:t>“Hotel California”</a:t>
                       </a:r>
-                      <a:endParaRPr lang="en-US" dirty="0"/>
                     </a:p>
                   </a:txBody>
                   <a:tcPr/>
@@ -10359,10 +10802,9 @@
                     <a:p>
                       <a:pPr algn="ctr"/>
                       <a:r>
-                        <a:rPr lang="en-US" dirty="0" smtClean="0"/>
+                        <a:rPr lang="en-US" dirty="0"/>
                         <a:t>The Eagles</a:t>
                       </a:r>
-                      <a:endParaRPr lang="en-US" dirty="0"/>
                     </a:p>
                   </a:txBody>
                   <a:tcPr/>
@@ -10374,14 +10816,18 @@
                     <a:p>
                       <a:pPr algn="ctr"/>
                       <a:r>
-                        <a:rPr lang="en-US" dirty="0" smtClean="0"/>
+                        <a:rPr lang="en-US" dirty="0"/>
                         <a:t>1976</a:t>
                       </a:r>
-                      <a:endParaRPr lang="en-US" dirty="0"/>
                     </a:p>
                   </a:txBody>
                   <a:tcPr/>
                 </a:tc>
+                <a:extLst>
+                  <a:ext uri="{0D108BD9-81ED-4DB2-BD59-A6C34878D82A}">
+                    <a16:rowId xmlns:a16="http://schemas.microsoft.com/office/drawing/2014/main" val="10010"/>
+                  </a:ext>
+                </a:extLst>
               </a:tr>
             </a:tbl>
           </a:graphicData>
@@ -10397,13 +10843,6 @@
   <p:clrMapOvr>
     <a:masterClrMapping/>
   </p:clrMapOvr>
-  <p:timing>
-    <p:tnLst>
-      <p:par>
-        <p:cTn id="1" dur="indefinite" restart="never" nodeType="tmRoot"/>
-      </p:par>
-    </p:tnLst>
-  </p:timing>
 </p:sld>
 </file>
 
@@ -10434,249 +10873,22 @@
             <p:ph type="title"/>
           </p:nvPr>
         </p:nvSpPr>
-        <p:spPr>
-          <a:xfrm>
-            <a:off x="1371599" y="685800"/>
-            <a:ext cx="10420847" cy="1485900"/>
-          </a:xfrm>
-        </p:spPr>
-        <p:txBody>
-          <a:bodyPr/>
-          <a:lstStyle/>
-          <a:p>
-            <a:r>
-              <a:rPr lang="en-US" dirty="0" smtClean="0"/>
-              <a:t>Crosby, Stills, Nash, and Young, 1968-74</a:t>
-            </a:r>
-            <a:endParaRPr lang="en-US" dirty="0"/>
-          </a:p>
-        </p:txBody>
-      </p:sp>
-      <p:sp>
-        <p:nvSpPr>
-          <p:cNvPr id="3" name="Content Placeholder 2"/>
-          <p:cNvSpPr>
-            <a:spLocks noGrp="1"/>
-          </p:cNvSpPr>
-          <p:nvPr>
-            <p:ph idx="1"/>
-          </p:nvPr>
-        </p:nvSpPr>
-        <p:spPr>
-          <a:xfrm>
-            <a:off x="1371600" y="2285999"/>
-            <a:ext cx="5356746" cy="3923731"/>
-          </a:xfrm>
-        </p:spPr>
-        <p:txBody>
-          <a:bodyPr>
-            <a:normAutofit fontScale="92500" lnSpcReduction="20000"/>
-          </a:bodyPr>
-          <a:lstStyle/>
-          <a:p>
-            <a:r>
-              <a:rPr lang="en-US" dirty="0" smtClean="0"/>
-              <a:t>David Crosby (The </a:t>
-            </a:r>
-            <a:r>
-              <a:rPr lang="en-US" dirty="0" err="1" smtClean="0"/>
-              <a:t>Byrds</a:t>
-            </a:r>
-            <a:r>
-              <a:rPr lang="en-US" dirty="0" smtClean="0"/>
-              <a:t>)</a:t>
-            </a:r>
-          </a:p>
-          <a:p>
-            <a:r>
-              <a:rPr lang="en-US" dirty="0" smtClean="0"/>
-              <a:t>Stephen Stills (Buffalo Springfield)</a:t>
-            </a:r>
-          </a:p>
-          <a:p>
-            <a:r>
-              <a:rPr lang="en-US" dirty="0" smtClean="0"/>
-              <a:t>Graham Nash (The Hollies)</a:t>
-            </a:r>
-          </a:p>
-          <a:p>
-            <a:r>
-              <a:rPr lang="en-US" dirty="0" smtClean="0"/>
-              <a:t>Neil Young (Buffalo Springfield and Crazy Horse): only semi-committed.</a:t>
-            </a:r>
-          </a:p>
-          <a:p>
-            <a:r>
-              <a:rPr lang="en-US" dirty="0" smtClean="0"/>
-              <a:t>Ahmet </a:t>
-            </a:r>
-            <a:r>
-              <a:rPr lang="en-US" dirty="0" err="1" smtClean="0"/>
-              <a:t>Ertegun</a:t>
-            </a:r>
-            <a:r>
-              <a:rPr lang="en-US" dirty="0" smtClean="0"/>
-              <a:t> (Atlantic Records)</a:t>
-            </a:r>
-          </a:p>
-          <a:p>
-            <a:r>
-              <a:rPr lang="en-US" dirty="0" smtClean="0"/>
-              <a:t>“Woodstock” (written by Joni Mitchell)</a:t>
-            </a:r>
-          </a:p>
-          <a:p>
-            <a:r>
-              <a:rPr lang="en-US" dirty="0" smtClean="0"/>
-              <a:t>“Ohio” (Young) about Kent State shootings</a:t>
-            </a:r>
-          </a:p>
-          <a:p>
-            <a:r>
-              <a:rPr lang="en-US" dirty="0">
-                <a:hlinkClick r:id="rId2"/>
-              </a:rPr>
-              <a:t>https://</a:t>
-            </a:r>
-            <a:r>
-              <a:rPr lang="en-US" dirty="0" smtClean="0">
-                <a:hlinkClick r:id="rId2"/>
-              </a:rPr>
-              <a:t>www.youtube.com/watch?v=g2UBQX7fwBQ</a:t>
-            </a:r>
-            <a:endParaRPr lang="en-US" dirty="0" smtClean="0"/>
-          </a:p>
-          <a:p>
-            <a:r>
-              <a:rPr lang="en-US" dirty="0" smtClean="0"/>
-              <a:t>Banned from </a:t>
-            </a:r>
-            <a:r>
-              <a:rPr lang="en-US" smtClean="0"/>
-              <a:t>AM radio; </a:t>
-            </a:r>
-            <a:r>
-              <a:rPr lang="en-US" dirty="0" smtClean="0"/>
-              <a:t>became </a:t>
-            </a:r>
-            <a:r>
-              <a:rPr lang="en-US" smtClean="0"/>
-              <a:t>counter-culture anthem.</a:t>
-            </a:r>
-            <a:endParaRPr lang="en-US" dirty="0" smtClean="0"/>
-          </a:p>
-          <a:p>
-            <a:pPr marL="0" indent="0">
-              <a:buNone/>
-            </a:pPr>
-            <a:endParaRPr lang="en-US" dirty="0" smtClean="0"/>
-          </a:p>
-          <a:p>
-            <a:endParaRPr lang="en-US" dirty="0" smtClean="0"/>
-          </a:p>
-          <a:p>
-            <a:endParaRPr lang="en-US" dirty="0"/>
-          </a:p>
-        </p:txBody>
-      </p:sp>
-      <p:pic>
-        <p:nvPicPr>
-          <p:cNvPr id="4" name="Picture 3"/>
-          <p:cNvPicPr>
-            <a:picLocks noChangeAspect="1"/>
-          </p:cNvPicPr>
-          <p:nvPr/>
-        </p:nvPicPr>
-        <p:blipFill>
-          <a:blip r:embed="rId3">
-            <a:extLst>
-              <a:ext uri="{28A0092B-C50C-407E-A947-70E740481C1C}">
-                <a14:useLocalDpi xmlns:a14="http://schemas.microsoft.com/office/drawing/2010/main" val="0"/>
-              </a:ext>
-            </a:extLst>
-          </a:blip>
-          <a:stretch>
-            <a:fillRect/>
-          </a:stretch>
-        </p:blipFill>
-        <p:spPr>
-          <a:xfrm>
-            <a:off x="6984745" y="2285999"/>
-            <a:ext cx="4903236" cy="3564767"/>
-          </a:xfrm>
-          <a:prstGeom prst="rect">
-            <a:avLst/>
-          </a:prstGeom>
-        </p:spPr>
-      </p:pic>
-    </p:spTree>
-    <p:extLst>
-      <p:ext uri="{BB962C8B-B14F-4D97-AF65-F5344CB8AC3E}">
-        <p14:creationId xmlns:p14="http://schemas.microsoft.com/office/powerpoint/2010/main" val="105400295"/>
-      </p:ext>
-    </p:extLst>
-  </p:cSld>
-  <p:clrMapOvr>
-    <a:masterClrMapping/>
-  </p:clrMapOvr>
-  <p:timing>
-    <p:tnLst>
-      <p:par>
-        <p:cTn id="1" dur="indefinite" restart="never" nodeType="tmRoot"/>
-      </p:par>
-    </p:tnLst>
-  </p:timing>
-</p:sld>
-</file>
-
-<file path=ppt/slides/slide3.xml><?xml version="1.0" encoding="utf-8"?>
-<p:sld xmlns:a="http://schemas.openxmlformats.org/drawingml/2006/main" xmlns:r="http://schemas.openxmlformats.org/officeDocument/2006/relationships" xmlns:p="http://schemas.openxmlformats.org/presentationml/2006/main">
-  <p:cSld>
-    <p:spTree>
-      <p:nvGrpSpPr>
-        <p:cNvPr id="1" name=""/>
-        <p:cNvGrpSpPr/>
-        <p:nvPr/>
-      </p:nvGrpSpPr>
-      <p:grpSpPr>
-        <a:xfrm>
-          <a:off x="0" y="0"/>
-          <a:ext cx="0" cy="0"/>
-          <a:chOff x="0" y="0"/>
-          <a:chExt cx="0" cy="0"/>
-        </a:xfrm>
-      </p:grpSpPr>
-      <p:sp>
-        <p:nvSpPr>
-          <p:cNvPr id="2" name="Title 1"/>
-          <p:cNvSpPr>
-            <a:spLocks noGrp="1"/>
-          </p:cNvSpPr>
-          <p:nvPr>
-            <p:ph type="title"/>
-          </p:nvPr>
-        </p:nvSpPr>
         <p:spPr/>
         <p:txBody>
           <a:bodyPr/>
           <a:lstStyle/>
           <a:p>
             <a:r>
-              <a:rPr lang="en-US" b="1" dirty="0" smtClean="0"/>
+              <a:rPr lang="en-US" b="1" dirty="0"/>
               <a:t>The Good, the Bad, and the Ugly</a:t>
             </a:r>
-            <a:r>
-              <a:rPr lang="en-US" dirty="0" smtClean="0"/>
-              <a:t/>
-            </a:r>
             <a:br>
-              <a:rPr lang="en-US" dirty="0" smtClean="0"/>
+              <a:rPr lang="en-US" dirty="0"/>
             </a:br>
             <a:r>
-              <a:rPr lang="en-US" sz="3200" dirty="0" smtClean="0"/>
+              <a:rPr lang="en-US" sz="3200" dirty="0"/>
               <a:t>Sergio Leone (director), 1966-67</a:t>
             </a:r>
-            <a:endParaRPr lang="en-US" sz="3200" dirty="0"/>
           </a:p>
         </p:txBody>
       </p:sp>
@@ -10701,7 +10913,7 @@
           <a:lstStyle/>
           <a:p>
             <a:r>
-              <a:rPr lang="en-US" dirty="0" smtClean="0"/>
+              <a:rPr lang="en-US" dirty="0"/>
               <a:t>Spaghetti Western</a:t>
             </a:r>
           </a:p>
@@ -10712,81 +10924,60 @@
             </a:r>
             <a:r>
               <a:rPr lang="en-US" dirty="0"/>
-              <a:t> </a:t>
-            </a:r>
-            <a:r>
-              <a:rPr lang="en-US" dirty="0" smtClean="0"/>
-              <a:t>Morricone, sound track</a:t>
-            </a:r>
-          </a:p>
-          <a:p>
-            <a:r>
-              <a:rPr lang="en-US" dirty="0" smtClean="0"/>
+              <a:t> Morricone, sound track</a:t>
+            </a:r>
+          </a:p>
+          <a:p>
+            <a:r>
+              <a:rPr lang="en-US" dirty="0"/>
               <a:t>Budget: 1.2 million </a:t>
             </a:r>
             <a:r>
-              <a:rPr lang="en-US" dirty="0" err="1" smtClean="0"/>
+              <a:rPr lang="en-US" dirty="0" err="1"/>
               <a:t>usd</a:t>
             </a:r>
-            <a:endParaRPr lang="en-US" dirty="0" smtClean="0"/>
-          </a:p>
-          <a:p>
-            <a:r>
-              <a:rPr lang="en-US" dirty="0" smtClean="0"/>
+            <a:endParaRPr lang="en-US" dirty="0"/>
+          </a:p>
+          <a:p>
+            <a:r>
+              <a:rPr lang="en-US" dirty="0"/>
               <a:t>Revenue: over 25 million </a:t>
             </a:r>
             <a:r>
-              <a:rPr lang="en-US" dirty="0" err="1" smtClean="0"/>
+              <a:rPr lang="en-US" dirty="0" err="1"/>
               <a:t>usd</a:t>
             </a:r>
-            <a:endParaRPr lang="en-US" dirty="0" smtClean="0"/>
-          </a:p>
-          <a:p>
-            <a:r>
-              <a:rPr lang="en-US" dirty="0" smtClean="0"/>
+            <a:endParaRPr lang="en-US" dirty="0"/>
+          </a:p>
+          <a:p>
+            <a:r>
+              <a:rPr lang="en-US" dirty="0"/>
               <a:t>More realistic depiction of violence</a:t>
             </a:r>
           </a:p>
           <a:p>
             <a:r>
-              <a:rPr lang="en-US" dirty="0" smtClean="0"/>
+              <a:rPr lang="en-US" dirty="0"/>
               <a:t>No real heroes, money as the goal</a:t>
             </a:r>
           </a:p>
           <a:p>
             <a:r>
-              <a:rPr lang="en-US" dirty="0" smtClean="0"/>
-              <a:t>Amazing </a:t>
-            </a:r>
-            <a:r>
               <a:rPr lang="en-US" dirty="0"/>
-              <a:t>soundtrack: </a:t>
-            </a:r>
-            <a:endParaRPr lang="en-US" dirty="0" smtClean="0"/>
-          </a:p>
-          <a:p>
-            <a:r>
-              <a:rPr lang="en-US" dirty="0" smtClean="0">
-                <a:hlinkClick r:id="rId2"/>
-              </a:rPr>
-              <a:t>https</a:t>
-            </a:r>
+              <a:t>Amazing soundtrack: </a:t>
+            </a:r>
+          </a:p>
+          <a:p>
             <a:r>
               <a:rPr lang="en-US" dirty="0">
                 <a:hlinkClick r:id="rId2"/>
               </a:rPr>
-              <a:t>://</a:t>
-            </a:r>
-            <a:r>
-              <a:rPr lang="en-US" dirty="0" smtClean="0">
-                <a:hlinkClick r:id="rId2"/>
-              </a:rPr>
-              <a:t>www.youtube.com/watch?v=loFfBvN_q8k</a:t>
-            </a:r>
-            <a:endParaRPr lang="en-US" dirty="0" smtClean="0"/>
-          </a:p>
-          <a:p>
-            <a:endParaRPr lang="en-US" dirty="0" smtClean="0"/>
+              <a:t>https://www.youtube.com/watch?v=loFfBvN_q8k</a:t>
+            </a:r>
+            <a:endParaRPr lang="en-US" dirty="0"/>
+          </a:p>
+          <a:p>
+            <a:endParaRPr lang="en-US" dirty="0"/>
           </a:p>
           <a:p>
             <a:pPr marL="0" indent="0">
@@ -10842,17 +11033,1041 @@
   <p:clrMapOvr>
     <a:masterClrMapping/>
   </p:clrMapOvr>
-  <p:timing>
-    <p:tnLst>
-      <p:par>
-        <p:cTn id="1" dur="indefinite" restart="never" nodeType="tmRoot"/>
-      </p:par>
-    </p:tnLst>
-  </p:timing>
+</p:sld>
+</file>
+
+<file path=ppt/slides/slide3.xml><?xml version="1.0" encoding="utf-8"?>
+<p:sld xmlns:a="http://schemas.openxmlformats.org/drawingml/2006/main" xmlns:r="http://schemas.openxmlformats.org/officeDocument/2006/relationships" xmlns:p="http://schemas.openxmlformats.org/presentationml/2006/main">
+  <p:cSld>
+    <p:bg>
+      <p:bgPr>
+        <a:solidFill>
+          <a:schemeClr val="bg2"/>
+        </a:solidFill>
+        <a:effectLst/>
+      </p:bgPr>
+    </p:bg>
+    <p:spTree>
+      <p:nvGrpSpPr>
+        <p:cNvPr id="1" name=""/>
+        <p:cNvGrpSpPr/>
+        <p:nvPr/>
+      </p:nvGrpSpPr>
+      <p:grpSpPr>
+        <a:xfrm>
+          <a:off x="0" y="0"/>
+          <a:ext cx="0" cy="0"/>
+          <a:chOff x="0" y="0"/>
+          <a:chExt cx="0" cy="0"/>
+        </a:xfrm>
+      </p:grpSpPr>
+      <p:sp>
+        <p:nvSpPr>
+          <p:cNvPr id="13" name="Rectangle 12">
+            <a:extLst>
+              <a:ext uri="{FF2B5EF4-FFF2-40B4-BE49-F238E27FC236}">
+                <a16:creationId xmlns:a16="http://schemas.microsoft.com/office/drawing/2014/main" id="{9A204626-2220-4678-A939-FD94EA7B5362}"/>
+              </a:ext>
+            </a:extLst>
+          </p:cNvPr>
+          <p:cNvSpPr>
+            <a:spLocks noGrp="1" noRot="1" noChangeAspect="1" noMove="1" noResize="1" noEditPoints="1" noAdjustHandles="1" noChangeArrowheads="1" noChangeShapeType="1" noTextEdit="1"/>
+          </p:cNvSpPr>
+          <p:nvPr>
+            <p:extLst>
+              <p:ext uri="{386F3935-93C4-4BCD-93E2-E3B085C9AB24}">
+                <p16:designElem xmlns:p16="http://schemas.microsoft.com/office/powerpoint/2015/main" val="1"/>
+              </p:ext>
+            </p:extLst>
+          </p:nvPr>
+        </p:nvSpPr>
+        <p:spPr>
+          <a:xfrm>
+            <a:off x="0" y="0"/>
+            <a:ext cx="12192000" cy="6858000"/>
+          </a:xfrm>
+          <a:prstGeom prst="rect">
+            <a:avLst/>
+          </a:prstGeom>
+          <a:solidFill>
+            <a:schemeClr val="bg2"/>
+          </a:solidFill>
+          <a:ln>
+            <a:noFill/>
+          </a:ln>
+        </p:spPr>
+        <p:style>
+          <a:lnRef idx="2">
+            <a:schemeClr val="accent1">
+              <a:shade val="50000"/>
+            </a:schemeClr>
+          </a:lnRef>
+          <a:fillRef idx="1">
+            <a:schemeClr val="accent1"/>
+          </a:fillRef>
+          <a:effectRef idx="0">
+            <a:schemeClr val="accent1"/>
+          </a:effectRef>
+          <a:fontRef idx="minor">
+            <a:schemeClr val="lt1"/>
+          </a:fontRef>
+        </p:style>
+        <p:txBody>
+          <a:bodyPr rtlCol="0" anchor="ctr"/>
+          <a:lstStyle/>
+          <a:p>
+            <a:pPr algn="ctr"/>
+            <a:endParaRPr lang="en-US"/>
+          </a:p>
+        </p:txBody>
+      </p:sp>
+      <p:sp>
+        <p:nvSpPr>
+          <p:cNvPr id="15" name="Rectangle 14" title="Side bar">
+            <a:extLst>
+              <a:ext uri="{FF2B5EF4-FFF2-40B4-BE49-F238E27FC236}">
+                <a16:creationId xmlns:a16="http://schemas.microsoft.com/office/drawing/2014/main" id="{EB97D8A6-1C5A-42B6-AE78-F3D0F9BDF024}"/>
+              </a:ext>
+            </a:extLst>
+          </p:cNvPr>
+          <p:cNvSpPr>
+            <a:spLocks noGrp="1" noRot="1" noChangeAspect="1" noMove="1" noResize="1" noEditPoints="1" noAdjustHandles="1" noChangeArrowheads="1" noChangeShapeType="1" noTextEdit="1"/>
+          </p:cNvSpPr>
+          <p:nvPr>
+            <p:extLst>
+              <p:ext uri="{386F3935-93C4-4BCD-93E2-E3B085C9AB24}">
+                <p16:designElem xmlns:p16="http://schemas.microsoft.com/office/powerpoint/2015/main" val="1"/>
+              </p:ext>
+            </p:extLst>
+          </p:nvPr>
+        </p:nvSpPr>
+        <p:spPr>
+          <a:xfrm>
+            <a:off x="7383661" y="0"/>
+            <a:ext cx="228600" cy="6858000"/>
+          </a:xfrm>
+          <a:prstGeom prst="rect">
+            <a:avLst/>
+          </a:prstGeom>
+          <a:solidFill>
+            <a:schemeClr val="tx2"/>
+          </a:solidFill>
+          <a:ln>
+            <a:noFill/>
+          </a:ln>
+        </p:spPr>
+        <p:style>
+          <a:lnRef idx="2">
+            <a:schemeClr val="accent1">
+              <a:shade val="50000"/>
+            </a:schemeClr>
+          </a:lnRef>
+          <a:fillRef idx="1">
+            <a:schemeClr val="accent1"/>
+          </a:fillRef>
+          <a:effectRef idx="0">
+            <a:schemeClr val="accent1"/>
+          </a:effectRef>
+          <a:fontRef idx="minor">
+            <a:schemeClr val="lt1"/>
+          </a:fontRef>
+        </p:style>
+      </p:sp>
+      <p:pic>
+        <p:nvPicPr>
+          <p:cNvPr id="8" name="Content Placeholder 4">
+            <a:extLst>
+              <a:ext uri="{FF2B5EF4-FFF2-40B4-BE49-F238E27FC236}">
+                <a16:creationId xmlns:a16="http://schemas.microsoft.com/office/drawing/2014/main" id="{E67F22FD-A776-EF42-A93A-D8B64FD03261}"/>
+              </a:ext>
+            </a:extLst>
+          </p:cNvPr>
+          <p:cNvPicPr>
+            <a:picLocks noChangeAspect="1"/>
+          </p:cNvPicPr>
+          <p:nvPr/>
+        </p:nvPicPr>
+        <p:blipFill>
+          <a:blip r:embed="rId2"/>
+          <a:stretch>
+            <a:fillRect/>
+          </a:stretch>
+        </p:blipFill>
+        <p:spPr>
+          <a:xfrm>
+            <a:off x="8252340" y="2171949"/>
+            <a:ext cx="3299579" cy="2513350"/>
+          </a:xfrm>
+          <a:prstGeom prst="rect">
+            <a:avLst/>
+          </a:prstGeom>
+        </p:spPr>
+      </p:pic>
+      <p:sp>
+        <p:nvSpPr>
+          <p:cNvPr id="2" name="Title 1">
+            <a:extLst>
+              <a:ext uri="{FF2B5EF4-FFF2-40B4-BE49-F238E27FC236}">
+                <a16:creationId xmlns:a16="http://schemas.microsoft.com/office/drawing/2014/main" id="{F2D72EE5-D22E-DB4A-A824-A2EBBB218E3F}"/>
+              </a:ext>
+            </a:extLst>
+          </p:cNvPr>
+          <p:cNvSpPr>
+            <a:spLocks noGrp="1"/>
+          </p:cNvSpPr>
+          <p:nvPr>
+            <p:ph type="title"/>
+          </p:nvPr>
+        </p:nvSpPr>
+        <p:spPr>
+          <a:xfrm>
+            <a:off x="784743" y="685800"/>
+            <a:ext cx="5958837" cy="1485900"/>
+          </a:xfrm>
+        </p:spPr>
+        <p:txBody>
+          <a:bodyPr>
+            <a:normAutofit/>
+          </a:bodyPr>
+          <a:lstStyle/>
+          <a:p>
+            <a:r>
+              <a:rPr lang="en-US" dirty="0"/>
+              <a:t>The Guess Who, 1965-&gt;</a:t>
+            </a:r>
+          </a:p>
+        </p:txBody>
+      </p:sp>
+      <p:sp>
+        <p:nvSpPr>
+          <p:cNvPr id="10" name="Content Placeholder 9">
+            <a:extLst>
+              <a:ext uri="{FF2B5EF4-FFF2-40B4-BE49-F238E27FC236}">
+                <a16:creationId xmlns:a16="http://schemas.microsoft.com/office/drawing/2014/main" id="{7940EE26-1B0E-4C29-993C-7FE77E091E92}"/>
+              </a:ext>
+            </a:extLst>
+          </p:cNvPr>
+          <p:cNvSpPr>
+            <a:spLocks noGrp="1"/>
+          </p:cNvSpPr>
+          <p:nvPr>
+            <p:ph idx="1"/>
+          </p:nvPr>
+        </p:nvSpPr>
+        <p:spPr>
+          <a:xfrm>
+            <a:off x="589281" y="1422400"/>
+            <a:ext cx="6154300" cy="4445000"/>
+          </a:xfrm>
+        </p:spPr>
+        <p:txBody>
+          <a:bodyPr>
+            <a:normAutofit fontScale="92500" lnSpcReduction="10000"/>
+          </a:bodyPr>
+          <a:lstStyle/>
+          <a:p>
+            <a:r>
+              <a:rPr lang="en-US" dirty="0"/>
+              <a:t>Chad Allen (lead vocals, guitar), Bob Ashley (keyboards), Randy Bachman (guitars, vocals), Jim Kale (bass), Gary Peterson (drums).</a:t>
+            </a:r>
+          </a:p>
+          <a:p>
+            <a:r>
+              <a:rPr lang="en-US" dirty="0"/>
+              <a:t>First hit “</a:t>
+            </a:r>
+            <a:r>
+              <a:rPr lang="en-US" dirty="0" err="1"/>
+              <a:t>Shakin</a:t>
+            </a:r>
+            <a:r>
+              <a:rPr lang="en-US" dirty="0"/>
+              <a:t> all over”, 1965, marketed as “Guess Who?” [</a:t>
+            </a:r>
+            <a:r>
+              <a:rPr lang="en-US" dirty="0">
+                <a:hlinkClick r:id="rId3"/>
+              </a:rPr>
+              <a:t>link</a:t>
+            </a:r>
+            <a:r>
+              <a:rPr lang="en-US" dirty="0"/>
+              <a:t>], got to No. 1 in Canada, no. 22 in USA.</a:t>
+            </a:r>
+          </a:p>
+          <a:p>
+            <a:r>
+              <a:rPr lang="en-US" dirty="0"/>
+              <a:t>Jan 1966: Ashley left, Burton Cummings joined, soon Allen left. </a:t>
+            </a:r>
+          </a:p>
+          <a:p>
+            <a:r>
+              <a:rPr lang="en-US" dirty="0"/>
+              <a:t>Based in Winnipeg, but toured a lot.</a:t>
+            </a:r>
+          </a:p>
+          <a:p>
+            <a:r>
+              <a:rPr lang="en-US" dirty="0"/>
+              <a:t>After UK tour flopped, returned in debt.</a:t>
+            </a:r>
+          </a:p>
+          <a:p>
+            <a:r>
+              <a:rPr lang="en-US" dirty="0"/>
+              <a:t>Became house band for CBC show </a:t>
+            </a:r>
+            <a:r>
+              <a:rPr lang="en-US" i="1" dirty="0"/>
+              <a:t>Let’s Go</a:t>
+            </a:r>
+            <a:r>
+              <a:rPr lang="en-US" dirty="0"/>
+              <a:t> [</a:t>
+            </a:r>
+            <a:r>
+              <a:rPr lang="en-US" dirty="0">
+                <a:hlinkClick r:id="rId4"/>
+              </a:rPr>
+              <a:t>link</a:t>
+            </a:r>
+            <a:r>
+              <a:rPr lang="en-US" dirty="0"/>
+              <a:t>]</a:t>
+            </a:r>
+          </a:p>
+          <a:p>
+            <a:r>
+              <a:rPr lang="en-US" dirty="0"/>
+              <a:t>1969: </a:t>
+            </a:r>
+            <a:r>
+              <a:rPr lang="en-US" i="1" dirty="0"/>
+              <a:t>Canned Wheat</a:t>
+            </a:r>
+            <a:r>
+              <a:rPr lang="en-US" dirty="0"/>
+              <a:t>, “No time” (co-written by Bachman and Cummings) [</a:t>
+            </a:r>
+            <a:r>
+              <a:rPr lang="en-US" dirty="0">
+                <a:hlinkClick r:id="rId5"/>
+              </a:rPr>
+              <a:t>link</a:t>
+            </a:r>
+            <a:r>
+              <a:rPr lang="en-US" dirty="0"/>
+              <a:t>] </a:t>
+            </a:r>
+          </a:p>
+          <a:p>
+            <a:r>
+              <a:rPr lang="en-US" dirty="0"/>
+              <a:t>1970: </a:t>
+            </a:r>
+            <a:r>
+              <a:rPr lang="en-US" i="1" dirty="0"/>
+              <a:t>American Woman</a:t>
+            </a:r>
+            <a:r>
+              <a:rPr lang="en-US" dirty="0"/>
+              <a:t>, only US No. 1.</a:t>
+            </a:r>
+          </a:p>
+        </p:txBody>
+      </p:sp>
+    </p:spTree>
+    <p:extLst>
+      <p:ext uri="{BB962C8B-B14F-4D97-AF65-F5344CB8AC3E}">
+        <p14:creationId xmlns:p14="http://schemas.microsoft.com/office/powerpoint/2010/main" val="3503812209"/>
+      </p:ext>
+    </p:extLst>
+  </p:cSld>
+  <p:clrMapOvr>
+    <a:masterClrMapping/>
+  </p:clrMapOvr>
 </p:sld>
 </file>
 
 <file path=ppt/slides/slide4.xml><?xml version="1.0" encoding="utf-8"?>
+<p:sld xmlns:a="http://schemas.openxmlformats.org/drawingml/2006/main" xmlns:r="http://schemas.openxmlformats.org/officeDocument/2006/relationships" xmlns:p="http://schemas.openxmlformats.org/presentationml/2006/main">
+  <p:cSld>
+    <p:bg>
+      <p:bgPr>
+        <a:solidFill>
+          <a:schemeClr val="bg2"/>
+        </a:solidFill>
+        <a:effectLst/>
+      </p:bgPr>
+    </p:bg>
+    <p:spTree>
+      <p:nvGrpSpPr>
+        <p:cNvPr id="1" name=""/>
+        <p:cNvGrpSpPr/>
+        <p:nvPr/>
+      </p:nvGrpSpPr>
+      <p:grpSpPr>
+        <a:xfrm>
+          <a:off x="0" y="0"/>
+          <a:ext cx="0" cy="0"/>
+          <a:chOff x="0" y="0"/>
+          <a:chExt cx="0" cy="0"/>
+        </a:xfrm>
+      </p:grpSpPr>
+      <p:sp>
+        <p:nvSpPr>
+          <p:cNvPr id="12" name="Rectangle 11" title="Side bar">
+            <a:extLst>
+              <a:ext uri="{FF2B5EF4-FFF2-40B4-BE49-F238E27FC236}">
+                <a16:creationId xmlns:a16="http://schemas.microsoft.com/office/drawing/2014/main" id="{AA6EC888-B85F-410F-B430-06583E94BEEC}"/>
+              </a:ext>
+            </a:extLst>
+          </p:cNvPr>
+          <p:cNvSpPr>
+            <a:spLocks noGrp="1" noRot="1" noChangeAspect="1" noMove="1" noResize="1" noEditPoints="1" noAdjustHandles="1" noChangeArrowheads="1" noChangeShapeType="1" noTextEdit="1"/>
+          </p:cNvSpPr>
+          <p:nvPr>
+            <p:extLst>
+              <p:ext uri="{386F3935-93C4-4BCD-93E2-E3B085C9AB24}">
+                <p16:designElem xmlns:p16="http://schemas.microsoft.com/office/powerpoint/2015/main" val="1"/>
+              </p:ext>
+            </p:extLst>
+          </p:nvPr>
+        </p:nvSpPr>
+        <p:spPr>
+          <a:xfrm>
+            <a:off x="478095" y="376"/>
+            <a:ext cx="228600" cy="6858000"/>
+          </a:xfrm>
+          <a:prstGeom prst="rect">
+            <a:avLst/>
+          </a:prstGeom>
+          <a:solidFill>
+            <a:schemeClr val="tx2"/>
+          </a:solidFill>
+          <a:ln>
+            <a:noFill/>
+          </a:ln>
+        </p:spPr>
+        <p:style>
+          <a:lnRef idx="2">
+            <a:schemeClr val="accent1">
+              <a:shade val="50000"/>
+            </a:schemeClr>
+          </a:lnRef>
+          <a:fillRef idx="1">
+            <a:schemeClr val="accent1"/>
+          </a:fillRef>
+          <a:effectRef idx="0">
+            <a:schemeClr val="accent1"/>
+          </a:effectRef>
+          <a:fontRef idx="minor">
+            <a:schemeClr val="lt1"/>
+          </a:fontRef>
+        </p:style>
+      </p:sp>
+      <p:sp>
+        <p:nvSpPr>
+          <p:cNvPr id="14" name="Rectangle 13">
+            <a:extLst>
+              <a:ext uri="{FF2B5EF4-FFF2-40B4-BE49-F238E27FC236}">
+                <a16:creationId xmlns:a16="http://schemas.microsoft.com/office/drawing/2014/main" id="{9485DA84-CB73-4E5E-9864-2460CE28055D}"/>
+              </a:ext>
+            </a:extLst>
+          </p:cNvPr>
+          <p:cNvSpPr>
+            <a:spLocks noGrp="1" noRot="1" noChangeAspect="1" noMove="1" noResize="1" noEditPoints="1" noAdjustHandles="1" noChangeArrowheads="1" noChangeShapeType="1" noTextEdit="1"/>
+          </p:cNvSpPr>
+          <p:nvPr>
+            <p:extLst>
+              <p:ext uri="{386F3935-93C4-4BCD-93E2-E3B085C9AB24}">
+                <p16:designElem xmlns:p16="http://schemas.microsoft.com/office/powerpoint/2015/main" val="1"/>
+              </p:ext>
+            </p:extLst>
+          </p:nvPr>
+        </p:nvSpPr>
+        <p:spPr>
+          <a:xfrm>
+            <a:off x="0" y="0"/>
+            <a:ext cx="12192000" cy="6858000"/>
+          </a:xfrm>
+          <a:prstGeom prst="rect">
+            <a:avLst/>
+          </a:prstGeom>
+          <a:solidFill>
+            <a:schemeClr val="bg2"/>
+          </a:solidFill>
+          <a:ln>
+            <a:noFill/>
+          </a:ln>
+        </p:spPr>
+        <p:style>
+          <a:lnRef idx="2">
+            <a:schemeClr val="accent1">
+              <a:shade val="50000"/>
+            </a:schemeClr>
+          </a:lnRef>
+          <a:fillRef idx="1">
+            <a:schemeClr val="accent1"/>
+          </a:fillRef>
+          <a:effectRef idx="0">
+            <a:schemeClr val="accent1"/>
+          </a:effectRef>
+          <a:fontRef idx="minor">
+            <a:schemeClr val="lt1"/>
+          </a:fontRef>
+        </p:style>
+        <p:txBody>
+          <a:bodyPr rtlCol="0" anchor="ctr"/>
+          <a:lstStyle/>
+          <a:p>
+            <a:pPr algn="ctr"/>
+            <a:endParaRPr lang="en-US"/>
+          </a:p>
+        </p:txBody>
+      </p:sp>
+      <p:sp>
+        <p:nvSpPr>
+          <p:cNvPr id="16" name="Rectangle 15">
+            <a:extLst>
+              <a:ext uri="{FF2B5EF4-FFF2-40B4-BE49-F238E27FC236}">
+                <a16:creationId xmlns:a16="http://schemas.microsoft.com/office/drawing/2014/main" id="{7D49185E-361A-421B-8F2D-11C7FFC686F0}"/>
+              </a:ext>
+            </a:extLst>
+          </p:cNvPr>
+          <p:cNvSpPr>
+            <a:spLocks noGrp="1" noRot="1" noChangeAspect="1" noMove="1" noResize="1" noEditPoints="1" noAdjustHandles="1" noChangeArrowheads="1" noChangeShapeType="1" noTextEdit="1"/>
+          </p:cNvSpPr>
+          <p:nvPr>
+            <p:extLst>
+              <p:ext uri="{386F3935-93C4-4BCD-93E2-E3B085C9AB24}">
+                <p16:designElem xmlns:p16="http://schemas.microsoft.com/office/powerpoint/2015/main" val="1"/>
+              </p:ext>
+            </p:extLst>
+          </p:nvPr>
+        </p:nvSpPr>
+        <p:spPr>
+          <a:xfrm>
+            <a:off x="0" y="0"/>
+            <a:ext cx="365760" cy="365760"/>
+          </a:xfrm>
+          <a:prstGeom prst="rect">
+            <a:avLst/>
+          </a:prstGeom>
+          <a:solidFill>
+            <a:schemeClr val="tx1"/>
+          </a:solidFill>
+          <a:ln>
+            <a:noFill/>
+          </a:ln>
+        </p:spPr>
+        <p:style>
+          <a:lnRef idx="2">
+            <a:schemeClr val="accent1">
+              <a:shade val="50000"/>
+            </a:schemeClr>
+          </a:lnRef>
+          <a:fillRef idx="1">
+            <a:schemeClr val="accent1"/>
+          </a:fillRef>
+          <a:effectRef idx="0">
+            <a:schemeClr val="accent1"/>
+          </a:effectRef>
+          <a:fontRef idx="minor">
+            <a:schemeClr val="lt1"/>
+          </a:fontRef>
+        </p:style>
+        <p:txBody>
+          <a:bodyPr rtlCol="0" anchor="ctr"/>
+          <a:lstStyle/>
+          <a:p>
+            <a:pPr algn="ctr"/>
+            <a:endParaRPr lang="en-US"/>
+          </a:p>
+        </p:txBody>
+      </p:sp>
+      <p:sp>
+        <p:nvSpPr>
+          <p:cNvPr id="18" name="Rectangle 17">
+            <a:extLst>
+              <a:ext uri="{FF2B5EF4-FFF2-40B4-BE49-F238E27FC236}">
+                <a16:creationId xmlns:a16="http://schemas.microsoft.com/office/drawing/2014/main" id="{9018D83B-903C-4782-B1BB-A45164A71F60}"/>
+              </a:ext>
+            </a:extLst>
+          </p:cNvPr>
+          <p:cNvSpPr>
+            <a:spLocks noGrp="1" noRot="1" noChangeAspect="1" noMove="1" noResize="1" noEditPoints="1" noAdjustHandles="1" noChangeArrowheads="1" noChangeShapeType="1" noTextEdit="1"/>
+          </p:cNvSpPr>
+          <p:nvPr>
+            <p:extLst>
+              <p:ext uri="{386F3935-93C4-4BCD-93E2-E3B085C9AB24}">
+                <p16:designElem xmlns:p16="http://schemas.microsoft.com/office/powerpoint/2015/main" val="1"/>
+              </p:ext>
+            </p:extLst>
+          </p:nvPr>
+        </p:nvSpPr>
+        <p:spPr>
+          <a:xfrm>
+            <a:off x="11826240" y="6494325"/>
+            <a:ext cx="365760" cy="365760"/>
+          </a:xfrm>
+          <a:prstGeom prst="rect">
+            <a:avLst/>
+          </a:prstGeom>
+          <a:solidFill>
+            <a:schemeClr val="tx1"/>
+          </a:solidFill>
+          <a:ln>
+            <a:noFill/>
+          </a:ln>
+        </p:spPr>
+        <p:style>
+          <a:lnRef idx="2">
+            <a:schemeClr val="accent1">
+              <a:shade val="50000"/>
+            </a:schemeClr>
+          </a:lnRef>
+          <a:fillRef idx="1">
+            <a:schemeClr val="accent1"/>
+          </a:fillRef>
+          <a:effectRef idx="0">
+            <a:schemeClr val="accent1"/>
+          </a:effectRef>
+          <a:fontRef idx="minor">
+            <a:schemeClr val="lt1"/>
+          </a:fontRef>
+        </p:style>
+        <p:txBody>
+          <a:bodyPr rtlCol="0" anchor="ctr"/>
+          <a:lstStyle/>
+          <a:p>
+            <a:pPr algn="ctr"/>
+            <a:endParaRPr lang="en-US"/>
+          </a:p>
+        </p:txBody>
+      </p:sp>
+      <p:sp>
+        <p:nvSpPr>
+          <p:cNvPr id="20" name="Rectangle 19">
+            <a:extLst>
+              <a:ext uri="{FF2B5EF4-FFF2-40B4-BE49-F238E27FC236}">
+                <a16:creationId xmlns:a16="http://schemas.microsoft.com/office/drawing/2014/main" id="{14B85BAA-C37F-44B4-B427-B4F10EBB4183}"/>
+              </a:ext>
+            </a:extLst>
+          </p:cNvPr>
+          <p:cNvSpPr>
+            <a:spLocks noGrp="1" noRot="1" noChangeAspect="1" noMove="1" noResize="1" noEditPoints="1" noAdjustHandles="1" noChangeArrowheads="1" noChangeShapeType="1" noTextEdit="1"/>
+          </p:cNvSpPr>
+          <p:nvPr>
+            <p:extLst>
+              <p:ext uri="{386F3935-93C4-4BCD-93E2-E3B085C9AB24}">
+                <p16:designElem xmlns:p16="http://schemas.microsoft.com/office/powerpoint/2015/main" val="1"/>
+              </p:ext>
+            </p:extLst>
+          </p:nvPr>
+        </p:nvSpPr>
+        <p:spPr>
+          <a:xfrm>
+            <a:off x="11826240" y="-4668"/>
+            <a:ext cx="365760" cy="365760"/>
+          </a:xfrm>
+          <a:prstGeom prst="rect">
+            <a:avLst/>
+          </a:prstGeom>
+          <a:solidFill>
+            <a:schemeClr val="tx1"/>
+          </a:solidFill>
+          <a:ln>
+            <a:noFill/>
+          </a:ln>
+        </p:spPr>
+        <p:style>
+          <a:lnRef idx="2">
+            <a:schemeClr val="accent1">
+              <a:shade val="50000"/>
+            </a:schemeClr>
+          </a:lnRef>
+          <a:fillRef idx="1">
+            <a:schemeClr val="accent1"/>
+          </a:fillRef>
+          <a:effectRef idx="0">
+            <a:schemeClr val="accent1"/>
+          </a:effectRef>
+          <a:fontRef idx="minor">
+            <a:schemeClr val="lt1"/>
+          </a:fontRef>
+        </p:style>
+        <p:txBody>
+          <a:bodyPr rtlCol="0" anchor="ctr"/>
+          <a:lstStyle/>
+          <a:p>
+            <a:pPr algn="ctr"/>
+            <a:endParaRPr lang="en-US"/>
+          </a:p>
+        </p:txBody>
+      </p:sp>
+      <p:sp>
+        <p:nvSpPr>
+          <p:cNvPr id="22" name="Rectangle 21">
+            <a:extLst>
+              <a:ext uri="{FF2B5EF4-FFF2-40B4-BE49-F238E27FC236}">
+                <a16:creationId xmlns:a16="http://schemas.microsoft.com/office/drawing/2014/main" id="{EDC4EE06-D7B4-4FAC-A561-38A1C380232A}"/>
+              </a:ext>
+            </a:extLst>
+          </p:cNvPr>
+          <p:cNvSpPr>
+            <a:spLocks noGrp="1" noRot="1" noChangeAspect="1" noMove="1" noResize="1" noEditPoints="1" noAdjustHandles="1" noChangeArrowheads="1" noChangeShapeType="1" noTextEdit="1"/>
+          </p:cNvSpPr>
+          <p:nvPr>
+            <p:extLst>
+              <p:ext uri="{386F3935-93C4-4BCD-93E2-E3B085C9AB24}">
+                <p16:designElem xmlns:p16="http://schemas.microsoft.com/office/powerpoint/2015/main" val="1"/>
+              </p:ext>
+            </p:extLst>
+          </p:nvPr>
+        </p:nvSpPr>
+        <p:spPr>
+          <a:xfrm>
+            <a:off x="0" y="6494325"/>
+            <a:ext cx="365760" cy="365760"/>
+          </a:xfrm>
+          <a:prstGeom prst="rect">
+            <a:avLst/>
+          </a:prstGeom>
+          <a:solidFill>
+            <a:schemeClr val="tx1"/>
+          </a:solidFill>
+          <a:ln>
+            <a:noFill/>
+          </a:ln>
+        </p:spPr>
+        <p:style>
+          <a:lnRef idx="2">
+            <a:schemeClr val="accent1">
+              <a:shade val="50000"/>
+            </a:schemeClr>
+          </a:lnRef>
+          <a:fillRef idx="1">
+            <a:schemeClr val="accent1"/>
+          </a:fillRef>
+          <a:effectRef idx="0">
+            <a:schemeClr val="accent1"/>
+          </a:effectRef>
+          <a:fontRef idx="minor">
+            <a:schemeClr val="lt1"/>
+          </a:fontRef>
+        </p:style>
+        <p:txBody>
+          <a:bodyPr rtlCol="0" anchor="ctr"/>
+          <a:lstStyle/>
+          <a:p>
+            <a:pPr algn="ctr"/>
+            <a:endParaRPr lang="en-US"/>
+          </a:p>
+        </p:txBody>
+      </p:sp>
+      <p:sp>
+        <p:nvSpPr>
+          <p:cNvPr id="24" name="Rectangle 23">
+            <a:extLst>
+              <a:ext uri="{FF2B5EF4-FFF2-40B4-BE49-F238E27FC236}">
+                <a16:creationId xmlns:a16="http://schemas.microsoft.com/office/drawing/2014/main" id="{8785589A-A5AC-409A-B2A2-24D871B4CEF0}"/>
+              </a:ext>
+            </a:extLst>
+          </p:cNvPr>
+          <p:cNvSpPr>
+            <a:spLocks noGrp="1" noRot="1" noChangeAspect="1" noMove="1" noResize="1" noEditPoints="1" noAdjustHandles="1" noChangeArrowheads="1" noChangeShapeType="1" noTextEdit="1"/>
+          </p:cNvSpPr>
+          <p:nvPr>
+            <p:extLst>
+              <p:ext uri="{386F3935-93C4-4BCD-93E2-E3B085C9AB24}">
+                <p16:designElem xmlns:p16="http://schemas.microsoft.com/office/powerpoint/2015/main" val="1"/>
+              </p:ext>
+            </p:extLst>
+          </p:nvPr>
+        </p:nvSpPr>
+        <p:spPr>
+          <a:xfrm>
+            <a:off x="160867" y="158782"/>
+            <a:ext cx="11870265" cy="6537850"/>
+          </a:xfrm>
+          <a:prstGeom prst="rect">
+            <a:avLst/>
+          </a:prstGeom>
+          <a:solidFill>
+            <a:srgbClr val="FFFFFF"/>
+          </a:solidFill>
+          <a:ln>
+            <a:noFill/>
+          </a:ln>
+        </p:spPr>
+        <p:style>
+          <a:lnRef idx="2">
+            <a:schemeClr val="accent1">
+              <a:shade val="50000"/>
+            </a:schemeClr>
+          </a:lnRef>
+          <a:fillRef idx="1">
+            <a:schemeClr val="accent1"/>
+          </a:fillRef>
+          <a:effectRef idx="0">
+            <a:schemeClr val="accent1"/>
+          </a:effectRef>
+          <a:fontRef idx="minor">
+            <a:schemeClr val="lt1"/>
+          </a:fontRef>
+        </p:style>
+        <p:txBody>
+          <a:bodyPr rtlCol="0" anchor="ctr"/>
+          <a:lstStyle/>
+          <a:p>
+            <a:pPr algn="ctr"/>
+            <a:endParaRPr lang="en-US"/>
+          </a:p>
+        </p:txBody>
+      </p:sp>
+      <p:pic>
+        <p:nvPicPr>
+          <p:cNvPr id="7" name="Content Placeholder 6">
+            <a:extLst>
+              <a:ext uri="{FF2B5EF4-FFF2-40B4-BE49-F238E27FC236}">
+                <a16:creationId xmlns:a16="http://schemas.microsoft.com/office/drawing/2014/main" id="{4127115B-13C9-2745-9F1D-E1C370456D46}"/>
+              </a:ext>
+            </a:extLst>
+          </p:cNvPr>
+          <p:cNvPicPr>
+            <a:picLocks noGrp="1" noChangeAspect="1"/>
+          </p:cNvPicPr>
+          <p:nvPr>
+            <p:ph idx="1"/>
+          </p:nvPr>
+        </p:nvPicPr>
+        <p:blipFill>
+          <a:blip r:embed="rId2"/>
+          <a:stretch>
+            <a:fillRect/>
+          </a:stretch>
+        </p:blipFill>
+        <p:spPr>
+          <a:xfrm>
+            <a:off x="3149848" y="480515"/>
+            <a:ext cx="5892302" cy="5892302"/>
+          </a:xfrm>
+          <a:prstGeom prst="rect">
+            <a:avLst/>
+          </a:prstGeom>
+        </p:spPr>
+      </p:pic>
+    </p:spTree>
+    <p:extLst>
+      <p:ext uri="{BB962C8B-B14F-4D97-AF65-F5344CB8AC3E}">
+        <p14:creationId xmlns:p14="http://schemas.microsoft.com/office/powerpoint/2010/main" val="2275455546"/>
+      </p:ext>
+    </p:extLst>
+  </p:cSld>
+  <p:clrMapOvr>
+    <a:masterClrMapping/>
+  </p:clrMapOvr>
+</p:sld>
+</file>
+
+<file path=ppt/slides/slide5.xml><?xml version="1.0" encoding="utf-8"?>
+<p:sld xmlns:a="http://schemas.openxmlformats.org/drawingml/2006/main" xmlns:r="http://schemas.openxmlformats.org/officeDocument/2006/relationships" xmlns:p="http://schemas.openxmlformats.org/presentationml/2006/main">
+  <p:cSld>
+    <p:spTree>
+      <p:nvGrpSpPr>
+        <p:cNvPr id="1" name=""/>
+        <p:cNvGrpSpPr/>
+        <p:nvPr/>
+      </p:nvGrpSpPr>
+      <p:grpSpPr>
+        <a:xfrm>
+          <a:off x="0" y="0"/>
+          <a:ext cx="0" cy="0"/>
+          <a:chOff x="0" y="0"/>
+          <a:chExt cx="0" cy="0"/>
+        </a:xfrm>
+      </p:grpSpPr>
+      <p:sp>
+        <p:nvSpPr>
+          <p:cNvPr id="2" name="Title 1"/>
+          <p:cNvSpPr>
+            <a:spLocks noGrp="1"/>
+          </p:cNvSpPr>
+          <p:nvPr>
+            <p:ph type="title"/>
+          </p:nvPr>
+        </p:nvSpPr>
+        <p:spPr>
+          <a:xfrm>
+            <a:off x="1371599" y="685800"/>
+            <a:ext cx="10420847" cy="1485900"/>
+          </a:xfrm>
+        </p:spPr>
+        <p:txBody>
+          <a:bodyPr/>
+          <a:lstStyle/>
+          <a:p>
+            <a:r>
+              <a:rPr lang="en-US" dirty="0"/>
+              <a:t>Crosby, Stills, Nash, and Young, 1968-74</a:t>
+            </a:r>
+          </a:p>
+        </p:txBody>
+      </p:sp>
+      <p:sp>
+        <p:nvSpPr>
+          <p:cNvPr id="3" name="Content Placeholder 2"/>
+          <p:cNvSpPr>
+            <a:spLocks noGrp="1"/>
+          </p:cNvSpPr>
+          <p:nvPr>
+            <p:ph idx="1"/>
+          </p:nvPr>
+        </p:nvSpPr>
+        <p:spPr>
+          <a:xfrm>
+            <a:off x="1259840" y="1788161"/>
+            <a:ext cx="5468506" cy="4421570"/>
+          </a:xfrm>
+        </p:spPr>
+        <p:txBody>
+          <a:bodyPr>
+            <a:normAutofit fontScale="92500" lnSpcReduction="20000"/>
+          </a:bodyPr>
+          <a:lstStyle/>
+          <a:p>
+            <a:r>
+              <a:rPr lang="en-US" dirty="0"/>
+              <a:t>David Crosby (The </a:t>
+            </a:r>
+            <a:r>
+              <a:rPr lang="en-US" dirty="0" err="1"/>
+              <a:t>Byrds</a:t>
+            </a:r>
+            <a:r>
+              <a:rPr lang="en-US" dirty="0"/>
+              <a:t>)</a:t>
+            </a:r>
+          </a:p>
+          <a:p>
+            <a:r>
+              <a:rPr lang="en-US" dirty="0"/>
+              <a:t>Stephen Stills (Buffalo Springfield)</a:t>
+            </a:r>
+          </a:p>
+          <a:p>
+            <a:r>
+              <a:rPr lang="en-US" dirty="0"/>
+              <a:t>Graham Nash (The Hollies)</a:t>
+            </a:r>
+          </a:p>
+          <a:p>
+            <a:r>
+              <a:rPr lang="en-US" dirty="0"/>
+              <a:t>Neil Young (Buffalo Springfield and Crazy Horse): only semi-committed.</a:t>
+            </a:r>
+          </a:p>
+          <a:p>
+            <a:r>
+              <a:rPr lang="en-US" dirty="0"/>
+              <a:t>Ahmet </a:t>
+            </a:r>
+            <a:r>
+              <a:rPr lang="en-US" dirty="0" err="1"/>
+              <a:t>Ertegun</a:t>
+            </a:r>
+            <a:r>
+              <a:rPr lang="en-US" dirty="0"/>
+              <a:t> (Atlantic Records)</a:t>
+            </a:r>
+          </a:p>
+          <a:p>
+            <a:r>
+              <a:rPr lang="en-US" dirty="0"/>
+              <a:t>“Woodstock” (written by Joni Mitchell)</a:t>
+            </a:r>
+          </a:p>
+          <a:p>
+            <a:r>
+              <a:rPr lang="en-US" dirty="0"/>
+              <a:t>“Ohio” (Young) about Kent State shootings (Cambodia and draft change)</a:t>
+            </a:r>
+          </a:p>
+          <a:p>
+            <a:r>
+              <a:rPr lang="en-US" dirty="0">
+                <a:hlinkClick r:id="rId2"/>
+              </a:rPr>
+              <a:t>https://www.youtube.com/watch?v=g2UBQX7fwBQ</a:t>
+            </a:r>
+            <a:endParaRPr lang="en-US" dirty="0"/>
+          </a:p>
+          <a:p>
+            <a:r>
+              <a:rPr lang="en-US" dirty="0"/>
+              <a:t>Banned from AM radio; became counter-culture anthem.</a:t>
+            </a:r>
+          </a:p>
+          <a:p>
+            <a:pPr marL="0" indent="0">
+              <a:buNone/>
+            </a:pPr>
+            <a:endParaRPr lang="en-US" dirty="0"/>
+          </a:p>
+          <a:p>
+            <a:endParaRPr lang="en-US" dirty="0"/>
+          </a:p>
+          <a:p>
+            <a:endParaRPr lang="en-US" dirty="0"/>
+          </a:p>
+        </p:txBody>
+      </p:sp>
+      <p:pic>
+        <p:nvPicPr>
+          <p:cNvPr id="4" name="Picture 3"/>
+          <p:cNvPicPr>
+            <a:picLocks noChangeAspect="1"/>
+          </p:cNvPicPr>
+          <p:nvPr/>
+        </p:nvPicPr>
+        <p:blipFill>
+          <a:blip r:embed="rId3">
+            <a:extLst>
+              <a:ext uri="{28A0092B-C50C-407E-A947-70E740481C1C}">
+                <a14:useLocalDpi xmlns:a14="http://schemas.microsoft.com/office/drawing/2010/main" val="0"/>
+              </a:ext>
+            </a:extLst>
+          </a:blip>
+          <a:stretch>
+            <a:fillRect/>
+          </a:stretch>
+        </p:blipFill>
+        <p:spPr>
+          <a:xfrm>
+            <a:off x="6984745" y="2285999"/>
+            <a:ext cx="4903236" cy="3564767"/>
+          </a:xfrm>
+          <a:prstGeom prst="rect">
+            <a:avLst/>
+          </a:prstGeom>
+        </p:spPr>
+      </p:pic>
+    </p:spTree>
+    <p:extLst>
+      <p:ext uri="{BB962C8B-B14F-4D97-AF65-F5344CB8AC3E}">
+        <p14:creationId xmlns:p14="http://schemas.microsoft.com/office/powerpoint/2010/main" val="105400295"/>
+      </p:ext>
+    </p:extLst>
+  </p:cSld>
+  <p:clrMapOvr>
+    <a:masterClrMapping/>
+  </p:clrMapOvr>
+</p:sld>
+</file>
+
+<file path=ppt/slides/slide6.xml><?xml version="1.0" encoding="utf-8"?>
 <p:sld xmlns:a="http://schemas.openxmlformats.org/drawingml/2006/main" xmlns:r="http://schemas.openxmlformats.org/officeDocument/2006/relationships" xmlns:p="http://schemas.openxmlformats.org/presentationml/2006/main">
   <p:cSld>
     <p:spTree>
@@ -10892,10 +12107,9 @@
           <a:lstStyle/>
           <a:p>
             <a:r>
-              <a:rPr lang="en-US" sz="6600" dirty="0" smtClean="0"/>
+              <a:rPr lang="en-US" sz="6600" dirty="0"/>
               <a:t>The Good, and Bad</a:t>
             </a:r>
-            <a:endParaRPr lang="en-US" sz="6600" dirty="0"/>
           </a:p>
         </p:txBody>
       </p:sp>
@@ -10922,7 +12136,7 @@
           <a:lstStyle/>
           <a:p>
             <a:r>
-              <a:rPr lang="en-US" sz="2800" b="1" dirty="0" smtClean="0"/>
+              <a:rPr lang="en-US" sz="2800" b="1" dirty="0"/>
               <a:t>The Doors, 1965-1973 (really 1967-1971)</a:t>
             </a:r>
           </a:p>
@@ -10932,117 +12146,44 @@
               <a:t>John </a:t>
             </a:r>
             <a:r>
-              <a:rPr lang="en-US" dirty="0" err="1" smtClean="0"/>
+              <a:rPr lang="en-US" dirty="0" err="1"/>
               <a:t>Densmore</a:t>
             </a:r>
             <a:r>
-              <a:rPr lang="en-US" dirty="0" smtClean="0"/>
-              <a:t> (drums), </a:t>
-            </a:r>
-            <a:r>
               <a:rPr lang="en-US" dirty="0"/>
-              <a:t>Robby </a:t>
-            </a:r>
-            <a:r>
-              <a:rPr lang="en-US" dirty="0" smtClean="0"/>
-              <a:t>Krieger (guitars), </a:t>
+              <a:t> (drums), Robby Krieger (guitars), Ray </a:t>
+            </a:r>
+            <a:r>
+              <a:rPr lang="en-US" dirty="0" err="1"/>
+              <a:t>Manzarek</a:t>
             </a:r>
             <a:r>
               <a:rPr lang="en-US" dirty="0"/>
-              <a:t>Ray </a:t>
-            </a:r>
-            <a:r>
-              <a:rPr lang="en-US" dirty="0" err="1" smtClean="0"/>
-              <a:t>Manzarek</a:t>
-            </a:r>
-            <a:r>
-              <a:rPr lang="en-US" dirty="0" smtClean="0"/>
-              <a:t> (keyboard), </a:t>
-            </a:r>
+              <a:t> (keyboard), and Jim Morrison (vocals)</a:t>
+            </a:r>
+          </a:p>
+          <a:p>
             <a:r>
               <a:rPr lang="en-US" dirty="0"/>
-              <a:t>and Jim </a:t>
-            </a:r>
-            <a:r>
-              <a:rPr lang="en-US" dirty="0" smtClean="0"/>
-              <a:t>Morrison (vocals)</a:t>
-            </a:r>
-          </a:p>
-          <a:p>
-            <a:r>
-              <a:rPr lang="en-US" dirty="0" smtClean="0"/>
-              <a:t>By 1972, the Doors </a:t>
-            </a:r>
+              <a:t>By 1972, the Doors had sold 4,190,457 albums and 7,750,642 singles in USA.</a:t>
+            </a:r>
+          </a:p>
+          <a:p>
             <a:r>
               <a:rPr lang="en-US" dirty="0"/>
-              <a:t>had sold 4,190,457 albums </a:t>
-            </a:r>
-            <a:r>
-              <a:rPr lang="en-US" dirty="0" smtClean="0"/>
-              <a:t>and </a:t>
-            </a:r>
+              <a:t>“The End” was their beginning (LA’s Whisky a Go Go)</a:t>
+            </a:r>
+          </a:p>
+          <a:p>
             <a:r>
               <a:rPr lang="en-US" dirty="0"/>
-              <a:t>7,750,642 </a:t>
-            </a:r>
-            <a:r>
-              <a:rPr lang="en-US" dirty="0" smtClean="0"/>
-              <a:t>singles in USA.</a:t>
-            </a:r>
-          </a:p>
-          <a:p>
-            <a:r>
-              <a:rPr lang="en-US" dirty="0" smtClean="0"/>
-              <a:t>“The End” was their beginning (LA’s Whisky a Go Go)</a:t>
-            </a:r>
-          </a:p>
-          <a:p>
-            <a:r>
-              <a:rPr lang="en-US" dirty="0" smtClean="0"/>
-              <a:t>Also, 20 </a:t>
-            </a:r>
+              <a:t>Also, 20 Gold, 14 Platinum and 5 Multi-Platinum album awards in USA alone. </a:t>
+            </a:r>
+          </a:p>
+          <a:p>
             <a:r>
               <a:rPr lang="en-US" dirty="0"/>
-              <a:t>Gold, 14 Platinum and 5 Multi-Platinum album awards in </a:t>
-            </a:r>
-            <a:r>
-              <a:rPr lang="en-US" dirty="0" smtClean="0"/>
-              <a:t>USA alone</a:t>
-            </a:r>
-            <a:r>
-              <a:rPr lang="en-US" dirty="0"/>
-              <a:t>. </a:t>
-            </a:r>
-            <a:endParaRPr lang="en-US" dirty="0" smtClean="0"/>
-          </a:p>
-          <a:p>
-            <a:r>
-              <a:rPr lang="en-US" dirty="0" smtClean="0"/>
-              <a:t>Biggest hits: </a:t>
-            </a:r>
-            <a:r>
-              <a:rPr lang="en-US" dirty="0"/>
-              <a:t>"Light My </a:t>
-            </a:r>
-            <a:r>
-              <a:rPr lang="en-US" dirty="0" smtClean="0"/>
-              <a:t>Fire“ (1967), </a:t>
-            </a:r>
-            <a:r>
-              <a:rPr lang="en-US" dirty="0"/>
-              <a:t>"Hello, I Love </a:t>
-            </a:r>
-            <a:r>
-              <a:rPr lang="en-US" dirty="0" smtClean="0"/>
-              <a:t>You“ (1968), </a:t>
-            </a:r>
-            <a:r>
-              <a:rPr lang="en-US" dirty="0"/>
-              <a:t>and "Touch </a:t>
-            </a:r>
-            <a:r>
-              <a:rPr lang="en-US" dirty="0" smtClean="0"/>
-              <a:t>Me“ (1968)</a:t>
+              <a:t>Biggest hits: "Light My Fire“ (1967), "Hello, I Love You“ (1968), and "Touch Me“ (1968)</a:t>
             </a:r>
           </a:p>
           <a:p>
@@ -11060,26 +12201,16 @@
           </a:p>
           <a:p>
             <a:r>
-              <a:rPr lang="en-US" dirty="0" smtClean="0"/>
-              <a:t>“Hello, I </a:t>
-            </a:r>
-            <a:r>
               <a:rPr lang="en-US" dirty="0"/>
-              <a:t>love you” (1968): </a:t>
+              <a:t>“Hello, I love you” (1968): </a:t>
             </a:r>
             <a:r>
               <a:rPr lang="en-US" dirty="0">
                 <a:hlinkClick r:id="rId3"/>
               </a:rPr>
-              <a:t>https://</a:t>
-            </a:r>
-            <a:r>
-              <a:rPr lang="en-US" dirty="0" smtClean="0">
-                <a:hlinkClick r:id="rId3"/>
-              </a:rPr>
-              <a:t>www.youtube.com/watch?v=D4o46HKMdL0</a:t>
-            </a:r>
-            <a:endParaRPr lang="en-US" dirty="0" smtClean="0"/>
+              <a:t>https://www.youtube.com/watch?v=D4o46HKMdL0</a:t>
+            </a:r>
+            <a:endParaRPr lang="en-US" dirty="0"/>
           </a:p>
           <a:p>
             <a:endParaRPr lang="en-US" dirty="0"/>
@@ -11136,17 +12267,10 @@
   <p:clrMapOvr>
     <a:masterClrMapping/>
   </p:clrMapOvr>
-  <p:timing>
-    <p:tnLst>
-      <p:par>
-        <p:cTn id="1" dur="indefinite" restart="never" nodeType="tmRoot"/>
-      </p:par>
-    </p:tnLst>
-  </p:timing>
 </p:sld>
 </file>
 
-<file path=ppt/slides/slide5.xml><?xml version="1.0" encoding="utf-8"?>
+<file path=ppt/slides/slide7.xml><?xml version="1.0" encoding="utf-8"?>
 <p:sld xmlns:a="http://schemas.openxmlformats.org/drawingml/2006/main" xmlns:r="http://schemas.openxmlformats.org/officeDocument/2006/relationships" xmlns:p="http://schemas.openxmlformats.org/presentationml/2006/main">
   <p:cSld>
     <p:spTree>
@@ -11179,10 +12303,9 @@
           <a:lstStyle/>
           <a:p>
             <a:r>
-              <a:rPr lang="en-US" dirty="0" smtClean="0"/>
+              <a:rPr lang="en-US" dirty="0"/>
               <a:t>27 Club?</a:t>
             </a:r>
-            <a:endParaRPr lang="en-US" dirty="0"/>
           </a:p>
         </p:txBody>
       </p:sp>
@@ -11207,34 +12330,33 @@
           <a:lstStyle/>
           <a:p>
             <a:r>
-              <a:rPr lang="en-US" dirty="0" smtClean="0"/>
+              <a:rPr lang="en-US" dirty="0"/>
               <a:t>Jim Morrison, 1943-1971</a:t>
             </a:r>
           </a:p>
           <a:p>
             <a:r>
-              <a:rPr lang="en-US" dirty="0" smtClean="0"/>
-              <a:t>Jimi Hendrix, 1942, 1970</a:t>
-            </a:r>
-          </a:p>
-          <a:p>
-            <a:r>
-              <a:rPr lang="en-US" dirty="0" smtClean="0"/>
+              <a:rPr lang="en-US" dirty="0"/>
+              <a:t>Jimi Hendrix, 1942-1970</a:t>
+            </a:r>
+          </a:p>
+          <a:p>
+            <a:r>
+              <a:rPr lang="en-US" dirty="0"/>
               <a:t>Janis Joplin, 1943-1970</a:t>
             </a:r>
           </a:p>
           <a:p>
             <a:r>
-              <a:rPr lang="en-US" dirty="0" smtClean="0"/>
+              <a:rPr lang="en-US" dirty="0"/>
               <a:t>Brian Jones, 1942-1969</a:t>
             </a:r>
           </a:p>
           <a:p>
             <a:r>
-              <a:rPr lang="en-US" dirty="0" smtClean="0"/>
+              <a:rPr lang="en-US" dirty="0"/>
               <a:t>Kurt Cobain, 1967-1994</a:t>
             </a:r>
-            <a:endParaRPr lang="en-US" dirty="0"/>
           </a:p>
         </p:txBody>
       </p:sp>
@@ -11392,17 +12514,10 @@
   <p:clrMapOvr>
     <a:masterClrMapping/>
   </p:clrMapOvr>
-  <p:timing>
-    <p:tnLst>
-      <p:par>
-        <p:cTn id="1" dur="indefinite" restart="never" nodeType="tmRoot"/>
-      </p:par>
-    </p:tnLst>
-  </p:timing>
 </p:sld>
 </file>
 
-<file path=ppt/slides/slide6.xml><?xml version="1.0" encoding="utf-8"?>
+<file path=ppt/slides/slide8.xml><?xml version="1.0" encoding="utf-8"?>
 <p:sld xmlns:a="http://schemas.openxmlformats.org/drawingml/2006/main" xmlns:r="http://schemas.openxmlformats.org/officeDocument/2006/relationships" xmlns:p="http://schemas.openxmlformats.org/presentationml/2006/main">
   <p:cSld>
     <p:spTree>
@@ -11435,10 +12550,9 @@
           <a:lstStyle/>
           <a:p>
             <a:r>
-              <a:rPr lang="en-US" dirty="0" smtClean="0"/>
+              <a:rPr lang="en-US" dirty="0"/>
               <a:t>The Good, Pink Floyd, 1965-1994</a:t>
             </a:r>
-            <a:endParaRPr lang="en-US" dirty="0"/>
           </a:p>
         </p:txBody>
       </p:sp>
@@ -11465,33 +12579,25 @@
           <a:lstStyle/>
           <a:p>
             <a:r>
-              <a:rPr lang="en-US" dirty="0" smtClean="0"/>
-              <a:t>Nick Mason (drums), Syd Barrett (song-writer, left 1968), Roger Waters (bass guitar, vocals, song-writer), Richard Wright (keyboards), David Gilmour</a:t>
-            </a:r>
-            <a:r>
               <a:rPr lang="en-US" dirty="0"/>
-              <a:t> </a:t>
-            </a:r>
-            <a:r>
-              <a:rPr lang="en-US" dirty="0" smtClean="0"/>
-              <a:t>(lead guitar, joined 1967)</a:t>
-            </a:r>
-          </a:p>
-          <a:p>
-            <a:r>
-              <a:rPr lang="en-US" dirty="0" smtClean="0"/>
+              <a:t>Nick Mason (drums), Syd Barrett (song-writer, left 1968), Roger Waters (bass guitar, vocals, song-writer), Richard Wright (keyboards), David Gilmour (lead guitar, joined 1967)</a:t>
+            </a:r>
+          </a:p>
+          <a:p>
+            <a:r>
+              <a:rPr lang="en-US" dirty="0"/>
               <a:t>Originally the “Tea Set”, then “Pink Floyd”, after Pink Anderson and Floyd Council.</a:t>
             </a:r>
           </a:p>
           <a:p>
             <a:r>
-              <a:rPr lang="en-US" dirty="0" smtClean="0"/>
+              <a:rPr lang="en-US" dirty="0"/>
               <a:t>Waters did most of the writing.</a:t>
             </a:r>
           </a:p>
           <a:p>
             <a:r>
-              <a:rPr lang="en-US" dirty="0" smtClean="0"/>
+              <a:rPr lang="en-US" dirty="0"/>
               <a:t>Created four incredible concept albums: </a:t>
             </a:r>
           </a:p>
@@ -11550,17 +12656,10 @@
   <p:clrMapOvr>
     <a:masterClrMapping/>
   </p:clrMapOvr>
-  <p:timing>
-    <p:tnLst>
-      <p:par>
-        <p:cTn id="1" dur="indefinite" restart="never" nodeType="tmRoot"/>
-      </p:par>
-    </p:tnLst>
-  </p:timing>
 </p:sld>
 </file>
 
-<file path=ppt/slides/slide7.xml><?xml version="1.0" encoding="utf-8"?>
+<file path=ppt/slides/slide9.xml><?xml version="1.0" encoding="utf-8"?>
 <p:sld xmlns:a="http://schemas.openxmlformats.org/drawingml/2006/main" xmlns:r="http://schemas.openxmlformats.org/officeDocument/2006/relationships" xmlns:p="http://schemas.openxmlformats.org/presentationml/2006/main" showMasterSp="0">
   <p:cSld>
     <p:bg>
@@ -11608,18 +12707,13 @@
           <a:lstStyle/>
           <a:p>
             <a:r>
-              <a:rPr lang="en-US" b="1" dirty="0" smtClean="0">
+              <a:rPr lang="en-US" b="1" dirty="0">
                 <a:solidFill>
                   <a:schemeClr val="bg1"/>
                 </a:solidFill>
               </a:rPr>
               <a:t>The Dark Side of the Moon, 1973</a:t>
             </a:r>
-            <a:endParaRPr lang="en-US" b="1" dirty="0">
-              <a:solidFill>
-                <a:schemeClr val="bg1"/>
-              </a:solidFill>
-            </a:endParaRPr>
           </a:p>
         </p:txBody>
       </p:sp>
@@ -11641,7 +12735,7 @@
           <a:lstStyle/>
           <a:p>
             <a:r>
-              <a:rPr lang="en-US" sz="2400" b="1" smtClean="0">
+              <a:rPr lang="en-US" sz="2400" b="1">
                 <a:solidFill>
                   <a:schemeClr val="bg1"/>
                 </a:solidFill>
@@ -11649,20 +12743,12 @@
               <a:t>Waters wrote </a:t>
             </a:r>
             <a:r>
-              <a:rPr lang="en-US" sz="2400" b="1" dirty="0" smtClean="0">
-                <a:solidFill>
-                  <a:schemeClr val="bg1"/>
-                </a:solidFill>
-              </a:rPr>
-              <a:t>most of the </a:t>
-            </a:r>
-            <a:r>
               <a:rPr lang="en-US" sz="2400" b="1" dirty="0">
                 <a:solidFill>
                   <a:schemeClr val="bg1"/>
                 </a:solidFill>
               </a:rPr>
-              <a:t>music</a:t>
+              <a:t>most of the music</a:t>
             </a:r>
           </a:p>
           <a:p>
@@ -11702,20 +12788,12 @@
                   <a:schemeClr val="bg1"/>
                 </a:solidFill>
               </a:rPr>
-              <a:t>Second highest selling album of all </a:t>
-            </a:r>
-            <a:r>
-              <a:rPr lang="en-US" sz="2400" b="1" dirty="0" smtClean="0">
-                <a:solidFill>
-                  <a:schemeClr val="bg1"/>
-                </a:solidFill>
-              </a:rPr>
-              <a:t>time</a:t>
-            </a:r>
-          </a:p>
-          <a:p>
-            <a:r>
-              <a:rPr lang="en-US" sz="2400" b="1" dirty="0" smtClean="0">
+              <a:t>Second highest selling album of all time</a:t>
+            </a:r>
+          </a:p>
+          <a:p>
+            <a:r>
+              <a:rPr lang="en-US" sz="2400" b="1" dirty="0">
                 <a:solidFill>
                   <a:schemeClr val="bg1"/>
                 </a:solidFill>
@@ -11725,7 +12803,7 @@
           </a:p>
           <a:p>
             <a:r>
-              <a:rPr lang="en-US" sz="2400" b="1" dirty="0" smtClean="0">
+              <a:rPr lang="en-US" sz="2400" b="1" dirty="0">
                 <a:solidFill>
                   <a:schemeClr val="bg1"/>
                 </a:solidFill>
@@ -11733,7 +12811,7 @@
               <a:t>B Side: “Money”, “Us and Them”, “Any </a:t>
             </a:r>
             <a:r>
-              <a:rPr lang="en-US" sz="2400" b="1" dirty="0" err="1" smtClean="0">
+              <a:rPr lang="en-US" sz="2400" b="1" dirty="0" err="1">
                 <a:solidFill>
                   <a:schemeClr val="bg1"/>
                 </a:solidFill>
@@ -11741,18 +12819,13 @@
               <a:t>Colour</a:t>
             </a:r>
             <a:r>
-              <a:rPr lang="en-US" sz="2400" b="1" dirty="0" smtClean="0">
+              <a:rPr lang="en-US" sz="2400" b="1" dirty="0">
                 <a:solidFill>
                   <a:schemeClr val="bg1"/>
                 </a:solidFill>
               </a:rPr>
               <a:t> You Like”, “Brain Damage,” “Eclipse”</a:t>
             </a:r>
-            <a:endParaRPr lang="en-US" sz="2400" b="1" dirty="0">
-              <a:solidFill>
-                <a:schemeClr val="bg1"/>
-              </a:solidFill>
-            </a:endParaRPr>
           </a:p>
           <a:p>
             <a:endParaRPr lang="en-US" sz="2400" b="1" dirty="0">
@@ -11773,429 +12846,6 @@
   <p:clrMapOvr>
     <a:masterClrMapping/>
   </p:clrMapOvr>
-  <p:timing>
-    <p:tnLst>
-      <p:par>
-        <p:cTn id="1" dur="indefinite" restart="never" nodeType="tmRoot"/>
-      </p:par>
-    </p:tnLst>
-  </p:timing>
-</p:sld>
-</file>
-
-<file path=ppt/slides/slide8.xml><?xml version="1.0" encoding="utf-8"?>
-<p:sld xmlns:a="http://schemas.openxmlformats.org/drawingml/2006/main" xmlns:r="http://schemas.openxmlformats.org/officeDocument/2006/relationships" xmlns:p="http://schemas.openxmlformats.org/presentationml/2006/main">
-  <p:cSld>
-    <p:spTree>
-      <p:nvGrpSpPr>
-        <p:cNvPr id="1" name=""/>
-        <p:cNvGrpSpPr/>
-        <p:nvPr/>
-      </p:nvGrpSpPr>
-      <p:grpSpPr>
-        <a:xfrm>
-          <a:off x="0" y="0"/>
-          <a:ext cx="0" cy="0"/>
-          <a:chOff x="0" y="0"/>
-          <a:chExt cx="0" cy="0"/>
-        </a:xfrm>
-      </p:grpSpPr>
-      <p:sp>
-        <p:nvSpPr>
-          <p:cNvPr id="2" name="Title 1"/>
-          <p:cNvSpPr>
-            <a:spLocks noGrp="1"/>
-          </p:cNvSpPr>
-          <p:nvPr>
-            <p:ph type="title"/>
-          </p:nvPr>
-        </p:nvSpPr>
-        <p:spPr>
-          <a:xfrm>
-            <a:off x="1371600" y="400048"/>
-            <a:ext cx="9601200" cy="742950"/>
-          </a:xfrm>
-        </p:spPr>
-        <p:txBody>
-          <a:bodyPr>
-            <a:noAutofit/>
-          </a:bodyPr>
-          <a:lstStyle/>
-          <a:p>
-            <a:r>
-              <a:rPr lang="en-US" sz="5400" dirty="0" smtClean="0"/>
-              <a:t>Pink Floyd, after </a:t>
-            </a:r>
-            <a:r>
-              <a:rPr lang="en-US" sz="5400" i="1" dirty="0" smtClean="0"/>
-              <a:t>Dark Side</a:t>
-            </a:r>
-            <a:endParaRPr lang="en-US" sz="5400" i="1" dirty="0"/>
-          </a:p>
-        </p:txBody>
-      </p:sp>
-      <p:sp>
-        <p:nvSpPr>
-          <p:cNvPr id="3" name="Content Placeholder 2"/>
-          <p:cNvSpPr>
-            <a:spLocks noGrp="1"/>
-          </p:cNvSpPr>
-          <p:nvPr>
-            <p:ph idx="1"/>
-          </p:nvPr>
-        </p:nvSpPr>
-        <p:spPr>
-          <a:xfrm>
-            <a:off x="1097279" y="1575583"/>
-            <a:ext cx="5542672" cy="4901416"/>
-          </a:xfrm>
-        </p:spPr>
-        <p:txBody>
-          <a:bodyPr>
-            <a:noAutofit/>
-          </a:bodyPr>
-          <a:lstStyle/>
-          <a:p>
-            <a:r>
-              <a:rPr lang="en-US" sz="3200" i="1" dirty="0"/>
-              <a:t>Wish You Were Here</a:t>
-            </a:r>
-            <a:r>
-              <a:rPr lang="en-US" sz="3200" dirty="0"/>
-              <a:t> (1975</a:t>
-            </a:r>
-            <a:r>
-              <a:rPr lang="en-US" sz="3200" dirty="0" smtClean="0"/>
-              <a:t>)</a:t>
-            </a:r>
-          </a:p>
-          <a:p>
-            <a:r>
-              <a:rPr lang="en-US" sz="3200" dirty="0"/>
-              <a:t> </a:t>
-            </a:r>
-            <a:r>
-              <a:rPr lang="en-US" sz="3200" i="1" dirty="0"/>
-              <a:t>Animals</a:t>
-            </a:r>
-            <a:r>
-              <a:rPr lang="en-US" sz="3200" dirty="0"/>
-              <a:t> (1977</a:t>
-            </a:r>
-            <a:r>
-              <a:rPr lang="en-US" sz="3200" dirty="0" smtClean="0"/>
-              <a:t>)</a:t>
-            </a:r>
-          </a:p>
-          <a:p>
-            <a:r>
-              <a:rPr lang="en-US" sz="3200" dirty="0"/>
-              <a:t> </a:t>
-            </a:r>
-            <a:r>
-              <a:rPr lang="en-US" sz="3200" i="1" dirty="0"/>
-              <a:t>The Wall</a:t>
-            </a:r>
-            <a:r>
-              <a:rPr lang="en-US" sz="3200" dirty="0"/>
-              <a:t> (1979</a:t>
-            </a:r>
-            <a:r>
-              <a:rPr lang="en-US" sz="3200" dirty="0" smtClean="0"/>
-              <a:t>): perhaps greatest concept album of all time.</a:t>
-            </a:r>
-          </a:p>
-          <a:p>
-            <a:r>
-              <a:rPr lang="en-US" sz="3200" i="1" dirty="0" smtClean="0"/>
-              <a:t>The </a:t>
-            </a:r>
-            <a:r>
-              <a:rPr lang="en-US" sz="3200" i="1" dirty="0"/>
-              <a:t>Final Cut</a:t>
-            </a:r>
-            <a:r>
-              <a:rPr lang="en-US" sz="3200" dirty="0"/>
-              <a:t> (1983</a:t>
-            </a:r>
-            <a:r>
-              <a:rPr lang="en-US" sz="3200" dirty="0" smtClean="0"/>
-              <a:t>)</a:t>
-            </a:r>
-            <a:endParaRPr lang="en-US" sz="3200" dirty="0"/>
-          </a:p>
-        </p:txBody>
-      </p:sp>
-      <p:pic>
-        <p:nvPicPr>
-          <p:cNvPr id="4" name="Picture 3"/>
-          <p:cNvPicPr>
-            <a:picLocks noChangeAspect="1"/>
-          </p:cNvPicPr>
-          <p:nvPr/>
-        </p:nvPicPr>
-        <p:blipFill>
-          <a:blip r:embed="rId2">
-            <a:extLst>
-              <a:ext uri="{28A0092B-C50C-407E-A947-70E740481C1C}">
-                <a14:useLocalDpi xmlns:a14="http://schemas.microsoft.com/office/drawing/2010/main" val="0"/>
-              </a:ext>
-            </a:extLst>
-          </a:blip>
-          <a:stretch>
-            <a:fillRect/>
-          </a:stretch>
-        </p:blipFill>
-        <p:spPr>
-          <a:xfrm>
-            <a:off x="6935372" y="1497036"/>
-            <a:ext cx="4979963" cy="4979963"/>
-          </a:xfrm>
-          <a:prstGeom prst="rect">
-            <a:avLst/>
-          </a:prstGeom>
-        </p:spPr>
-      </p:pic>
-    </p:spTree>
-    <p:extLst>
-      <p:ext uri="{BB962C8B-B14F-4D97-AF65-F5344CB8AC3E}">
-        <p14:creationId xmlns:p14="http://schemas.microsoft.com/office/powerpoint/2010/main" val="3954793776"/>
-      </p:ext>
-    </p:extLst>
-  </p:cSld>
-  <p:clrMapOvr>
-    <a:masterClrMapping/>
-  </p:clrMapOvr>
-  <p:timing>
-    <p:tnLst>
-      <p:par>
-        <p:cTn id="1" dur="indefinite" restart="never" nodeType="tmRoot"/>
-      </p:par>
-    </p:tnLst>
-  </p:timing>
-</p:sld>
-</file>
-
-<file path=ppt/slides/slide9.xml><?xml version="1.0" encoding="utf-8"?>
-<p:sld xmlns:a="http://schemas.openxmlformats.org/drawingml/2006/main" xmlns:r="http://schemas.openxmlformats.org/officeDocument/2006/relationships" xmlns:p="http://schemas.openxmlformats.org/presentationml/2006/main">
-  <p:cSld>
-    <p:spTree>
-      <p:nvGrpSpPr>
-        <p:cNvPr id="1" name=""/>
-        <p:cNvGrpSpPr/>
-        <p:nvPr/>
-      </p:nvGrpSpPr>
-      <p:grpSpPr>
-        <a:xfrm>
-          <a:off x="0" y="0"/>
-          <a:ext cx="0" cy="0"/>
-          <a:chOff x="0" y="0"/>
-          <a:chExt cx="0" cy="0"/>
-        </a:xfrm>
-      </p:grpSpPr>
-      <p:sp>
-        <p:nvSpPr>
-          <p:cNvPr id="2" name="Title 1"/>
-          <p:cNvSpPr>
-            <a:spLocks noGrp="1"/>
-          </p:cNvSpPr>
-          <p:nvPr>
-            <p:ph type="title"/>
-          </p:nvPr>
-        </p:nvSpPr>
-        <p:spPr/>
-        <p:txBody>
-          <a:bodyPr>
-            <a:normAutofit fontScale="90000"/>
-          </a:bodyPr>
-          <a:lstStyle/>
-          <a:p>
-            <a:r>
-              <a:rPr lang="en-US" sz="7200" dirty="0" smtClean="0">
-                <a:latin typeface="Aharoni" panose="02010803020104030203" pitchFamily="2" charset="-79"/>
-                <a:cs typeface="Aharoni" panose="02010803020104030203" pitchFamily="2" charset="-79"/>
-              </a:rPr>
-              <a:t>David Bowie </a:t>
-            </a:r>
-            <a:r>
-              <a:rPr lang="en-US" dirty="0" smtClean="0"/>
-              <a:t/>
-            </a:r>
-            <a:br>
-              <a:rPr lang="en-US" dirty="0" smtClean="0"/>
-            </a:br>
-            <a:r>
-              <a:rPr lang="en-US" dirty="0" smtClean="0"/>
-              <a:t>(David Robert Jones, b. 1947)</a:t>
-            </a:r>
-            <a:endParaRPr lang="en-US" dirty="0"/>
-          </a:p>
-        </p:txBody>
-      </p:sp>
-      <p:sp>
-        <p:nvSpPr>
-          <p:cNvPr id="3" name="Content Placeholder 2"/>
-          <p:cNvSpPr>
-            <a:spLocks noGrp="1"/>
-          </p:cNvSpPr>
-          <p:nvPr>
-            <p:ph idx="1"/>
-          </p:nvPr>
-        </p:nvSpPr>
-        <p:spPr/>
-        <p:txBody>
-          <a:bodyPr/>
-          <a:lstStyle/>
-          <a:p>
-            <a:r>
-              <a:rPr lang="en-US" dirty="0" smtClean="0"/>
-              <a:t>“Space Oddity,” July 1969</a:t>
-            </a:r>
-          </a:p>
-          <a:p>
-            <a:r>
-              <a:rPr lang="en-US" dirty="0" smtClean="0"/>
-              <a:t>Nine days before Apollo 11 landed on the moon.</a:t>
-            </a:r>
-          </a:p>
-          <a:p>
-            <a:r>
-              <a:rPr lang="en-US" dirty="0" smtClean="0"/>
-              <a:t>Stanley Kubrick’s </a:t>
-            </a:r>
-            <a:r>
-              <a:rPr lang="en-US" i="1" dirty="0" smtClean="0"/>
-              <a:t>2001: A Space Odyssey </a:t>
-            </a:r>
-            <a:r>
-              <a:rPr lang="en-US" dirty="0" smtClean="0"/>
-              <a:t>(April 1968)</a:t>
-            </a:r>
-          </a:p>
-          <a:p>
-            <a:r>
-              <a:rPr lang="en-US" dirty="0" smtClean="0"/>
-              <a:t>Bowie’s first top five UK hit.</a:t>
-            </a:r>
-          </a:p>
-          <a:p>
-            <a:r>
-              <a:rPr lang="en-US" dirty="0" smtClean="0"/>
-              <a:t>Commercially very perceptive, theatrical, adventurous, and at times experimental.</a:t>
-            </a:r>
-          </a:p>
-          <a:p>
-            <a:r>
-              <a:rPr lang="en-US" dirty="0" smtClean="0"/>
-              <a:t>Original version: </a:t>
-            </a:r>
-            <a:r>
-              <a:rPr lang="en-US" dirty="0" smtClean="0">
-                <a:hlinkClick r:id="rId2"/>
-              </a:rPr>
-              <a:t>https</a:t>
-            </a:r>
-            <a:r>
-              <a:rPr lang="en-US" dirty="0">
-                <a:hlinkClick r:id="rId2"/>
-              </a:rPr>
-              <a:t>://</a:t>
-            </a:r>
-            <a:r>
-              <a:rPr lang="en-US" dirty="0" smtClean="0">
-                <a:hlinkClick r:id="rId2"/>
-              </a:rPr>
-              <a:t>www.youtube.com/watch?v=D67kmFzSh_o</a:t>
-            </a:r>
-            <a:endParaRPr lang="en-US" dirty="0" smtClean="0"/>
-          </a:p>
-          <a:p>
-            <a:r>
-              <a:rPr lang="en-US" dirty="0" smtClean="0"/>
-              <a:t>Re-released </a:t>
-            </a:r>
-            <a:r>
-              <a:rPr lang="en-US" dirty="0"/>
-              <a:t>version: </a:t>
-            </a:r>
-            <a:r>
-              <a:rPr lang="en-US" dirty="0">
-                <a:hlinkClick r:id="rId3"/>
-              </a:rPr>
-              <a:t>https://</a:t>
-            </a:r>
-            <a:r>
-              <a:rPr lang="en-US" dirty="0" smtClean="0">
-                <a:hlinkClick r:id="rId3"/>
-              </a:rPr>
-              <a:t>www.youtube.com/watch?v=iYYRH4apXDo</a:t>
-            </a:r>
-            <a:endParaRPr lang="en-US" dirty="0" smtClean="0"/>
-          </a:p>
-          <a:p>
-            <a:pPr marL="0" indent="0">
-              <a:buNone/>
-            </a:pPr>
-            <a:endParaRPr lang="en-US" dirty="0" smtClean="0"/>
-          </a:p>
-          <a:p>
-            <a:endParaRPr lang="en-US" dirty="0"/>
-          </a:p>
-        </p:txBody>
-      </p:sp>
-      <p:pic>
-        <p:nvPicPr>
-          <p:cNvPr id="4" name="Picture 3"/>
-          <p:cNvPicPr>
-            <a:picLocks noChangeAspect="1"/>
-          </p:cNvPicPr>
-          <p:nvPr/>
-        </p:nvPicPr>
-        <p:blipFill>
-          <a:blip r:embed="rId4">
-            <a:extLst>
-              <a:ext uri="{28A0092B-C50C-407E-A947-70E740481C1C}">
-                <a14:useLocalDpi xmlns:a14="http://schemas.microsoft.com/office/drawing/2010/main" val="0"/>
-              </a:ext>
-            </a:extLst>
-          </a:blip>
-          <a:stretch>
-            <a:fillRect/>
-          </a:stretch>
-        </p:blipFill>
-        <p:spPr>
-          <a:xfrm>
-            <a:off x="8448541" y="266700"/>
-            <a:ext cx="3461286" cy="3472862"/>
-          </a:xfrm>
-          <a:prstGeom prst="rect">
-            <a:avLst/>
-          </a:prstGeom>
-          <a:ln>
-            <a:noFill/>
-          </a:ln>
-          <a:effectLst>
-            <a:softEdge rad="112500"/>
-          </a:effectLst>
-        </p:spPr>
-      </p:pic>
-    </p:spTree>
-    <p:extLst>
-      <p:ext uri="{BB962C8B-B14F-4D97-AF65-F5344CB8AC3E}">
-        <p14:creationId xmlns:p14="http://schemas.microsoft.com/office/powerpoint/2010/main" val="3093212768"/>
-      </p:ext>
-    </p:extLst>
-  </p:cSld>
-  <p:clrMapOvr>
-    <a:masterClrMapping/>
-  </p:clrMapOvr>
-  <p:timing>
-    <p:tnLst>
-      <p:par>
-        <p:cTn id="1" dur="indefinite" restart="never" nodeType="tmRoot"/>
-      </p:par>
-    </p:tnLst>
-  </p:timing>
 </p:sld>
 </file>
 

--- a/HSTR121/ppts/Early1970sGoodBadUgly.pptx
+++ b/HSTR121/ppts/Early1970sGoodBadUgly.pptx
@@ -214,7 +214,7 @@
           <a:p>
             <a:fld id="{56275479-FADF-41D7-8573-0C393984AE94}" type="datetimeFigureOut">
               <a:rPr lang="en-US" smtClean="0"/>
-              <a:t>3/5/18</a:t>
+              <a:t>3/8/18</a:t>
             </a:fld>
             <a:endParaRPr lang="en-US"/>
           </a:p>
@@ -909,7 +909,7 @@
             <a:fld id="{87DE6118-2437-4B30-8E3C-4D2BE6020583}" type="datetimeFigureOut">
               <a:rPr lang="en-US" dirty="0"/>
               <a:pPr/>
-              <a:t>3/5/18</a:t>
+              <a:t>3/8/18</a:t>
             </a:fld>
             <a:endParaRPr lang="en-US" dirty="0"/>
           </a:p>
@@ -1235,7 +1235,7 @@
           <a:p>
             <a:fld id="{87DE6118-2437-4B30-8E3C-4D2BE6020583}" type="datetimeFigureOut">
               <a:rPr lang="en-US" dirty="0"/>
-              <a:t>3/5/18</a:t>
+              <a:t>3/8/18</a:t>
             </a:fld>
             <a:endParaRPr lang="en-US" dirty="0"/>
           </a:p>
@@ -1410,7 +1410,7 @@
           <a:p>
             <a:fld id="{87DE6118-2437-4B30-8E3C-4D2BE6020583}" type="datetimeFigureOut">
               <a:rPr lang="en-US" dirty="0"/>
-              <a:t>3/5/18</a:t>
+              <a:t>3/8/18</a:t>
             </a:fld>
             <a:endParaRPr lang="en-US" dirty="0"/>
           </a:p>
@@ -1575,7 +1575,7 @@
           <a:p>
             <a:fld id="{87DE6118-2437-4B30-8E3C-4D2BE6020583}" type="datetimeFigureOut">
               <a:rPr lang="en-US" dirty="0"/>
-              <a:t>3/5/18</a:t>
+              <a:t>3/8/18</a:t>
             </a:fld>
             <a:endParaRPr lang="en-US" dirty="0"/>
           </a:p>
@@ -1848,7 +1848,7 @@
             <a:fld id="{87DE6118-2437-4B30-8E3C-4D2BE6020583}" type="datetimeFigureOut">
               <a:rPr lang="en-US" dirty="0"/>
               <a:pPr/>
-              <a:t>3/5/18</a:t>
+              <a:t>3/8/18</a:t>
             </a:fld>
             <a:endParaRPr lang="en-US" dirty="0"/>
           </a:p>
@@ -2238,7 +2238,7 @@
           <a:p>
             <a:fld id="{87DE6118-2437-4B30-8E3C-4D2BE6020583}" type="datetimeFigureOut">
               <a:rPr lang="en-US" dirty="0"/>
-              <a:t>3/5/18</a:t>
+              <a:t>3/8/18</a:t>
             </a:fld>
             <a:endParaRPr lang="en-US" dirty="0"/>
           </a:p>
@@ -2710,7 +2710,7 @@
           <a:p>
             <a:fld id="{87DE6118-2437-4B30-8E3C-4D2BE6020583}" type="datetimeFigureOut">
               <a:rPr lang="en-US" dirty="0"/>
-              <a:t>3/5/18</a:t>
+              <a:t>3/8/18</a:t>
             </a:fld>
             <a:endParaRPr lang="en-US" dirty="0"/>
           </a:p>
@@ -2823,7 +2823,7 @@
           <a:p>
             <a:fld id="{87DE6118-2437-4B30-8E3C-4D2BE6020583}" type="datetimeFigureOut">
               <a:rPr lang="en-US" dirty="0"/>
-              <a:t>3/5/18</a:t>
+              <a:t>3/8/18</a:t>
             </a:fld>
             <a:endParaRPr lang="en-US" dirty="0"/>
           </a:p>
@@ -2913,7 +2913,7 @@
           <a:p>
             <a:fld id="{87DE6118-2437-4B30-8E3C-4D2BE6020583}" type="datetimeFigureOut">
               <a:rPr lang="en-US" dirty="0"/>
-              <a:t>3/5/18</a:t>
+              <a:t>3/8/18</a:t>
             </a:fld>
             <a:endParaRPr lang="en-US" dirty="0"/>
           </a:p>
@@ -3255,7 +3255,7 @@
             <a:fld id="{87DE6118-2437-4B30-8E3C-4D2BE6020583}" type="datetimeFigureOut">
               <a:rPr lang="en-US" dirty="0"/>
               <a:pPr/>
-              <a:t>3/5/18</a:t>
+              <a:t>3/8/18</a:t>
             </a:fld>
             <a:endParaRPr lang="en-US" dirty="0"/>
           </a:p>
@@ -3640,7 +3640,7 @@
             <a:fld id="{87DE6118-2437-4B30-8E3C-4D2BE6020583}" type="datetimeFigureOut">
               <a:rPr lang="en-US" dirty="0"/>
               <a:pPr/>
-              <a:t>3/5/18</a:t>
+              <a:t>3/8/18</a:t>
             </a:fld>
             <a:endParaRPr lang="en-US" dirty="0"/>
           </a:p>
@@ -3915,7 +3915,7 @@
             <a:fld id="{87DE6118-2437-4B30-8E3C-4D2BE6020583}" type="datetimeFigureOut">
               <a:rPr lang="en-US" dirty="0"/>
               <a:pPr/>
-              <a:t>3/5/18</a:t>
+              <a:t>3/8/18</a:t>
             </a:fld>
             <a:endParaRPr lang="en-US" dirty="0"/>
           </a:p>
@@ -5237,14 +5237,25 @@
             <p:ph type="title"/>
           </p:nvPr>
         </p:nvSpPr>
-        <p:spPr/>
+        <p:spPr>
+          <a:xfrm>
+            <a:off x="1371600" y="685800"/>
+            <a:ext cx="9601200" cy="886146"/>
+          </a:xfrm>
+        </p:spPr>
         <p:txBody>
-          <a:bodyPr/>
+          <a:bodyPr>
+            <a:normAutofit fontScale="90000"/>
+          </a:bodyPr>
           <a:lstStyle/>
           <a:p>
             <a:r>
+              <a:rPr lang="en-US" sz="6000" dirty="0"/>
+              <a:t>Heart</a:t>
+            </a:r>
+            <a:r>
               <a:rPr lang="en-US" dirty="0"/>
-              <a:t>Heart, Anne and Nancy Wilson</a:t>
+              <a:t>, Anne and Nancy Wilson</a:t>
             </a:r>
           </a:p>
         </p:txBody>

--- a/HSTR121/ppts/Early1970sGoodBadUgly.pptx
+++ b/HSTR121/ppts/Early1970sGoodBadUgly.pptx
@@ -214,7 +214,7 @@
           <a:p>
             <a:fld id="{56275479-FADF-41D7-8573-0C393984AE94}" type="datetimeFigureOut">
               <a:rPr lang="en-US" smtClean="0"/>
-              <a:t>3/8/18</a:t>
+              <a:t>3/12/18</a:t>
             </a:fld>
             <a:endParaRPr lang="en-US"/>
           </a:p>
@@ -909,7 +909,7 @@
             <a:fld id="{87DE6118-2437-4B30-8E3C-4D2BE6020583}" type="datetimeFigureOut">
               <a:rPr lang="en-US" dirty="0"/>
               <a:pPr/>
-              <a:t>3/8/18</a:t>
+              <a:t>3/12/18</a:t>
             </a:fld>
             <a:endParaRPr lang="en-US" dirty="0"/>
           </a:p>
@@ -1235,7 +1235,7 @@
           <a:p>
             <a:fld id="{87DE6118-2437-4B30-8E3C-4D2BE6020583}" type="datetimeFigureOut">
               <a:rPr lang="en-US" dirty="0"/>
-              <a:t>3/8/18</a:t>
+              <a:t>3/12/18</a:t>
             </a:fld>
             <a:endParaRPr lang="en-US" dirty="0"/>
           </a:p>
@@ -1410,7 +1410,7 @@
           <a:p>
             <a:fld id="{87DE6118-2437-4B30-8E3C-4D2BE6020583}" type="datetimeFigureOut">
               <a:rPr lang="en-US" dirty="0"/>
-              <a:t>3/8/18</a:t>
+              <a:t>3/12/18</a:t>
             </a:fld>
             <a:endParaRPr lang="en-US" dirty="0"/>
           </a:p>
@@ -1575,7 +1575,7 @@
           <a:p>
             <a:fld id="{87DE6118-2437-4B30-8E3C-4D2BE6020583}" type="datetimeFigureOut">
               <a:rPr lang="en-US" dirty="0"/>
-              <a:t>3/8/18</a:t>
+              <a:t>3/12/18</a:t>
             </a:fld>
             <a:endParaRPr lang="en-US" dirty="0"/>
           </a:p>
@@ -1848,7 +1848,7 @@
             <a:fld id="{87DE6118-2437-4B30-8E3C-4D2BE6020583}" type="datetimeFigureOut">
               <a:rPr lang="en-US" dirty="0"/>
               <a:pPr/>
-              <a:t>3/8/18</a:t>
+              <a:t>3/12/18</a:t>
             </a:fld>
             <a:endParaRPr lang="en-US" dirty="0"/>
           </a:p>
@@ -2238,7 +2238,7 @@
           <a:p>
             <a:fld id="{87DE6118-2437-4B30-8E3C-4D2BE6020583}" type="datetimeFigureOut">
               <a:rPr lang="en-US" dirty="0"/>
-              <a:t>3/8/18</a:t>
+              <a:t>3/12/18</a:t>
             </a:fld>
             <a:endParaRPr lang="en-US" dirty="0"/>
           </a:p>
@@ -2710,7 +2710,7 @@
           <a:p>
             <a:fld id="{87DE6118-2437-4B30-8E3C-4D2BE6020583}" type="datetimeFigureOut">
               <a:rPr lang="en-US" dirty="0"/>
-              <a:t>3/8/18</a:t>
+              <a:t>3/12/18</a:t>
             </a:fld>
             <a:endParaRPr lang="en-US" dirty="0"/>
           </a:p>
@@ -2823,7 +2823,7 @@
           <a:p>
             <a:fld id="{87DE6118-2437-4B30-8E3C-4D2BE6020583}" type="datetimeFigureOut">
               <a:rPr lang="en-US" dirty="0"/>
-              <a:t>3/8/18</a:t>
+              <a:t>3/12/18</a:t>
             </a:fld>
             <a:endParaRPr lang="en-US" dirty="0"/>
           </a:p>
@@ -2913,7 +2913,7 @@
           <a:p>
             <a:fld id="{87DE6118-2437-4B30-8E3C-4D2BE6020583}" type="datetimeFigureOut">
               <a:rPr lang="en-US" dirty="0"/>
-              <a:t>3/8/18</a:t>
+              <a:t>3/12/18</a:t>
             </a:fld>
             <a:endParaRPr lang="en-US" dirty="0"/>
           </a:p>
@@ -3255,7 +3255,7 @@
             <a:fld id="{87DE6118-2437-4B30-8E3C-4D2BE6020583}" type="datetimeFigureOut">
               <a:rPr lang="en-US" dirty="0"/>
               <a:pPr/>
-              <a:t>3/8/18</a:t>
+              <a:t>3/12/18</a:t>
             </a:fld>
             <a:endParaRPr lang="en-US" dirty="0"/>
           </a:p>
@@ -3640,7 +3640,7 @@
             <a:fld id="{87DE6118-2437-4B30-8E3C-4D2BE6020583}" type="datetimeFigureOut">
               <a:rPr lang="en-US" dirty="0"/>
               <a:pPr/>
-              <a:t>3/8/18</a:t>
+              <a:t>3/12/18</a:t>
             </a:fld>
             <a:endParaRPr lang="en-US" dirty="0"/>
           </a:p>
@@ -3915,7 +3915,7 @@
             <a:fld id="{87DE6118-2437-4B30-8E3C-4D2BE6020583}" type="datetimeFigureOut">
               <a:rPr lang="en-US" dirty="0"/>
               <a:pPr/>
-              <a:t>3/8/18</a:t>
+              <a:t>3/12/18</a:t>
             </a:fld>
             <a:endParaRPr lang="en-US" dirty="0"/>
           </a:p>
@@ -5052,7 +5052,12 @@
             <p:ph type="title"/>
           </p:nvPr>
         </p:nvSpPr>
-        <p:spPr/>
+        <p:spPr>
+          <a:xfrm>
+            <a:off x="1371600" y="258417"/>
+            <a:ext cx="9601200" cy="1913283"/>
+          </a:xfrm>
+        </p:spPr>
         <p:txBody>
           <a:bodyPr>
             <a:normAutofit fontScale="90000"/>
@@ -5239,13 +5244,13 @@
         </p:nvSpPr>
         <p:spPr>
           <a:xfrm>
-            <a:off x="1371600" y="685800"/>
-            <a:ext cx="9601200" cy="886146"/>
+            <a:off x="1252330" y="308113"/>
+            <a:ext cx="9720470" cy="1263833"/>
           </a:xfrm>
         </p:spPr>
         <p:txBody>
           <a:bodyPr>
-            <a:normAutofit fontScale="90000"/>
+            <a:normAutofit/>
           </a:bodyPr>
           <a:lstStyle/>
           <a:p>
@@ -5255,7 +5260,7 @@
             </a:r>
             <a:r>
               <a:rPr lang="en-US" dirty="0"/>
-              <a:t>, Anne and Nancy Wilson</a:t>
+              <a:t>, Ann and Nancy Wilson</a:t>
             </a:r>
           </a:p>
         </p:txBody>
@@ -5272,18 +5277,63 @@
         </p:nvSpPr>
         <p:spPr>
           <a:xfrm>
-            <a:off x="1371600" y="2285999"/>
-            <a:ext cx="6188299" cy="4359499"/>
+            <a:off x="1252330" y="1818861"/>
+            <a:ext cx="6307569" cy="4826637"/>
           </a:xfrm>
         </p:spPr>
         <p:txBody>
-          <a:bodyPr/>
+          <a:bodyPr>
+            <a:normAutofit/>
+          </a:bodyPr>
           <a:lstStyle/>
           <a:p>
             <a:r>
               <a:rPr lang="en-US" dirty="0"/>
-              <a:t>Started in Seattle, WA, but guys escaped draft to Vancouver, Canada.</a:t>
-            </a:r>
+              <a:t>Started in Seattle, WA, but Fisher brothers (Mike and Roger) escaped draft to Vancouver, Canada.</a:t>
+            </a:r>
+          </a:p>
+          <a:p>
+            <a:r>
+              <a:rPr lang="en-US" dirty="0"/>
+              <a:t>Ann joined before the move abroad.</a:t>
+            </a:r>
+          </a:p>
+          <a:p>
+            <a:r>
+              <a:rPr lang="en-US" dirty="0"/>
+              <a:t>Nancy (lead guitar) joined in 1974.</a:t>
+            </a:r>
+          </a:p>
+          <a:p>
+            <a:r>
+              <a:rPr lang="en-CA" dirty="0"/>
+              <a:t>Also: Roger Fisher (guitar), Howard </a:t>
+            </a:r>
+            <a:r>
+              <a:rPr lang="en-CA" dirty="0" err="1"/>
+              <a:t>Leese</a:t>
+            </a:r>
+            <a:r>
+              <a:rPr lang="en-CA" dirty="0"/>
+              <a:t> (keyboardist), Steve </a:t>
+            </a:r>
+            <a:r>
+              <a:rPr lang="en-CA" dirty="0" err="1"/>
+              <a:t>Fossen</a:t>
+            </a:r>
+            <a:r>
+              <a:rPr lang="en-CA" dirty="0"/>
+              <a:t> (bassist), and Michael </a:t>
+            </a:r>
+            <a:r>
+              <a:rPr lang="en-CA" dirty="0" err="1"/>
+              <a:t>Derosier</a:t>
+            </a:r>
+            <a:r>
+              <a:rPr lang="en-CA" dirty="0"/>
+              <a:t> (drums).</a:t>
+            </a:r>
+            <a:endParaRPr lang="en-US" dirty="0"/>
           </a:p>
           <a:p>
             <a:r>
@@ -5302,7 +5352,7 @@
           <a:p>
             <a:r>
               <a:rPr lang="en-US" dirty="0"/>
-              <a:t>Sold 30,000 copies in a few months (Canadian content rule).</a:t>
+              <a:t>Sold 30,000 copies in a few months (Canadian content rule); sold 2.5 million by 1977.</a:t>
             </a:r>
           </a:p>
           <a:p>

--- a/HSTR121/ppts/Early1970sGoodBadUgly.pptx
+++ b/HSTR121/ppts/Early1970sGoodBadUgly.pptx
@@ -5,7 +5,7 @@
     <p:sldMasterId id="2147483648" r:id="rId1"/>
   </p:sldMasterIdLst>
   <p:notesMasterIdLst>
-    <p:notesMasterId r:id="rId20"/>
+    <p:notesMasterId r:id="rId21"/>
   </p:notesMasterIdLst>
   <p:sldIdLst>
     <p:sldId id="256" r:id="rId2"/>
@@ -22,10 +22,11 @@
     <p:sldId id="264" r:id="rId13"/>
     <p:sldId id="265" r:id="rId14"/>
     <p:sldId id="266" r:id="rId15"/>
-    <p:sldId id="267" r:id="rId16"/>
-    <p:sldId id="268" r:id="rId17"/>
-    <p:sldId id="269" r:id="rId18"/>
-    <p:sldId id="270" r:id="rId19"/>
+    <p:sldId id="274" r:id="rId16"/>
+    <p:sldId id="267" r:id="rId17"/>
+    <p:sldId id="268" r:id="rId18"/>
+    <p:sldId id="269" r:id="rId19"/>
+    <p:sldId id="270" r:id="rId20"/>
   </p:sldIdLst>
   <p:sldSz cx="12192000" cy="6858000"/>
   <p:notesSz cx="6858000" cy="9144000"/>
@@ -549,7 +550,7 @@
           <a:p>
             <a:fld id="{4650ECFB-5DB9-4830-AE31-9E69EEFBEC8B}" type="slidenum">
               <a:rPr lang="en-US" smtClean="0"/>
-              <a:t>16</a:t>
+              <a:t>17</a:t>
             </a:fld>
             <a:endParaRPr lang="en-US"/>
           </a:p>
@@ -633,7 +634,7 @@
           <a:p>
             <a:fld id="{4650ECFB-5DB9-4830-AE31-9E69EEFBEC8B}" type="slidenum">
               <a:rPr lang="en-US" smtClean="0"/>
-              <a:t>17</a:t>
+              <a:t>18</a:t>
             </a:fld>
             <a:endParaRPr lang="en-US"/>
           </a:p>
@@ -720,7 +721,7 @@
           <a:p>
             <a:fld id="{4650ECFB-5DB9-4830-AE31-9E69EEFBEC8B}" type="slidenum">
               <a:rPr lang="en-US" smtClean="0"/>
-              <a:t>18</a:t>
+              <a:t>19</a:t>
             </a:fld>
             <a:endParaRPr lang="en-US"/>
           </a:p>
@@ -5421,6 +5422,287 @@
 <file path=ppt/slides/slide15.xml><?xml version="1.0" encoding="utf-8"?>
 <p:sld xmlns:a="http://schemas.openxmlformats.org/drawingml/2006/main" xmlns:r="http://schemas.openxmlformats.org/officeDocument/2006/relationships" xmlns:p="http://schemas.openxmlformats.org/presentationml/2006/main">
   <p:cSld>
+    <p:bg>
+      <p:bgPr>
+        <a:solidFill>
+          <a:schemeClr val="bg2"/>
+        </a:solidFill>
+        <a:effectLst/>
+      </p:bgPr>
+    </p:bg>
+    <p:spTree>
+      <p:nvGrpSpPr>
+        <p:cNvPr id="1" name=""/>
+        <p:cNvGrpSpPr/>
+        <p:nvPr/>
+      </p:nvGrpSpPr>
+      <p:grpSpPr>
+        <a:xfrm>
+          <a:off x="0" y="0"/>
+          <a:ext cx="0" cy="0"/>
+          <a:chOff x="0" y="0"/>
+          <a:chExt cx="0" cy="0"/>
+        </a:xfrm>
+      </p:grpSpPr>
+      <p:sp useBgFill="1">
+        <p:nvSpPr>
+          <p:cNvPr id="17" name="Rectangle 16">
+            <a:extLst>
+              <a:ext uri="{FF2B5EF4-FFF2-40B4-BE49-F238E27FC236}">
+                <a16:creationId xmlns:a16="http://schemas.microsoft.com/office/drawing/2014/main" id="{1D868099-6145-4BC0-A5EA-74BEF1776BA9}"/>
+              </a:ext>
+            </a:extLst>
+          </p:cNvPr>
+          <p:cNvSpPr>
+            <a:spLocks noGrp="1" noRot="1" noChangeAspect="1" noMove="1" noResize="1" noEditPoints="1" noAdjustHandles="1" noChangeArrowheads="1" noChangeShapeType="1" noTextEdit="1"/>
+          </p:cNvSpPr>
+          <p:nvPr>
+            <p:extLst>
+              <p:ext uri="{386F3935-93C4-4BCD-93E2-E3B085C9AB24}">
+                <p16:designElem xmlns:p16="http://schemas.microsoft.com/office/powerpoint/2015/main" val="1"/>
+              </p:ext>
+            </p:extLst>
+          </p:nvPr>
+        </p:nvSpPr>
+        <p:spPr>
+          <a:xfrm>
+            <a:off x="0" y="0"/>
+            <a:ext cx="12192000" cy="6858000"/>
+          </a:xfrm>
+          <a:prstGeom prst="rect">
+            <a:avLst/>
+          </a:prstGeom>
+          <a:ln>
+            <a:noFill/>
+          </a:ln>
+        </p:spPr>
+        <p:style>
+          <a:lnRef idx="2">
+            <a:schemeClr val="accent1">
+              <a:shade val="50000"/>
+            </a:schemeClr>
+          </a:lnRef>
+          <a:fillRef idx="1">
+            <a:schemeClr val="accent1"/>
+          </a:fillRef>
+          <a:effectRef idx="0">
+            <a:schemeClr val="accent1"/>
+          </a:effectRef>
+          <a:fontRef idx="minor">
+            <a:schemeClr val="lt1"/>
+          </a:fontRef>
+        </p:style>
+        <p:txBody>
+          <a:bodyPr rtlCol="0" anchor="ctr"/>
+          <a:lstStyle/>
+          <a:p>
+            <a:pPr algn="ctr"/>
+            <a:endParaRPr lang="en-US"/>
+          </a:p>
+        </p:txBody>
+      </p:sp>
+      <p:pic>
+        <p:nvPicPr>
+          <p:cNvPr id="12" name="Content Placeholder 8">
+            <a:extLst>
+              <a:ext uri="{FF2B5EF4-FFF2-40B4-BE49-F238E27FC236}">
+                <a16:creationId xmlns:a16="http://schemas.microsoft.com/office/drawing/2014/main" id="{7669F8ED-7C05-5747-840D-F60EC2B2075D}"/>
+              </a:ext>
+            </a:extLst>
+          </p:cNvPr>
+          <p:cNvPicPr>
+            <a:picLocks noChangeAspect="1"/>
+          </p:cNvPicPr>
+          <p:nvPr/>
+        </p:nvPicPr>
+        <p:blipFill>
+          <a:blip r:embed="rId2"/>
+          <a:stretch>
+            <a:fillRect/>
+          </a:stretch>
+        </p:blipFill>
+        <p:spPr>
+          <a:xfrm>
+            <a:off x="634275" y="1488268"/>
+            <a:ext cx="6900380" cy="3881463"/>
+          </a:xfrm>
+          <a:prstGeom prst="rect">
+            <a:avLst/>
+          </a:prstGeom>
+        </p:spPr>
+      </p:pic>
+      <p:sp>
+        <p:nvSpPr>
+          <p:cNvPr id="19" name="Freeform 6">
+            <a:extLst>
+              <a:ext uri="{FF2B5EF4-FFF2-40B4-BE49-F238E27FC236}">
+                <a16:creationId xmlns:a16="http://schemas.microsoft.com/office/drawing/2014/main" id="{CC1026F7-DECB-49B4-A565-518BBA445471}"/>
+              </a:ext>
+            </a:extLst>
+          </p:cNvPr>
+          <p:cNvSpPr>
+            <a:spLocks noGrp="1" noRot="1" noChangeAspect="1" noMove="1" noResize="1" noEditPoints="1" noAdjustHandles="1" noChangeArrowheads="1" noChangeShapeType="1" noTextEdit="1"/>
+          </p:cNvSpPr>
+          <p:nvPr>
+            <p:extLst>
+              <p:ext uri="{386F3935-93C4-4BCD-93E2-E3B085C9AB24}">
+                <p16:designElem xmlns:p16="http://schemas.microsoft.com/office/powerpoint/2015/main" val="1"/>
+              </p:ext>
+            </p:extLst>
+          </p:nvPr>
+        </p:nvSpPr>
+        <p:spPr bwMode="auto">
+          <a:xfrm flipH="1" flipV="1">
+            <a:off x="7983434" y="640080"/>
+            <a:ext cx="2296028" cy="3674981"/>
+          </a:xfrm>
+          <a:custGeom>
+            <a:avLst/>
+            <a:gdLst/>
+            <a:ahLst/>
+            <a:cxnLst/>
+            <a:rect l="l" t="t" r="r" b="b"/>
+            <a:pathLst>
+              <a:path w="10002" h="10000">
+                <a:moveTo>
+                  <a:pt x="8763" y="0"/>
+                </a:moveTo>
+                <a:lnTo>
+                  <a:pt x="10002" y="0"/>
+                </a:lnTo>
+                <a:lnTo>
+                  <a:pt x="10002" y="10000"/>
+                </a:lnTo>
+                <a:lnTo>
+                  <a:pt x="2" y="10000"/>
+                </a:lnTo>
+                <a:cubicBezTo>
+                  <a:pt x="-2" y="9698"/>
+                  <a:pt x="4" y="9427"/>
+                  <a:pt x="0" y="9125"/>
+                </a:cubicBezTo>
+                <a:lnTo>
+                  <a:pt x="8763" y="9128"/>
+                </a:lnTo>
+                <a:lnTo>
+                  <a:pt x="8763" y="0"/>
+                </a:lnTo>
+                <a:close/>
+              </a:path>
+            </a:pathLst>
+          </a:custGeom>
+          <a:solidFill>
+            <a:schemeClr val="tx2"/>
+          </a:solidFill>
+          <a:ln w="0">
+            <a:noFill/>
+            <a:prstDash val="solid"/>
+            <a:round/>
+            <a:headEnd/>
+            <a:tailEnd/>
+          </a:ln>
+        </p:spPr>
+      </p:sp>
+      <p:sp>
+        <p:nvSpPr>
+          <p:cNvPr id="2" name="Title 1">
+            <a:extLst>
+              <a:ext uri="{FF2B5EF4-FFF2-40B4-BE49-F238E27FC236}">
+                <a16:creationId xmlns:a16="http://schemas.microsoft.com/office/drawing/2014/main" id="{5AFF6252-FE8F-3F4E-95AD-26BA2CD32496}"/>
+              </a:ext>
+            </a:extLst>
+          </p:cNvPr>
+          <p:cNvSpPr>
+            <a:spLocks noGrp="1"/>
+          </p:cNvSpPr>
+          <p:nvPr>
+            <p:ph type="title"/>
+          </p:nvPr>
+        </p:nvSpPr>
+        <p:spPr>
+          <a:xfrm>
+            <a:off x="8471424" y="1110882"/>
+            <a:ext cx="3053039" cy="1060817"/>
+          </a:xfrm>
+        </p:spPr>
+        <p:txBody>
+          <a:bodyPr anchor="b">
+            <a:normAutofit/>
+          </a:bodyPr>
+          <a:lstStyle/>
+          <a:p>
+            <a:r>
+              <a:rPr lang="en-US" sz="2800"/>
+              <a:t>Heart, 1977</a:t>
+            </a:r>
+          </a:p>
+        </p:txBody>
+      </p:sp>
+      <p:sp>
+        <p:nvSpPr>
+          <p:cNvPr id="14" name="Content Placeholder 13">
+            <a:extLst>
+              <a:ext uri="{FF2B5EF4-FFF2-40B4-BE49-F238E27FC236}">
+                <a16:creationId xmlns:a16="http://schemas.microsoft.com/office/drawing/2014/main" id="{0813A0FC-89CC-418E-BEE4-502481ACB47D}"/>
+              </a:ext>
+            </a:extLst>
+          </p:cNvPr>
+          <p:cNvSpPr>
+            <a:spLocks noGrp="1"/>
+          </p:cNvSpPr>
+          <p:nvPr>
+            <p:ph idx="1"/>
+          </p:nvPr>
+        </p:nvSpPr>
+        <p:spPr>
+          <a:xfrm>
+            <a:off x="8471423" y="2286000"/>
+            <a:ext cx="3053039" cy="3931920"/>
+          </a:xfrm>
+        </p:spPr>
+        <p:txBody>
+          <a:bodyPr>
+            <a:normAutofit/>
+          </a:bodyPr>
+          <a:lstStyle/>
+          <a:p>
+            <a:r>
+              <a:rPr lang="en-US" sz="1600" dirty="0"/>
+              <a:t>Rolling Stone article: </a:t>
+            </a:r>
+          </a:p>
+          <a:p>
+            <a:r>
+              <a:rPr lang="en-US" sz="1600" dirty="0"/>
+              <a:t>https://</a:t>
+            </a:r>
+            <a:r>
+              <a:rPr lang="en-US" sz="1600" dirty="0" err="1"/>
+              <a:t>www.rollingstone.com</a:t>
+            </a:r>
+            <a:r>
+              <a:rPr lang="en-US" sz="1600" dirty="0"/>
+              <a:t>/music/features/the-wilson-sisters-talk-heart-to-heart-19770728</a:t>
+            </a:r>
+          </a:p>
+        </p:txBody>
+      </p:sp>
+    </p:spTree>
+    <p:extLst>
+      <p:ext uri="{BB962C8B-B14F-4D97-AF65-F5344CB8AC3E}">
+        <p14:creationId xmlns:p14="http://schemas.microsoft.com/office/powerpoint/2010/main" val="4197191302"/>
+      </p:ext>
+    </p:extLst>
+  </p:cSld>
+  <p:clrMapOvr>
+    <a:overrideClrMapping bg1="dk1" tx1="lt1" bg2="dk2" tx2="lt2" accent1="accent1" accent2="accent2" accent3="accent3" accent4="accent4" accent5="accent5" accent6="accent6" hlink="hlink" folHlink="folHlink"/>
+  </p:clrMapOvr>
+</p:sld>
+</file>
+
+<file path=ppt/slides/slide16.xml><?xml version="1.0" encoding="utf-8"?>
+<p:sld xmlns:a="http://schemas.openxmlformats.org/drawingml/2006/main" xmlns:r="http://schemas.openxmlformats.org/officeDocument/2006/relationships" xmlns:p="http://schemas.openxmlformats.org/presentationml/2006/main">
+  <p:cSld>
     <p:spTree>
       <p:nvGrpSpPr>
         <p:cNvPr id="1" name=""/>
@@ -6191,7 +6473,7 @@
 </p:sld>
 </file>
 
-<file path=ppt/slides/slide16.xml><?xml version="1.0" encoding="utf-8"?>
+<file path=ppt/slides/slide17.xml><?xml version="1.0" encoding="utf-8"?>
 <p:sld xmlns:a="http://schemas.openxmlformats.org/drawingml/2006/main" xmlns:r="http://schemas.openxmlformats.org/officeDocument/2006/relationships" xmlns:p="http://schemas.openxmlformats.org/presentationml/2006/main" showMasterSp="0">
   <p:cSld>
     <p:bg>
@@ -9225,7 +9507,7 @@
 </p:sld>
 </file>
 
-<file path=ppt/slides/slide17.xml><?xml version="1.0" encoding="utf-8"?>
+<file path=ppt/slides/slide18.xml><?xml version="1.0" encoding="utf-8"?>
 <p:sld xmlns:a="http://schemas.openxmlformats.org/drawingml/2006/main" xmlns:r="http://schemas.openxmlformats.org/officeDocument/2006/relationships" xmlns:p="http://schemas.openxmlformats.org/presentationml/2006/main">
   <p:cSld>
     <p:spTree>
@@ -10063,7 +10345,7 @@
 </p:sld>
 </file>
 
-<file path=ppt/slides/slide18.xml><?xml version="1.0" encoding="utf-8"?>
+<file path=ppt/slides/slide19.xml><?xml version="1.0" encoding="utf-8"?>
 <p:sld xmlns:a="http://schemas.openxmlformats.org/drawingml/2006/main" xmlns:r="http://schemas.openxmlformats.org/officeDocument/2006/relationships" xmlns:p="http://schemas.openxmlformats.org/presentationml/2006/main">
   <p:cSld>
     <p:spTree>
